--- a/thr3028(r).chrisdias.vscodetipstricks.pptx
+++ b/thr3028(r).chrisdias.vscodetipstricks.pptx
@@ -257,7 +257,7 @@
               <a:rPr lang="en-US" smtClean="0">
                 <a:latin typeface="Segoe UI" pitchFamily="34" charset="0"/>
               </a:rPr>
-              <a:t>9/21/17 2:32 PM</a:t>
+              <a:t>9/21/2017 6:16 PM</a:t>
             </a:fld>
             <a:endParaRPr lang="en-US" dirty="0">
               <a:latin typeface="Segoe UI" pitchFamily="34" charset="0"/>
@@ -551,7 +551,7 @@
           <a:p>
             <a:fld id="{D18B56EA-E28F-4F92-9F16-7A6F2501B303}" type="datetime8">
               <a:rPr lang="en-US" smtClean="0"/>
-              <a:t>9/21/17 2:32 PM</a:t>
+              <a:t>9/21/2017 6:16 PM</a:t>
             </a:fld>
             <a:endParaRPr lang="en-US" dirty="0"/>
           </a:p>
@@ -934,7 +934,7 @@
           <a:p>
             <a:fld id="{3313C66B-7AF5-40BA-8933-D16874FF94CC}" type="datetime8">
               <a:rPr lang="en-US" smtClean="0"/>
-              <a:t>9/21/17 2:32 PM</a:t>
+              <a:t>9/21/2017 6:16 PM</a:t>
             </a:fld>
             <a:endParaRPr lang="en-US" dirty="0"/>
           </a:p>
@@ -1021,21 +1021,37 @@
           <a:bodyPr/>
           <a:lstStyle/>
           <a:p>
-            <a:r>
-              <a:rPr lang="en-US" dirty="0"/>
-              <a:t>Even more resources can be found at the links on this slide!</a:t>
-            </a:r>
+            <a:endParaRPr lang="en-US"/>
           </a:p>
         </p:txBody>
       </p:sp>
       <p:sp>
         <p:nvSpPr>
-          <p:cNvPr id="4" name="Footer Placeholder 3"/>
+          <p:cNvPr id="4" name="Header Placeholder 3"/>
           <p:cNvSpPr>
             <a:spLocks noGrp="1"/>
           </p:cNvSpPr>
           <p:nvPr>
-            <p:ph type="ftr" sz="quarter" idx="10"/>
+            <p:ph type="hdr" sz="quarter" idx="10"/>
+          </p:nvPr>
+        </p:nvSpPr>
+        <p:spPr/>
+        <p:txBody>
+          <a:bodyPr/>
+          <a:lstStyle/>
+          <a:p>
+            <a:endParaRPr lang="en-US" dirty="0"/>
+          </a:p>
+        </p:txBody>
+      </p:sp>
+      <p:sp>
+        <p:nvSpPr>
+          <p:cNvPr id="5" name="Footer Placeholder 4"/>
+          <p:cNvSpPr>
+            <a:spLocks noGrp="1"/>
+          </p:cNvSpPr>
+          <p:nvPr>
+            <p:ph type="ftr" sz="quarter" idx="11"/>
           </p:nvPr>
         </p:nvSpPr>
         <p:spPr/>
@@ -1061,7 +1077,7 @@
                 <a:ea typeface="Segoe UI" pitchFamily="34" charset="0"/>
                 <a:cs typeface="Segoe UI" pitchFamily="34" charset="0"/>
               </a:rPr>
-              <a:t>© 2015 Microsoft Corporation. All rights reserved. Microsoft, Windows, and other product names are or may be registered trademarks and/or trademarks in the U.S. and/or other countries. The information herein is for informational purposes only and represents the current view of Microsoft Corporation as of the date of this presentation.  Because Microsoft must respond to changing market conditions, it should not be interpreted to be a commitment on the part of Microsoft, and Microsoft cannot guarantee the accuracy of any information provided after the date of this presentation.  MICROSOFT MAKES NO WARRANTIES, EXPRESS, IMPLIED OR STATUTORY, AS TO THE INFORMATION IN THIS PRESENTATION.</a:t>
+              <a:t>© Microsoft Corporation. All rights reserved. MICROSOFT MAKES NO WARRANTIES, EXPRESS, IMPLIED OR STATUTORY, AS TO THE INFORMATION IN THIS PRESENTATION.</a:t>
             </a:r>
             <a:endParaRPr lang="en-US" sz="400" dirty="0">
               <a:gradFill>
@@ -1084,12 +1100,12 @@
       </p:sp>
       <p:sp>
         <p:nvSpPr>
-          <p:cNvPr id="5" name="Date Placeholder 4"/>
+          <p:cNvPr id="6" name="Date Placeholder 5"/>
           <p:cNvSpPr>
             <a:spLocks noGrp="1"/>
           </p:cNvSpPr>
           <p:nvPr>
-            <p:ph type="dt" idx="11"/>
+            <p:ph type="dt" idx="12"/>
           </p:nvPr>
         </p:nvSpPr>
         <p:spPr/>
@@ -1097,9 +1113,9 @@
           <a:bodyPr/>
           <a:lstStyle/>
           <a:p>
-            <a:fld id="{E74353ED-ACB2-44BF-A903-985B0AF962B7}" type="datetime1">
+            <a:fld id="{D18B56EA-E28F-4F92-9F16-7A6F2501B303}" type="datetime8">
               <a:rPr lang="en-US" smtClean="0"/>
-              <a:t>9/21/17</a:t>
+              <a:t>9/21/2017 6:17 PM</a:t>
             </a:fld>
             <a:endParaRPr lang="en-US" dirty="0"/>
           </a:p>
@@ -1107,12 +1123,12 @@
       </p:sp>
       <p:sp>
         <p:nvSpPr>
-          <p:cNvPr id="6" name="Slide Number Placeholder 5"/>
+          <p:cNvPr id="7" name="Slide Number Placeholder 6"/>
           <p:cNvSpPr>
             <a:spLocks noGrp="1"/>
           </p:cNvSpPr>
           <p:nvPr>
-            <p:ph type="sldNum" sz="quarter" idx="12"/>
+            <p:ph type="sldNum" sz="quarter" idx="13"/>
           </p:nvPr>
         </p:nvSpPr>
         <p:spPr/>
@@ -1123,7 +1139,7 @@
             <a:fld id="{B4008EB6-D09E-4580-8CD6-DDB14511944F}" type="slidenum">
               <a:rPr lang="en-US" smtClean="0"/>
               <a:pPr/>
-              <a:t>5</a:t>
+              <a:t>2</a:t>
             </a:fld>
             <a:endParaRPr lang="en-US" dirty="0"/>
           </a:p>
@@ -1132,7 +1148,7 @@
     </p:spTree>
     <p:extLst>
       <p:ext uri="{BB962C8B-B14F-4D97-AF65-F5344CB8AC3E}">
-        <p14:creationId xmlns:p14="http://schemas.microsoft.com/office/powerpoint/2010/main" val="1692121641"/>
+        <p14:creationId xmlns:p14="http://schemas.microsoft.com/office/powerpoint/2010/main" val="873567910"/>
       </p:ext>
     </p:extLst>
   </p:cSld>
@@ -1186,7 +1202,7 @@
           <a:bodyPr/>
           <a:lstStyle/>
           <a:p>
-            <a:endParaRPr lang="en-US" dirty="0"/>
+            <a:endParaRPr lang="en-US"/>
           </a:p>
         </p:txBody>
       </p:sp>
@@ -1226,7 +1242,7 @@
           <a:p>
             <a:pPr defTabSz="914099" eaLnBrk="0" hangingPunct="0"/>
             <a:r>
-              <a:rPr lang="en-US" sz="400" dirty="0">
+              <a:rPr lang="en-US" sz="400">
                 <a:gradFill>
                   <a:gsLst>
                     <a:gs pos="0">
@@ -1242,8 +1258,24 @@
                 <a:ea typeface="Segoe UI" pitchFamily="34" charset="0"/>
                 <a:cs typeface="Segoe UI" pitchFamily="34" charset="0"/>
               </a:rPr>
-              <a:t>© 2014 Microsoft Corporation. All rights reserved. MICROSOFT MAKES NO WARRANTIES, EXPRESS, IMPLIED OR STATUTORY, AS TO THE INFORMATION IN THIS PRESENTATION.</a:t>
-            </a:r>
+              <a:t>© Microsoft Corporation. All rights reserved. MICROSOFT MAKES NO WARRANTIES, EXPRESS, IMPLIED OR STATUTORY, AS TO THE INFORMATION IN THIS PRESENTATION.</a:t>
+            </a:r>
+            <a:endParaRPr lang="en-US" sz="400" dirty="0">
+              <a:gradFill>
+                <a:gsLst>
+                  <a:gs pos="0">
+                    <a:prstClr val="black"/>
+                  </a:gs>
+                  <a:gs pos="100000">
+                    <a:prstClr val="black"/>
+                  </a:gs>
+                </a:gsLst>
+                <a:lin ang="5400000" scaled="0"/>
+              </a:gradFill>
+              <a:latin typeface="Segoe UI" pitchFamily="34" charset="0"/>
+              <a:ea typeface="Segoe UI" pitchFamily="34" charset="0"/>
+              <a:cs typeface="Segoe UI" pitchFamily="34" charset="0"/>
+            </a:endParaRPr>
           </a:p>
         </p:txBody>
       </p:sp>
@@ -1262,9 +1294,9 @@
           <a:bodyPr/>
           <a:lstStyle/>
           <a:p>
-            <a:fld id="{90EC29EE-A8AD-4CE0-9C0B-116E0D4D7533}" type="datetime8">
+            <a:fld id="{D18B56EA-E28F-4F92-9F16-7A6F2501B303}" type="datetime8">
               <a:rPr lang="en-US" smtClean="0"/>
-              <a:t>9/21/17 2:32 PM</a:t>
+              <a:t>9/21/2017 6:17 PM</a:t>
             </a:fld>
             <a:endParaRPr lang="en-US" dirty="0"/>
           </a:p>
@@ -1288,7 +1320,7 @@
             <a:fld id="{B4008EB6-D09E-4580-8CD6-DDB14511944F}" type="slidenum">
               <a:rPr lang="en-US" smtClean="0"/>
               <a:pPr/>
-              <a:t>6</a:t>
+              <a:t>3</a:t>
             </a:fld>
             <a:endParaRPr lang="en-US" dirty="0"/>
           </a:p>
@@ -1297,7 +1329,7 @@
     </p:spTree>
     <p:extLst>
       <p:ext uri="{BB962C8B-B14F-4D97-AF65-F5344CB8AC3E}">
-        <p14:creationId xmlns:p14="http://schemas.microsoft.com/office/powerpoint/2010/main" val="1965730115"/>
+        <p14:creationId xmlns:p14="http://schemas.microsoft.com/office/powerpoint/2010/main" val="2909070838"/>
       </p:ext>
     </p:extLst>
   </p:cSld>
@@ -1334,6 +1366,517 @@
             <p:ph type="sldImg"/>
           </p:nvPr>
         </p:nvSpPr>
+        <p:spPr/>
+      </p:sp>
+      <p:sp>
+        <p:nvSpPr>
+          <p:cNvPr id="3" name="Notes Placeholder 2"/>
+          <p:cNvSpPr>
+            <a:spLocks noGrp="1"/>
+          </p:cNvSpPr>
+          <p:nvPr>
+            <p:ph type="body" idx="1"/>
+          </p:nvPr>
+        </p:nvSpPr>
+        <p:spPr/>
+        <p:txBody>
+          <a:bodyPr/>
+          <a:lstStyle/>
+          <a:p>
+            <a:endParaRPr lang="en-US"/>
+          </a:p>
+        </p:txBody>
+      </p:sp>
+      <p:sp>
+        <p:nvSpPr>
+          <p:cNvPr id="4" name="Header Placeholder 3"/>
+          <p:cNvSpPr>
+            <a:spLocks noGrp="1"/>
+          </p:cNvSpPr>
+          <p:nvPr>
+            <p:ph type="hdr" sz="quarter" idx="10"/>
+          </p:nvPr>
+        </p:nvSpPr>
+        <p:spPr/>
+        <p:txBody>
+          <a:bodyPr/>
+          <a:lstStyle/>
+          <a:p>
+            <a:endParaRPr lang="en-US" dirty="0"/>
+          </a:p>
+        </p:txBody>
+      </p:sp>
+      <p:sp>
+        <p:nvSpPr>
+          <p:cNvPr id="5" name="Footer Placeholder 4"/>
+          <p:cNvSpPr>
+            <a:spLocks noGrp="1"/>
+          </p:cNvSpPr>
+          <p:nvPr>
+            <p:ph type="ftr" sz="quarter" idx="11"/>
+          </p:nvPr>
+        </p:nvSpPr>
+        <p:spPr/>
+        <p:txBody>
+          <a:bodyPr/>
+          <a:lstStyle/>
+          <a:p>
+            <a:pPr defTabSz="914099" eaLnBrk="0" hangingPunct="0"/>
+            <a:r>
+              <a:rPr lang="en-US" sz="400">
+                <a:gradFill>
+                  <a:gsLst>
+                    <a:gs pos="0">
+                      <a:prstClr val="black"/>
+                    </a:gs>
+                    <a:gs pos="100000">
+                      <a:prstClr val="black"/>
+                    </a:gs>
+                  </a:gsLst>
+                  <a:lin ang="5400000" scaled="0"/>
+                </a:gradFill>
+                <a:latin typeface="Segoe UI" pitchFamily="34" charset="0"/>
+                <a:ea typeface="Segoe UI" pitchFamily="34" charset="0"/>
+                <a:cs typeface="Segoe UI" pitchFamily="34" charset="0"/>
+              </a:rPr>
+              <a:t>© Microsoft Corporation. All rights reserved. MICROSOFT MAKES NO WARRANTIES, EXPRESS, IMPLIED OR STATUTORY, AS TO THE INFORMATION IN THIS PRESENTATION.</a:t>
+            </a:r>
+            <a:endParaRPr lang="en-US" sz="400" dirty="0">
+              <a:gradFill>
+                <a:gsLst>
+                  <a:gs pos="0">
+                    <a:prstClr val="black"/>
+                  </a:gs>
+                  <a:gs pos="100000">
+                    <a:prstClr val="black"/>
+                  </a:gs>
+                </a:gsLst>
+                <a:lin ang="5400000" scaled="0"/>
+              </a:gradFill>
+              <a:latin typeface="Segoe UI" pitchFamily="34" charset="0"/>
+              <a:ea typeface="Segoe UI" pitchFamily="34" charset="0"/>
+              <a:cs typeface="Segoe UI" pitchFamily="34" charset="0"/>
+            </a:endParaRPr>
+          </a:p>
+        </p:txBody>
+      </p:sp>
+      <p:sp>
+        <p:nvSpPr>
+          <p:cNvPr id="6" name="Date Placeholder 5"/>
+          <p:cNvSpPr>
+            <a:spLocks noGrp="1"/>
+          </p:cNvSpPr>
+          <p:nvPr>
+            <p:ph type="dt" idx="12"/>
+          </p:nvPr>
+        </p:nvSpPr>
+        <p:spPr/>
+        <p:txBody>
+          <a:bodyPr/>
+          <a:lstStyle/>
+          <a:p>
+            <a:fld id="{D18B56EA-E28F-4F92-9F16-7A6F2501B303}" type="datetime8">
+              <a:rPr lang="en-US" smtClean="0"/>
+              <a:t>9/21/2017 6:17 PM</a:t>
+            </a:fld>
+            <a:endParaRPr lang="en-US" dirty="0"/>
+          </a:p>
+        </p:txBody>
+      </p:sp>
+      <p:sp>
+        <p:nvSpPr>
+          <p:cNvPr id="7" name="Slide Number Placeholder 6"/>
+          <p:cNvSpPr>
+            <a:spLocks noGrp="1"/>
+          </p:cNvSpPr>
+          <p:nvPr>
+            <p:ph type="sldNum" sz="quarter" idx="13"/>
+          </p:nvPr>
+        </p:nvSpPr>
+        <p:spPr/>
+        <p:txBody>
+          <a:bodyPr/>
+          <a:lstStyle/>
+          <a:p>
+            <a:fld id="{B4008EB6-D09E-4580-8CD6-DDB14511944F}" type="slidenum">
+              <a:rPr lang="en-US" smtClean="0"/>
+              <a:pPr/>
+              <a:t>4</a:t>
+            </a:fld>
+            <a:endParaRPr lang="en-US" dirty="0"/>
+          </a:p>
+        </p:txBody>
+      </p:sp>
+    </p:spTree>
+    <p:extLst>
+      <p:ext uri="{BB962C8B-B14F-4D97-AF65-F5344CB8AC3E}">
+        <p14:creationId xmlns:p14="http://schemas.microsoft.com/office/powerpoint/2010/main" val="441906288"/>
+      </p:ext>
+    </p:extLst>
+  </p:cSld>
+  <p:clrMapOvr>
+    <a:masterClrMapping/>
+  </p:clrMapOvr>
+</p:notes>
+</file>
+
+<file path=ppt/notesSlides/notesSlide5.xml><?xml version="1.0" encoding="utf-8"?>
+<p:notes xmlns:a="http://schemas.openxmlformats.org/drawingml/2006/main" xmlns:r="http://schemas.openxmlformats.org/officeDocument/2006/relationships" xmlns:p="http://schemas.openxmlformats.org/presentationml/2006/main">
+  <p:cSld>
+    <p:spTree>
+      <p:nvGrpSpPr>
+        <p:cNvPr id="1" name=""/>
+        <p:cNvGrpSpPr/>
+        <p:nvPr/>
+      </p:nvGrpSpPr>
+      <p:grpSpPr>
+        <a:xfrm>
+          <a:off x="0" y="0"/>
+          <a:ext cx="0" cy="0"/>
+          <a:chOff x="0" y="0"/>
+          <a:chExt cx="0" cy="0"/>
+        </a:xfrm>
+      </p:grpSpPr>
+      <p:sp>
+        <p:nvSpPr>
+          <p:cNvPr id="2" name="Slide Image Placeholder 1"/>
+          <p:cNvSpPr>
+            <a:spLocks noGrp="1" noRot="1" noChangeAspect="1"/>
+          </p:cNvSpPr>
+          <p:nvPr>
+            <p:ph type="sldImg"/>
+          </p:nvPr>
+        </p:nvSpPr>
+        <p:spPr/>
+      </p:sp>
+      <p:sp>
+        <p:nvSpPr>
+          <p:cNvPr id="3" name="Notes Placeholder 2"/>
+          <p:cNvSpPr>
+            <a:spLocks noGrp="1"/>
+          </p:cNvSpPr>
+          <p:nvPr>
+            <p:ph type="body" idx="1"/>
+          </p:nvPr>
+        </p:nvSpPr>
+        <p:spPr/>
+        <p:txBody>
+          <a:bodyPr/>
+          <a:lstStyle/>
+          <a:p>
+            <a:r>
+              <a:rPr lang="en-US" dirty="0"/>
+              <a:t>Even more resources can be found at the links on this slide!</a:t>
+            </a:r>
+          </a:p>
+        </p:txBody>
+      </p:sp>
+      <p:sp>
+        <p:nvSpPr>
+          <p:cNvPr id="4" name="Footer Placeholder 3"/>
+          <p:cNvSpPr>
+            <a:spLocks noGrp="1"/>
+          </p:cNvSpPr>
+          <p:nvPr>
+            <p:ph type="ftr" sz="quarter" idx="10"/>
+          </p:nvPr>
+        </p:nvSpPr>
+        <p:spPr/>
+        <p:txBody>
+          <a:bodyPr/>
+          <a:lstStyle/>
+          <a:p>
+            <a:pPr defTabSz="914099" eaLnBrk="0" hangingPunct="0"/>
+            <a:r>
+              <a:rPr lang="en-US" sz="400">
+                <a:gradFill>
+                  <a:gsLst>
+                    <a:gs pos="0">
+                      <a:prstClr val="black"/>
+                    </a:gs>
+                    <a:gs pos="100000">
+                      <a:prstClr val="black"/>
+                    </a:gs>
+                  </a:gsLst>
+                  <a:lin ang="5400000" scaled="0"/>
+                </a:gradFill>
+                <a:latin typeface="Segoe UI" pitchFamily="34" charset="0"/>
+                <a:ea typeface="Segoe UI" pitchFamily="34" charset="0"/>
+                <a:cs typeface="Segoe UI" pitchFamily="34" charset="0"/>
+              </a:rPr>
+              <a:t>© 2015 Microsoft Corporation. All rights reserved. Microsoft, Windows, and other product names are or may be registered trademarks and/or trademarks in the U.S. and/or other countries. The information herein is for informational purposes only and represents the current view of Microsoft Corporation as of the date of this presentation.  Because Microsoft must respond to changing market conditions, it should not be interpreted to be a commitment on the part of Microsoft, and Microsoft cannot guarantee the accuracy of any information provided after the date of this presentation.  MICROSOFT MAKES NO WARRANTIES, EXPRESS, IMPLIED OR STATUTORY, AS TO THE INFORMATION IN THIS PRESENTATION.</a:t>
+            </a:r>
+            <a:endParaRPr lang="en-US" sz="400" dirty="0">
+              <a:gradFill>
+                <a:gsLst>
+                  <a:gs pos="0">
+                    <a:prstClr val="black"/>
+                  </a:gs>
+                  <a:gs pos="100000">
+                    <a:prstClr val="black"/>
+                  </a:gs>
+                </a:gsLst>
+                <a:lin ang="5400000" scaled="0"/>
+              </a:gradFill>
+              <a:latin typeface="Segoe UI" pitchFamily="34" charset="0"/>
+              <a:ea typeface="Segoe UI" pitchFamily="34" charset="0"/>
+              <a:cs typeface="Segoe UI" pitchFamily="34" charset="0"/>
+            </a:endParaRPr>
+          </a:p>
+        </p:txBody>
+      </p:sp>
+      <p:sp>
+        <p:nvSpPr>
+          <p:cNvPr id="5" name="Date Placeholder 4"/>
+          <p:cNvSpPr>
+            <a:spLocks noGrp="1"/>
+          </p:cNvSpPr>
+          <p:nvPr>
+            <p:ph type="dt" idx="11"/>
+          </p:nvPr>
+        </p:nvSpPr>
+        <p:spPr/>
+        <p:txBody>
+          <a:bodyPr/>
+          <a:lstStyle/>
+          <a:p>
+            <a:fld id="{E74353ED-ACB2-44BF-A903-985B0AF962B7}" type="datetime1">
+              <a:rPr lang="en-US" smtClean="0"/>
+              <a:t>9/21/2017</a:t>
+            </a:fld>
+            <a:endParaRPr lang="en-US" dirty="0"/>
+          </a:p>
+        </p:txBody>
+      </p:sp>
+      <p:sp>
+        <p:nvSpPr>
+          <p:cNvPr id="6" name="Slide Number Placeholder 5"/>
+          <p:cNvSpPr>
+            <a:spLocks noGrp="1"/>
+          </p:cNvSpPr>
+          <p:nvPr>
+            <p:ph type="sldNum" sz="quarter" idx="12"/>
+          </p:nvPr>
+        </p:nvSpPr>
+        <p:spPr/>
+        <p:txBody>
+          <a:bodyPr/>
+          <a:lstStyle/>
+          <a:p>
+            <a:fld id="{B4008EB6-D09E-4580-8CD6-DDB14511944F}" type="slidenum">
+              <a:rPr lang="en-US" smtClean="0"/>
+              <a:pPr/>
+              <a:t>5</a:t>
+            </a:fld>
+            <a:endParaRPr lang="en-US" dirty="0"/>
+          </a:p>
+        </p:txBody>
+      </p:sp>
+    </p:spTree>
+    <p:extLst>
+      <p:ext uri="{BB962C8B-B14F-4D97-AF65-F5344CB8AC3E}">
+        <p14:creationId xmlns:p14="http://schemas.microsoft.com/office/powerpoint/2010/main" val="1692121641"/>
+      </p:ext>
+    </p:extLst>
+  </p:cSld>
+  <p:clrMapOvr>
+    <a:masterClrMapping/>
+  </p:clrMapOvr>
+</p:notes>
+</file>
+
+<file path=ppt/notesSlides/notesSlide6.xml><?xml version="1.0" encoding="utf-8"?>
+<p:notes xmlns:a="http://schemas.openxmlformats.org/drawingml/2006/main" xmlns:r="http://schemas.openxmlformats.org/officeDocument/2006/relationships" xmlns:p="http://schemas.openxmlformats.org/presentationml/2006/main">
+  <p:cSld>
+    <p:spTree>
+      <p:nvGrpSpPr>
+        <p:cNvPr id="1" name=""/>
+        <p:cNvGrpSpPr/>
+        <p:nvPr/>
+      </p:nvGrpSpPr>
+      <p:grpSpPr>
+        <a:xfrm>
+          <a:off x="0" y="0"/>
+          <a:ext cx="0" cy="0"/>
+          <a:chOff x="0" y="0"/>
+          <a:chExt cx="0" cy="0"/>
+        </a:xfrm>
+      </p:grpSpPr>
+      <p:sp>
+        <p:nvSpPr>
+          <p:cNvPr id="2" name="Slide Image Placeholder 1"/>
+          <p:cNvSpPr>
+            <a:spLocks noGrp="1" noRot="1" noChangeAspect="1"/>
+          </p:cNvSpPr>
+          <p:nvPr>
+            <p:ph type="sldImg"/>
+          </p:nvPr>
+        </p:nvSpPr>
+        <p:spPr/>
+      </p:sp>
+      <p:sp>
+        <p:nvSpPr>
+          <p:cNvPr id="3" name="Notes Placeholder 2"/>
+          <p:cNvSpPr>
+            <a:spLocks noGrp="1"/>
+          </p:cNvSpPr>
+          <p:nvPr>
+            <p:ph type="body" idx="1"/>
+          </p:nvPr>
+        </p:nvSpPr>
+        <p:spPr/>
+        <p:txBody>
+          <a:bodyPr/>
+          <a:lstStyle/>
+          <a:p>
+            <a:endParaRPr lang="en-US" dirty="0"/>
+          </a:p>
+        </p:txBody>
+      </p:sp>
+      <p:sp>
+        <p:nvSpPr>
+          <p:cNvPr id="4" name="Header Placeholder 3"/>
+          <p:cNvSpPr>
+            <a:spLocks noGrp="1"/>
+          </p:cNvSpPr>
+          <p:nvPr>
+            <p:ph type="hdr" sz="quarter" idx="10"/>
+          </p:nvPr>
+        </p:nvSpPr>
+        <p:spPr/>
+        <p:txBody>
+          <a:bodyPr/>
+          <a:lstStyle/>
+          <a:p>
+            <a:endParaRPr lang="en-US" dirty="0"/>
+          </a:p>
+        </p:txBody>
+      </p:sp>
+      <p:sp>
+        <p:nvSpPr>
+          <p:cNvPr id="5" name="Footer Placeholder 4"/>
+          <p:cNvSpPr>
+            <a:spLocks noGrp="1"/>
+          </p:cNvSpPr>
+          <p:nvPr>
+            <p:ph type="ftr" sz="quarter" idx="11"/>
+          </p:nvPr>
+        </p:nvSpPr>
+        <p:spPr/>
+        <p:txBody>
+          <a:bodyPr/>
+          <a:lstStyle/>
+          <a:p>
+            <a:pPr defTabSz="914099" eaLnBrk="0" hangingPunct="0"/>
+            <a:r>
+              <a:rPr lang="en-US" sz="400" dirty="0">
+                <a:gradFill>
+                  <a:gsLst>
+                    <a:gs pos="0">
+                      <a:prstClr val="black"/>
+                    </a:gs>
+                    <a:gs pos="100000">
+                      <a:prstClr val="black"/>
+                    </a:gs>
+                  </a:gsLst>
+                  <a:lin ang="5400000" scaled="0"/>
+                </a:gradFill>
+                <a:latin typeface="Segoe UI" pitchFamily="34" charset="0"/>
+                <a:ea typeface="Segoe UI" pitchFamily="34" charset="0"/>
+                <a:cs typeface="Segoe UI" pitchFamily="34" charset="0"/>
+              </a:rPr>
+              <a:t>© 2014 Microsoft Corporation. All rights reserved. MICROSOFT MAKES NO WARRANTIES, EXPRESS, IMPLIED OR STATUTORY, AS TO THE INFORMATION IN THIS PRESENTATION.</a:t>
+            </a:r>
+          </a:p>
+        </p:txBody>
+      </p:sp>
+      <p:sp>
+        <p:nvSpPr>
+          <p:cNvPr id="6" name="Date Placeholder 5"/>
+          <p:cNvSpPr>
+            <a:spLocks noGrp="1"/>
+          </p:cNvSpPr>
+          <p:nvPr>
+            <p:ph type="dt" idx="12"/>
+          </p:nvPr>
+        </p:nvSpPr>
+        <p:spPr/>
+        <p:txBody>
+          <a:bodyPr/>
+          <a:lstStyle/>
+          <a:p>
+            <a:fld id="{90EC29EE-A8AD-4CE0-9C0B-116E0D4D7533}" type="datetime8">
+              <a:rPr lang="en-US" smtClean="0"/>
+              <a:t>9/21/2017 6:16 PM</a:t>
+            </a:fld>
+            <a:endParaRPr lang="en-US" dirty="0"/>
+          </a:p>
+        </p:txBody>
+      </p:sp>
+      <p:sp>
+        <p:nvSpPr>
+          <p:cNvPr id="7" name="Slide Number Placeholder 6"/>
+          <p:cNvSpPr>
+            <a:spLocks noGrp="1"/>
+          </p:cNvSpPr>
+          <p:nvPr>
+            <p:ph type="sldNum" sz="quarter" idx="13"/>
+          </p:nvPr>
+        </p:nvSpPr>
+        <p:spPr/>
+        <p:txBody>
+          <a:bodyPr/>
+          <a:lstStyle/>
+          <a:p>
+            <a:fld id="{B4008EB6-D09E-4580-8CD6-DDB14511944F}" type="slidenum">
+              <a:rPr lang="en-US" smtClean="0"/>
+              <a:pPr/>
+              <a:t>6</a:t>
+            </a:fld>
+            <a:endParaRPr lang="en-US" dirty="0"/>
+          </a:p>
+        </p:txBody>
+      </p:sp>
+    </p:spTree>
+    <p:extLst>
+      <p:ext uri="{BB962C8B-B14F-4D97-AF65-F5344CB8AC3E}">
+        <p14:creationId xmlns:p14="http://schemas.microsoft.com/office/powerpoint/2010/main" val="1965730115"/>
+      </p:ext>
+    </p:extLst>
+  </p:cSld>
+  <p:clrMapOvr>
+    <a:masterClrMapping/>
+  </p:clrMapOvr>
+</p:notes>
+</file>
+
+<file path=ppt/notesSlides/notesSlide7.xml><?xml version="1.0" encoding="utf-8"?>
+<p:notes xmlns:a="http://schemas.openxmlformats.org/drawingml/2006/main" xmlns:r="http://schemas.openxmlformats.org/officeDocument/2006/relationships" xmlns:p="http://schemas.openxmlformats.org/presentationml/2006/main">
+  <p:cSld>
+    <p:spTree>
+      <p:nvGrpSpPr>
+        <p:cNvPr id="1" name=""/>
+        <p:cNvGrpSpPr/>
+        <p:nvPr/>
+      </p:nvGrpSpPr>
+      <p:grpSpPr>
+        <a:xfrm>
+          <a:off x="0" y="0"/>
+          <a:ext cx="0" cy="0"/>
+          <a:chOff x="0" y="0"/>
+          <a:chExt cx="0" cy="0"/>
+        </a:xfrm>
+      </p:grpSpPr>
+      <p:sp>
+        <p:nvSpPr>
+          <p:cNvPr id="2" name="Slide Image Placeholder 1"/>
+          <p:cNvSpPr>
+            <a:spLocks noGrp="1" noRot="1" noChangeAspect="1"/>
+          </p:cNvSpPr>
+          <p:nvPr>
+            <p:ph type="sldImg"/>
+          </p:nvPr>
+        </p:nvSpPr>
         <p:spPr>
           <a:xfrm>
             <a:off x="381000" y="685800"/>
@@ -1414,7 +1957,7 @@
                   <a:prstClr val="black"/>
                 </a:solidFill>
               </a:rPr>
-              <a:t>9/21/17 2:32 PM</a:t>
+              <a:t>9/21/2017 6:16 PM</a:t>
             </a:fld>
             <a:endParaRPr lang="en-US" dirty="0">
               <a:solidFill>
@@ -1977,7 +2520,7 @@
           </a:lstStyle>
           <a:p>
             <a:r>
-              <a:rPr lang="en-US" smtClean="0"/>
+              <a:rPr lang="en-US"/>
               <a:t>Drag picture to placeholder or click icon to add</a:t>
             </a:r>
             <a:endParaRPr lang="en-US" dirty="0"/>
@@ -2154,7 +2697,7 @@
           </a:lstStyle>
           <a:p>
             <a:r>
-              <a:rPr lang="en-US" smtClean="0"/>
+              <a:rPr lang="en-US"/>
               <a:t>Click to edit Master title style</a:t>
             </a:r>
             <a:endParaRPr lang="en-US" dirty="0"/>
@@ -2211,7 +2754,7 @@
           <a:p>
             <a:pPr lvl="0"/>
             <a:r>
-              <a:rPr lang="en-US" smtClean="0"/>
+              <a:rPr lang="en-US"/>
               <a:t>Click to edit Master text styles</a:t>
             </a:r>
           </a:p>
@@ -2222,7 +2765,7 @@
           <p:cNvPr id="5" name="Picture 4" descr="Image of Ignite app on a Windows Device." title="Ignite event image">
             <a:extLst>
               <a:ext uri="{FF2B5EF4-FFF2-40B4-BE49-F238E27FC236}">
-                <a16:creationId xmlns:a16="http://schemas.microsoft.com/office/drawing/2014/main" xmlns="" id="{E803C22C-E970-4ADA-A60C-5127C1C2C1DE}"/>
+                <a16:creationId xmlns:a16="http://schemas.microsoft.com/office/drawing/2014/main" id="{E803C22C-E970-4ADA-A60C-5127C1C2C1DE}"/>
               </a:ext>
             </a:extLst>
           </p:cNvPr>
@@ -2500,35 +3043,35 @@
           <a:p>
             <a:pPr lvl="0"/>
             <a:r>
-              <a:rPr lang="en-US" smtClean="0"/>
+              <a:rPr lang="en-US"/>
               <a:t>Click to edit Master text styles</a:t>
             </a:r>
           </a:p>
           <a:p>
             <a:pPr lvl="1"/>
             <a:r>
-              <a:rPr lang="en-US" smtClean="0"/>
+              <a:rPr lang="en-US"/>
               <a:t>Second level</a:t>
             </a:r>
           </a:p>
           <a:p>
             <a:pPr lvl="2"/>
             <a:r>
-              <a:rPr lang="en-US" smtClean="0"/>
+              <a:rPr lang="en-US"/>
               <a:t>Third level</a:t>
             </a:r>
           </a:p>
           <a:p>
             <a:pPr lvl="3"/>
             <a:r>
-              <a:rPr lang="en-US" smtClean="0"/>
+              <a:rPr lang="en-US"/>
               <a:t>Fourth level</a:t>
             </a:r>
           </a:p>
           <a:p>
             <a:pPr lvl="4"/>
             <a:r>
-              <a:rPr lang="en-US" smtClean="0"/>
+              <a:rPr lang="en-US"/>
               <a:t>Fifth level</a:t>
             </a:r>
             <a:endParaRPr lang="en-US" dirty="0"/>
@@ -2987,7 +3530,7 @@
           </a:lstStyle>
           <a:p>
             <a:r>
-              <a:rPr lang="en-US" smtClean="0"/>
+              <a:rPr lang="en-US"/>
               <a:t>Click to edit Master title style</a:t>
             </a:r>
             <a:endParaRPr lang="en-US" dirty="0"/>
@@ -3433,7 +3976,7 @@
           <a:lstStyle/>
           <a:p>
             <a:r>
-              <a:rPr lang="en-US" smtClean="0"/>
+              <a:rPr lang="en-US"/>
               <a:t>Click to edit Master title style</a:t>
             </a:r>
             <a:endParaRPr lang="en-US" dirty="0"/>
@@ -3485,35 +4028,35 @@
           <a:p>
             <a:pPr lvl="0"/>
             <a:r>
-              <a:rPr lang="en-US" smtClean="0"/>
+              <a:rPr lang="en-US"/>
               <a:t>Click to edit Master text styles</a:t>
             </a:r>
           </a:p>
           <a:p>
             <a:pPr lvl="1"/>
             <a:r>
-              <a:rPr lang="en-US" smtClean="0"/>
+              <a:rPr lang="en-US"/>
               <a:t>Second level</a:t>
             </a:r>
           </a:p>
           <a:p>
             <a:pPr lvl="2"/>
             <a:r>
-              <a:rPr lang="en-US" smtClean="0"/>
+              <a:rPr lang="en-US"/>
               <a:t>Third level</a:t>
             </a:r>
           </a:p>
           <a:p>
             <a:pPr lvl="3"/>
             <a:r>
-              <a:rPr lang="en-US" smtClean="0"/>
+              <a:rPr lang="en-US"/>
               <a:t>Fourth level</a:t>
             </a:r>
           </a:p>
           <a:p>
             <a:pPr lvl="4"/>
             <a:r>
-              <a:rPr lang="en-US" smtClean="0"/>
+              <a:rPr lang="en-US"/>
               <a:t>Fifth level</a:t>
             </a:r>
             <a:endParaRPr lang="en-US" dirty="0"/>
@@ -5510,7 +6053,7 @@
           <a:lstStyle/>
           <a:p>
             <a:r>
-              <a:rPr lang="en-US" smtClean="0"/>
+              <a:rPr lang="en-US"/>
               <a:t>Click to edit Master title style</a:t>
             </a:r>
             <a:endParaRPr lang="en-US" dirty="0"/>
@@ -5539,35 +6082,35 @@
           <a:p>
             <a:pPr lvl="0"/>
             <a:r>
-              <a:rPr lang="en-US" smtClean="0"/>
+              <a:rPr lang="en-US"/>
               <a:t>Click to edit Master text styles</a:t>
             </a:r>
           </a:p>
           <a:p>
             <a:pPr lvl="1"/>
             <a:r>
-              <a:rPr lang="en-US" smtClean="0"/>
+              <a:rPr lang="en-US"/>
               <a:t>Second level</a:t>
             </a:r>
           </a:p>
           <a:p>
             <a:pPr lvl="2"/>
             <a:r>
-              <a:rPr lang="en-US" smtClean="0"/>
+              <a:rPr lang="en-US"/>
               <a:t>Third level</a:t>
             </a:r>
           </a:p>
           <a:p>
             <a:pPr lvl="3"/>
             <a:r>
-              <a:rPr lang="en-US" smtClean="0"/>
+              <a:rPr lang="en-US"/>
               <a:t>Fourth level</a:t>
             </a:r>
           </a:p>
           <a:p>
             <a:pPr lvl="4"/>
             <a:r>
-              <a:rPr lang="en-US" smtClean="0"/>
+              <a:rPr lang="en-US"/>
               <a:t>Fifth level</a:t>
             </a:r>
             <a:endParaRPr lang="en-US" dirty="0"/>
@@ -5708,7 +6251,7 @@
           <p:cNvPr id="5" name="Picture 4" descr="Image of Ignite app on a Windows Device." title="Ignite event image">
             <a:extLst>
               <a:ext uri="{FF2B5EF4-FFF2-40B4-BE49-F238E27FC236}">
-                <a16:creationId xmlns:a16="http://schemas.microsoft.com/office/drawing/2014/main" xmlns="" id="{E803C22C-E970-4ADA-A60C-5127C1C2C1DE}"/>
+                <a16:creationId xmlns:a16="http://schemas.microsoft.com/office/drawing/2014/main" id="{E803C22C-E970-4ADA-A60C-5127C1C2C1DE}"/>
               </a:ext>
             </a:extLst>
           </p:cNvPr>
@@ -6583,7 +7126,7 @@
           <a:lstStyle/>
           <a:p>
             <a:r>
-              <a:rPr lang="en-US" smtClean="0"/>
+              <a:rPr lang="en-US"/>
               <a:t>Click to edit Master title style</a:t>
             </a:r>
             <a:endParaRPr lang="en-US" dirty="0"/>
@@ -6650,35 +7193,35 @@
           <a:p>
             <a:pPr lvl="0"/>
             <a:r>
-              <a:rPr lang="en-US" smtClean="0"/>
+              <a:rPr lang="en-US"/>
               <a:t>Click to edit Master text styles</a:t>
             </a:r>
           </a:p>
           <a:p>
             <a:pPr lvl="1"/>
             <a:r>
-              <a:rPr lang="en-US" smtClean="0"/>
+              <a:rPr lang="en-US"/>
               <a:t>Second level</a:t>
             </a:r>
           </a:p>
           <a:p>
             <a:pPr lvl="2"/>
             <a:r>
-              <a:rPr lang="en-US" smtClean="0"/>
+              <a:rPr lang="en-US"/>
               <a:t>Third level</a:t>
             </a:r>
           </a:p>
           <a:p>
             <a:pPr lvl="3"/>
             <a:r>
-              <a:rPr lang="en-US" smtClean="0"/>
+              <a:rPr lang="en-US"/>
               <a:t>Fourth level</a:t>
             </a:r>
           </a:p>
           <a:p>
             <a:pPr lvl="4"/>
             <a:r>
-              <a:rPr lang="en-US" smtClean="0"/>
+              <a:rPr lang="en-US"/>
               <a:t>Fifth level</a:t>
             </a:r>
             <a:endParaRPr lang="en-US" dirty="0"/>
@@ -6833,7 +7376,7 @@
               <a:tabLst/>
             </a:pPr>
             <a:r>
-              <a:rPr lang="en-US" smtClean="0"/>
+              <a:rPr lang="en-US"/>
               <a:t>Click to edit Master text styles</a:t>
             </a:r>
           </a:p>
@@ -6855,7 +7398,7 @@
               <a:tabLst/>
             </a:pPr>
             <a:r>
-              <a:rPr lang="en-US" smtClean="0"/>
+              <a:rPr lang="en-US"/>
               <a:t>Second level</a:t>
             </a:r>
           </a:p>
@@ -6877,7 +7420,7 @@
               <a:tabLst/>
             </a:pPr>
             <a:r>
-              <a:rPr lang="en-US" smtClean="0"/>
+              <a:rPr lang="en-US"/>
               <a:t>Third level</a:t>
             </a:r>
           </a:p>
@@ -6899,7 +7442,7 @@
               <a:tabLst/>
             </a:pPr>
             <a:r>
-              <a:rPr lang="en-US" smtClean="0"/>
+              <a:rPr lang="en-US"/>
               <a:t>Fourth level</a:t>
             </a:r>
           </a:p>
@@ -6921,7 +7464,7 @@
               <a:tabLst/>
             </a:pPr>
             <a:r>
-              <a:rPr lang="en-US" smtClean="0"/>
+              <a:rPr lang="en-US"/>
               <a:t>Fifth level</a:t>
             </a:r>
             <a:endParaRPr lang="en-US" dirty="0"/>
@@ -6986,7 +7529,7 @@
           <a:lstStyle/>
           <a:p>
             <a:r>
-              <a:rPr lang="en-US" smtClean="0"/>
+              <a:rPr lang="en-US"/>
               <a:t>Click to edit Master title style</a:t>
             </a:r>
             <a:endParaRPr lang="en-US" dirty="0"/>
@@ -7053,35 +7596,35 @@
           <a:p>
             <a:pPr lvl="0"/>
             <a:r>
-              <a:rPr lang="en-US" smtClean="0"/>
+              <a:rPr lang="en-US"/>
               <a:t>Click to edit Master text styles</a:t>
             </a:r>
           </a:p>
           <a:p>
             <a:pPr lvl="1"/>
             <a:r>
-              <a:rPr lang="en-US" smtClean="0"/>
+              <a:rPr lang="en-US"/>
               <a:t>Second level</a:t>
             </a:r>
           </a:p>
           <a:p>
             <a:pPr lvl="2"/>
             <a:r>
-              <a:rPr lang="en-US" smtClean="0"/>
+              <a:rPr lang="en-US"/>
               <a:t>Third level</a:t>
             </a:r>
           </a:p>
           <a:p>
             <a:pPr lvl="3"/>
             <a:r>
-              <a:rPr lang="en-US" smtClean="0"/>
+              <a:rPr lang="en-US"/>
               <a:t>Fourth level</a:t>
             </a:r>
           </a:p>
           <a:p>
             <a:pPr lvl="4"/>
             <a:r>
-              <a:rPr lang="en-US" smtClean="0"/>
+              <a:rPr lang="en-US"/>
               <a:t>Fifth level</a:t>
             </a:r>
             <a:endParaRPr lang="en-US" dirty="0"/>
@@ -7230,7 +7773,7 @@
               <a:tabLst/>
             </a:pPr>
             <a:r>
-              <a:rPr lang="en-US" smtClean="0"/>
+              <a:rPr lang="en-US"/>
               <a:t>Click to edit Master text styles</a:t>
             </a:r>
           </a:p>
@@ -7254,7 +7797,7 @@
               <a:tabLst/>
             </a:pPr>
             <a:r>
-              <a:rPr lang="en-US" smtClean="0"/>
+              <a:rPr lang="en-US"/>
               <a:t>Second level</a:t>
             </a:r>
           </a:p>
@@ -7278,7 +7821,7 @@
               <a:tabLst/>
             </a:pPr>
             <a:r>
-              <a:rPr lang="en-US" smtClean="0"/>
+              <a:rPr lang="en-US"/>
               <a:t>Third level</a:t>
             </a:r>
           </a:p>
@@ -7302,7 +7845,7 @@
               <a:tabLst/>
             </a:pPr>
             <a:r>
-              <a:rPr lang="en-US" smtClean="0"/>
+              <a:rPr lang="en-US"/>
               <a:t>Fourth level</a:t>
             </a:r>
           </a:p>
@@ -7326,7 +7869,7 @@
               <a:tabLst/>
             </a:pPr>
             <a:r>
-              <a:rPr lang="en-US" smtClean="0"/>
+              <a:rPr lang="en-US"/>
               <a:t>Fifth level</a:t>
             </a:r>
             <a:endParaRPr lang="en-US" dirty="0"/>
@@ -7391,7 +7934,7 @@
           <a:lstStyle/>
           <a:p>
             <a:r>
-              <a:rPr lang="en-US" smtClean="0"/>
+              <a:rPr lang="en-US"/>
               <a:t>Click to edit Master title style</a:t>
             </a:r>
             <a:endParaRPr lang="en-US" dirty="0"/>
@@ -7810,7 +8353,7 @@
           <a:lstStyle/>
           <a:p>
             <a:r>
-              <a:rPr lang="en-US" smtClean="0"/>
+              <a:rPr lang="en-US"/>
               <a:t>Click to edit Master title style</a:t>
             </a:r>
             <a:endParaRPr lang="en-US" dirty="0"/>
@@ -7844,35 +8387,35 @@
           <a:p>
             <a:pPr lvl="0"/>
             <a:r>
-              <a:rPr lang="en-US" smtClean="0"/>
+              <a:rPr lang="en-US"/>
               <a:t>Click to edit Master text styles</a:t>
             </a:r>
           </a:p>
           <a:p>
             <a:pPr lvl="1"/>
             <a:r>
-              <a:rPr lang="en-US" smtClean="0"/>
+              <a:rPr lang="en-US"/>
               <a:t>Second level</a:t>
             </a:r>
           </a:p>
           <a:p>
             <a:pPr lvl="2"/>
             <a:r>
-              <a:rPr lang="en-US" smtClean="0"/>
+              <a:rPr lang="en-US"/>
               <a:t>Third level</a:t>
             </a:r>
           </a:p>
           <a:p>
             <a:pPr lvl="3"/>
             <a:r>
-              <a:rPr lang="en-US" smtClean="0"/>
+              <a:rPr lang="en-US"/>
               <a:t>Fourth level</a:t>
             </a:r>
           </a:p>
           <a:p>
             <a:pPr lvl="4"/>
             <a:r>
-              <a:rPr lang="en-US" smtClean="0"/>
+              <a:rPr lang="en-US"/>
               <a:t>Fifth level</a:t>
             </a:r>
             <a:endParaRPr lang="en-US" dirty="0"/>
@@ -9119,17 +9662,16 @@
           <a:lstStyle/>
           <a:p>
             <a:r>
-              <a:rPr lang="en-US" dirty="0" smtClean="0"/>
+              <a:rPr lang="en-US" dirty="0"/>
               <a:t>THR3028(R) Visual Studio Code</a:t>
             </a:r>
             <a:br>
-              <a:rPr lang="en-US" dirty="0" smtClean="0"/>
+              <a:rPr lang="en-US" dirty="0"/>
             </a:br>
             <a:r>
-              <a:rPr lang="en-US" dirty="0" smtClean="0"/>
+              <a:rPr lang="en-US" dirty="0"/>
               <a:t>The most useful (and underused!) tips and tricks</a:t>
             </a:r>
-            <a:endParaRPr lang="en-US" dirty="0"/>
           </a:p>
         </p:txBody>
       </p:sp>
@@ -9154,17 +9696,15 @@
           <a:lstStyle/>
           <a:p>
             <a:r>
-              <a:rPr lang="en-US" dirty="0" smtClean="0"/>
+              <a:rPr lang="en-US" dirty="0"/>
               <a:t>Chris Dias</a:t>
             </a:r>
-            <a:endParaRPr lang="en-US" dirty="0"/>
-          </a:p>
-          <a:p>
-            <a:r>
-              <a:rPr lang="en-US" dirty="0" smtClean="0"/>
+          </a:p>
+          <a:p>
+            <a:r>
+              <a:rPr lang="en-US" dirty="0"/>
               <a:t>Principal Program Manager</a:t>
             </a:r>
-            <a:endParaRPr lang="en-US" dirty="0"/>
           </a:p>
         </p:txBody>
       </p:sp>
@@ -9238,7 +9778,7 @@
           <p:nvPr/>
         </p:nvPicPr>
         <p:blipFill>
-          <a:blip r:embed="rId2"/>
+          <a:blip r:embed="rId3"/>
           <a:stretch>
             <a:fillRect/>
           </a:stretch>
@@ -9277,6 +9817,36 @@
           </a:p>
         </p:txBody>
       </p:sp>
+      <p:pic>
+        <p:nvPicPr>
+          <p:cNvPr id="5" name="Picture 4">
+            <a:extLst>
+              <a:ext uri="{FF2B5EF4-FFF2-40B4-BE49-F238E27FC236}">
+                <a16:creationId xmlns:a16="http://schemas.microsoft.com/office/drawing/2014/main" id="{EC5F1645-A3D5-4891-A714-174611706FD6}"/>
+              </a:ext>
+            </a:extLst>
+          </p:cNvPr>
+          <p:cNvPicPr>
+            <a:picLocks noChangeAspect="1"/>
+          </p:cNvPicPr>
+          <p:nvPr/>
+        </p:nvPicPr>
+        <p:blipFill>
+          <a:blip r:embed="rId4"/>
+          <a:stretch>
+            <a:fillRect/>
+          </a:stretch>
+        </p:blipFill>
+        <p:spPr>
+          <a:xfrm>
+            <a:off x="6219031" y="2351379"/>
+            <a:ext cx="5227638" cy="3431884"/>
+          </a:xfrm>
+          <a:prstGeom prst="rect">
+            <a:avLst/>
+          </a:prstGeom>
+        </p:spPr>
+      </p:pic>
     </p:spTree>
     <p:extLst>
       <p:ext uri="{BB962C8B-B14F-4D97-AF65-F5344CB8AC3E}">
@@ -9362,7 +9932,7 @@
               <a:buAutoNum type="arabicPeriod"/>
             </a:pPr>
             <a:r>
-              <a:rPr lang="en-US" dirty="0" smtClean="0"/>
+              <a:rPr lang="en-US" dirty="0"/>
               <a:t>Setup</a:t>
             </a:r>
           </a:p>
@@ -9371,7 +9941,7 @@
               <a:buAutoNum type="arabicPeriod"/>
             </a:pPr>
             <a:r>
-              <a:rPr lang="en-US" dirty="0" smtClean="0"/>
+              <a:rPr lang="en-US" dirty="0"/>
               <a:t>Customization</a:t>
             </a:r>
           </a:p>
@@ -9391,7 +9961,7 @@
               <a:buAutoNum type="arabicPeriod"/>
             </a:pPr>
             <a:r>
-              <a:rPr lang="en-US" smtClean="0"/>
+              <a:rPr lang="en-US"/>
               <a:t>Editing</a:t>
             </a:r>
             <a:r>
@@ -9405,7 +9975,7 @@
               <a:buAutoNum type="arabicPeriod"/>
             </a:pPr>
             <a:r>
-              <a:rPr lang="en-US" dirty="0" smtClean="0"/>
+              <a:rPr lang="en-US" dirty="0"/>
               <a:t>Search</a:t>
             </a:r>
           </a:p>
@@ -9425,10 +9995,9 @@
               <a:buAutoNum type="arabicPeriod"/>
             </a:pPr>
             <a:r>
-              <a:rPr lang="en-US" dirty="0" smtClean="0"/>
+              <a:rPr lang="en-US" dirty="0"/>
               <a:t>Debugging</a:t>
             </a:r>
-            <a:endParaRPr lang="en-US" dirty="0"/>
           </a:p>
           <a:p>
             <a:pPr marL="742950" indent="-742950">
@@ -9445,7 +10014,7 @@
               <a:buAutoNum type="arabicPeriod"/>
             </a:pPr>
             <a:r>
-              <a:rPr lang="en-US" dirty="0" smtClean="0"/>
+              <a:rPr lang="en-US" dirty="0"/>
               <a:t>Source Code Control</a:t>
             </a:r>
           </a:p>
@@ -9454,7 +10023,7 @@
               <a:buAutoNum type="arabicPeriod"/>
             </a:pPr>
             <a:r>
-              <a:rPr lang="en-US" dirty="0" smtClean="0"/>
+              <a:rPr lang="en-US" dirty="0"/>
               <a:t>Extensions</a:t>
             </a:r>
           </a:p>
@@ -9518,10 +10087,9 @@
           <a:lstStyle/>
           <a:p>
             <a:r>
-              <a:rPr lang="en-US" dirty="0" smtClean="0"/>
+              <a:rPr lang="en-US" dirty="0"/>
               <a:t>Thanks!</a:t>
             </a:r>
-            <a:endParaRPr lang="en-US" dirty="0"/>
           </a:p>
         </p:txBody>
       </p:sp>
@@ -9545,40 +10113,40 @@
           <a:bodyPr/>
           <a:lstStyle/>
           <a:p>
-            <a:endParaRPr lang="en-US" dirty="0" smtClean="0"/>
-          </a:p>
-          <a:p>
-            <a:r>
-              <a:rPr lang="en-US" dirty="0" smtClean="0"/>
+            <a:endParaRPr lang="en-US" dirty="0"/>
+          </a:p>
+          <a:p>
+            <a:r>
+              <a:rPr lang="en-US" dirty="0"/>
               <a:t>Follow us @code</a:t>
             </a:r>
           </a:p>
           <a:p>
             <a:r>
-              <a:rPr lang="en-US" dirty="0" smtClean="0">
-                <a:hlinkClick r:id="rId2"/>
+              <a:rPr lang="en-US" dirty="0">
+                <a:hlinkClick r:id="rId3"/>
               </a:rPr>
               <a:t>https://code.visualstudio.com</a:t>
             </a:r>
-            <a:endParaRPr lang="en-US" dirty="0" smtClean="0"/>
-          </a:p>
-          <a:p>
-            <a:r>
-              <a:rPr lang="en-US" dirty="0" smtClean="0">
-                <a:hlinkClick r:id="rId3"/>
+            <a:endParaRPr lang="en-US" dirty="0"/>
+          </a:p>
+          <a:p>
+            <a:r>
+              <a:rPr lang="en-US" dirty="0">
+                <a:hlinkClick r:id="rId4"/>
               </a:rPr>
               <a:t>https://github.com/microsoft/vscode</a:t>
             </a:r>
-            <a:endParaRPr lang="en-US" dirty="0" smtClean="0"/>
-          </a:p>
-          <a:p>
-            <a:r>
-              <a:rPr lang="en-US" dirty="0" smtClean="0">
-                <a:hlinkClick r:id="rId4"/>
+            <a:endParaRPr lang="en-US" dirty="0"/>
+          </a:p>
+          <a:p>
+            <a:r>
+              <a:rPr lang="en-US" dirty="0">
+                <a:hlinkClick r:id="rId5"/>
               </a:rPr>
               <a:t>https://github.com/microsoft/vscode-tips-and-tricks</a:t>
             </a:r>
-            <a:endParaRPr lang="en-US" dirty="0" smtClean="0"/>
+            <a:endParaRPr lang="en-US" dirty="0"/>
           </a:p>
           <a:p>
             <a:endParaRPr lang="en-US" dirty="0"/>
@@ -10680,13 +11248,13 @@
   <p:clrMapOvr>
     <a:masterClrMapping/>
   </p:clrMapOvr>
-  <mc:AlternateContent xmlns:mc="http://schemas.openxmlformats.org/markup-compatibility/2006">
-    <mc:Choice xmlns:p14="http://schemas.microsoft.com/office/powerpoint/2010/main" Requires="p14">
+  <mc:AlternateContent xmlns:mc="http://schemas.openxmlformats.org/markup-compatibility/2006" xmlns:p14="http://schemas.microsoft.com/office/powerpoint/2010/main">
+    <mc:Choice Requires="p14">
       <p:transition spd="med" p14:dur="700">
         <p:fade/>
       </p:transition>
     </mc:Choice>
-    <mc:Fallback>
+    <mc:Fallback xmlns="">
       <p:transition spd="med">
         <p:fade/>
       </p:transition>
@@ -10717,7 +11285,7 @@
           <p:cNvPr id="15" name="Picture 14" descr="Image of QR Code" title="QR Code">
             <a:extLst>
               <a:ext uri="{FF2B5EF4-FFF2-40B4-BE49-F238E27FC236}">
-                <a16:creationId xmlns:a16="http://schemas.microsoft.com/office/drawing/2014/main" xmlns="" id="{EFC1EB45-2EB7-48CE-B3A7-5E46347BB019}"/>
+                <a16:creationId xmlns:a16="http://schemas.microsoft.com/office/drawing/2014/main" id="{EFC1EB45-2EB7-48CE-B3A7-5E46347BB019}"/>
               </a:ext>
             </a:extLst>
           </p:cNvPr>
@@ -10885,7 +11453,7 @@
           <p:cNvPr id="8" name="Title 7">
             <a:extLst>
               <a:ext uri="{FF2B5EF4-FFF2-40B4-BE49-F238E27FC236}">
-                <a16:creationId xmlns:a16="http://schemas.microsoft.com/office/drawing/2014/main" xmlns="" id="{70C823DF-EC34-41F2-A2D0-BBC3CA4A3E9A}"/>
+                <a16:creationId xmlns:a16="http://schemas.microsoft.com/office/drawing/2014/main" id="{70C823DF-EC34-41F2-A2D0-BBC3CA4A3E9A}"/>
               </a:ext>
             </a:extLst>
           </p:cNvPr>
@@ -10925,7 +11493,7 @@
           <p:cNvPr id="5" name="Text Placeholder 4">
             <a:extLst>
               <a:ext uri="{FF2B5EF4-FFF2-40B4-BE49-F238E27FC236}">
-                <a16:creationId xmlns:a16="http://schemas.microsoft.com/office/drawing/2014/main" xmlns="" id="{D2E5DC89-AD72-4374-B620-726EF1494D6A}"/>
+                <a16:creationId xmlns:a16="http://schemas.microsoft.com/office/drawing/2014/main" id="{D2E5DC89-AD72-4374-B620-726EF1494D6A}"/>
               </a:ext>
             </a:extLst>
           </p:cNvPr>
@@ -12217,87 +12785,12 @@
 </file>
 
 <file path=customXml/item1.xml><?xml version="1.0" encoding="utf-8"?>
-<p:properties xmlns:p="http://schemas.microsoft.com/office/2006/metadata/properties" xmlns:xsi="http://www.w3.org/2001/XMLSchema-instance" xmlns:pc="http://schemas.microsoft.com/office/infopath/2007/PartnerControls">
-  <documentManagement>
-    <Session_x0020_Code xmlns="04e01bb1-6d80-42e9-ae53-416b1e8aa845" xsi:nil="true"/>
-    <LikesCount xmlns="http://schemas.microsoft.com/sharepoint/v3" xsi:nil="true"/>
-    <_x0062_bc8 xmlns="e889e55c-35cf-43c7-aaf4-cf2500919dd8">
-      <UserInfo>
-        <DisplayName/>
-        <AccountId xsi:nil="true"/>
-        <AccountType/>
-      </UserInfo>
-    </_x0062_bc8>
-    <External_x0020_Speaker xmlns="04e01bb1-6d80-42e9-ae53-416b1e8aa845" xsi:nil="true"/>
-    <fb4e50409e3b4517bb965b3c7125e153 xmlns="04e01bb1-6d80-42e9-ae53-416b1e8aa845">
-      <Terms xmlns="http://schemas.microsoft.com/office/infopath/2007/PartnerControls"/>
-    </fb4e50409e3b4517bb965b3c7125e153>
-    <MS_x0020_Content_x0020_Owner xmlns="04e01bb1-6d80-42e9-ae53-416b1e8aa845">
-      <UserInfo>
-        <DisplayName/>
-        <AccountId xsi:nil="true"/>
-        <AccountType/>
-      </UserInfo>
-    </MS_x0020_Content_x0020_Owner>
-    <l61c8586195b4657a1f710a539f9bc3a xmlns="04e01bb1-6d80-42e9-ae53-416b1e8aa845">
-      <Terms xmlns="http://schemas.microsoft.com/office/infopath/2007/PartnerControls">
-        <TermInfo xmlns="http://schemas.microsoft.com/office/infopath/2007/PartnerControls">
-          <TermName xmlns="http://schemas.microsoft.com/office/infopath/2007/PartnerControls">Orange County Convention Center</TermName>
-          <TermId xmlns="http://schemas.microsoft.com/office/infopath/2007/PartnerControls">bd993e89-aa48-4695-84e0-3b53e88b1a79</TermId>
-        </TermInfo>
-      </Terms>
-    </l61c8586195b4657a1f710a539f9bc3a>
-    <a645af38eebb4a1ea4744f163c56ea26 xmlns="04e01bb1-6d80-42e9-ae53-416b1e8aa845">
-      <Terms xmlns="http://schemas.microsoft.com/office/infopath/2007/PartnerControls"/>
-    </a645af38eebb4a1ea4744f163c56ea26>
-    <g60601ae6c3e4c409eb6a70077dda16d xmlns="04e01bb1-6d80-42e9-ae53-416b1e8aa845">
-      <Terms xmlns="http://schemas.microsoft.com/office/infopath/2007/PartnerControls">
-        <TermInfo xmlns="http://schemas.microsoft.com/office/infopath/2007/PartnerControls">
-          <TermName xmlns="http://schemas.microsoft.com/office/infopath/2007/PartnerControls">Orlando</TermName>
-          <TermId xmlns="http://schemas.microsoft.com/office/infopath/2007/PartnerControls">8cc4ed56-1866-4501-a22c-89aafde6f59b</TermId>
-        </TermInfo>
-      </Terms>
-    </g60601ae6c3e4c409eb6a70077dda16d>
-    <e6bd9c8ce3ed4fe68161c78952f36fbc xmlns="04e01bb1-6d80-42e9-ae53-416b1e8aa845">
-      <Terms xmlns="http://schemas.microsoft.com/office/infopath/2007/PartnerControls"/>
-    </e6bd9c8ce3ed4fe68161c78952f36fbc>
-    <MS_x0020_Speaker xmlns="04e01bb1-6d80-42e9-ae53-416b1e8aa845">
-      <UserInfo>
-        <DisplayName/>
-        <AccountId xsi:nil="true"/>
-        <AccountType/>
-      </UserInfo>
-    </MS_x0020_Speaker>
-    <Presentation_x0020_Date xmlns="04e01bb1-6d80-42e9-ae53-416b1e8aa845" xsi:nil="true"/>
-    <Event_x0020_Start_x0020_Date xmlns="04e01bb1-6d80-42e9-ae53-416b1e8aa845">2017-09-25T00:00:00+00:00</Event_x0020_Start_x0020_Date>
-    <TaxKeywordTaxHTField xmlns="230e9df3-be65-4c73-a93b-d1236ebd677e">
-      <Terms xmlns="http://schemas.microsoft.com/office/infopath/2007/PartnerControls">
-        <TermInfo xmlns="http://schemas.microsoft.com/office/infopath/2007/PartnerControls">
-          <TermName xmlns="http://schemas.microsoft.com/office/infopath/2007/PartnerControls">Microsoft Ignite 2017</TermName>
-          <TermId xmlns="http://schemas.microsoft.com/office/infopath/2007/PartnerControls">21d30605-03f6-4b08-a63a-5a553eb19f84</TermId>
-        </TermInfo>
-      </Terms>
-    </TaxKeywordTaxHTField>
-    <e349cd3f156b4e7d8653c9cd4f2d8fb4 xmlns="04e01bb1-6d80-42e9-ae53-416b1e8aa845">
-      <Terms xmlns="http://schemas.microsoft.com/office/infopath/2007/PartnerControls">
-        <TermInfo xmlns="http://schemas.microsoft.com/office/infopath/2007/PartnerControls">
-          <TermName xmlns="http://schemas.microsoft.com/office/infopath/2007/PartnerControls">Microsoft Ignite</TermName>
-          <TermId xmlns="http://schemas.microsoft.com/office/infopath/2007/PartnerControls">9323c522-fe4b-4922-816b-10a1920d7afb</TermId>
-        </TermInfo>
-      </Terms>
-    </e349cd3f156b4e7d8653c9cd4f2d8fb4>
-    <TaxCatchAll xmlns="230e9df3-be65-4c73-a93b-d1236ebd677e">
-      <Value>55</Value>
-      <Value>54</Value>
-      <Value>53</Value>
-      <Value>16</Value>
-    </TaxCatchAll>
-    <Event_x0020_End_x0020_Date xmlns="04e01bb1-6d80-42e9-ae53-416b1e8aa845">2017-09-29T00:00:00+00:00</Event_x0020_End_x0020_Date>
-    <c2f1b796fca04ddbb48af271e99c8750 xmlns="04e01bb1-6d80-42e9-ae53-416b1e8aa845">
-      <Terms xmlns="http://schemas.microsoft.com/office/infopath/2007/PartnerControls"/>
-    </c2f1b796fca04ddbb48af271e99c8750>
-  </documentManagement>
-</p:properties>
+<?mso-contentType ?>
+<FormTemplates xmlns="http://schemas.microsoft.com/sharepoint/v3/contenttype/forms">
+  <Display>DocumentLibraryForm</Display>
+  <Edit>DocumentLibraryForm</Edit>
+  <New>DocumentLibraryForm</New>
+</FormTemplates>
 </file>
 
 <file path=customXml/item2.xml><?xml version="1.0" encoding="utf-8"?>
@@ -12688,29 +13181,93 @@
 </file>
 
 <file path=customXml/item3.xml><?xml version="1.0" encoding="utf-8"?>
-<?mso-contentType ?>
-<FormTemplates xmlns="http://schemas.microsoft.com/sharepoint/v3/contenttype/forms">
-  <Display>DocumentLibraryForm</Display>
-  <Edit>DocumentLibraryForm</Edit>
-  <New>DocumentLibraryForm</New>
-</FormTemplates>
+<p:properties xmlns:p="http://schemas.microsoft.com/office/2006/metadata/properties" xmlns:xsi="http://www.w3.org/2001/XMLSchema-instance" xmlns:pc="http://schemas.microsoft.com/office/infopath/2007/PartnerControls">
+  <documentManagement>
+    <Session_x0020_Code xmlns="04e01bb1-6d80-42e9-ae53-416b1e8aa845" xsi:nil="true"/>
+    <LikesCount xmlns="http://schemas.microsoft.com/sharepoint/v3" xsi:nil="true"/>
+    <_x0062_bc8 xmlns="e889e55c-35cf-43c7-aaf4-cf2500919dd8">
+      <UserInfo>
+        <DisplayName/>
+        <AccountId xsi:nil="true"/>
+        <AccountType/>
+      </UserInfo>
+    </_x0062_bc8>
+    <External_x0020_Speaker xmlns="04e01bb1-6d80-42e9-ae53-416b1e8aa845" xsi:nil="true"/>
+    <fb4e50409e3b4517bb965b3c7125e153 xmlns="04e01bb1-6d80-42e9-ae53-416b1e8aa845">
+      <Terms xmlns="http://schemas.microsoft.com/office/infopath/2007/PartnerControls"/>
+    </fb4e50409e3b4517bb965b3c7125e153>
+    <MS_x0020_Content_x0020_Owner xmlns="04e01bb1-6d80-42e9-ae53-416b1e8aa845">
+      <UserInfo>
+        <DisplayName/>
+        <AccountId xsi:nil="true"/>
+        <AccountType/>
+      </UserInfo>
+    </MS_x0020_Content_x0020_Owner>
+    <l61c8586195b4657a1f710a539f9bc3a xmlns="04e01bb1-6d80-42e9-ae53-416b1e8aa845">
+      <Terms xmlns="http://schemas.microsoft.com/office/infopath/2007/PartnerControls">
+        <TermInfo xmlns="http://schemas.microsoft.com/office/infopath/2007/PartnerControls">
+          <TermName xmlns="http://schemas.microsoft.com/office/infopath/2007/PartnerControls">Orange County Convention Center</TermName>
+          <TermId xmlns="http://schemas.microsoft.com/office/infopath/2007/PartnerControls">bd993e89-aa48-4695-84e0-3b53e88b1a79</TermId>
+        </TermInfo>
+      </Terms>
+    </l61c8586195b4657a1f710a539f9bc3a>
+    <a645af38eebb4a1ea4744f163c56ea26 xmlns="04e01bb1-6d80-42e9-ae53-416b1e8aa845">
+      <Terms xmlns="http://schemas.microsoft.com/office/infopath/2007/PartnerControls"/>
+    </a645af38eebb4a1ea4744f163c56ea26>
+    <g60601ae6c3e4c409eb6a70077dda16d xmlns="04e01bb1-6d80-42e9-ae53-416b1e8aa845">
+      <Terms xmlns="http://schemas.microsoft.com/office/infopath/2007/PartnerControls">
+        <TermInfo xmlns="http://schemas.microsoft.com/office/infopath/2007/PartnerControls">
+          <TermName xmlns="http://schemas.microsoft.com/office/infopath/2007/PartnerControls">Orlando</TermName>
+          <TermId xmlns="http://schemas.microsoft.com/office/infopath/2007/PartnerControls">8cc4ed56-1866-4501-a22c-89aafde6f59b</TermId>
+        </TermInfo>
+      </Terms>
+    </g60601ae6c3e4c409eb6a70077dda16d>
+    <e6bd9c8ce3ed4fe68161c78952f36fbc xmlns="04e01bb1-6d80-42e9-ae53-416b1e8aa845">
+      <Terms xmlns="http://schemas.microsoft.com/office/infopath/2007/PartnerControls"/>
+    </e6bd9c8ce3ed4fe68161c78952f36fbc>
+    <MS_x0020_Speaker xmlns="04e01bb1-6d80-42e9-ae53-416b1e8aa845">
+      <UserInfo>
+        <DisplayName/>
+        <AccountId xsi:nil="true"/>
+        <AccountType/>
+      </UserInfo>
+    </MS_x0020_Speaker>
+    <Presentation_x0020_Date xmlns="04e01bb1-6d80-42e9-ae53-416b1e8aa845" xsi:nil="true"/>
+    <Event_x0020_Start_x0020_Date xmlns="04e01bb1-6d80-42e9-ae53-416b1e8aa845">2017-09-25T00:00:00+00:00</Event_x0020_Start_x0020_Date>
+    <TaxKeywordTaxHTField xmlns="230e9df3-be65-4c73-a93b-d1236ebd677e">
+      <Terms xmlns="http://schemas.microsoft.com/office/infopath/2007/PartnerControls">
+        <TermInfo xmlns="http://schemas.microsoft.com/office/infopath/2007/PartnerControls">
+          <TermName xmlns="http://schemas.microsoft.com/office/infopath/2007/PartnerControls">Microsoft Ignite 2017</TermName>
+          <TermId xmlns="http://schemas.microsoft.com/office/infopath/2007/PartnerControls">21d30605-03f6-4b08-a63a-5a553eb19f84</TermId>
+        </TermInfo>
+      </Terms>
+    </TaxKeywordTaxHTField>
+    <e349cd3f156b4e7d8653c9cd4f2d8fb4 xmlns="04e01bb1-6d80-42e9-ae53-416b1e8aa845">
+      <Terms xmlns="http://schemas.microsoft.com/office/infopath/2007/PartnerControls">
+        <TermInfo xmlns="http://schemas.microsoft.com/office/infopath/2007/PartnerControls">
+          <TermName xmlns="http://schemas.microsoft.com/office/infopath/2007/PartnerControls">Microsoft Ignite</TermName>
+          <TermId xmlns="http://schemas.microsoft.com/office/infopath/2007/PartnerControls">9323c522-fe4b-4922-816b-10a1920d7afb</TermId>
+        </TermInfo>
+      </Terms>
+    </e349cd3f156b4e7d8653c9cd4f2d8fb4>
+    <TaxCatchAll xmlns="230e9df3-be65-4c73-a93b-d1236ebd677e">
+      <Value>55</Value>
+      <Value>54</Value>
+      <Value>53</Value>
+      <Value>16</Value>
+    </TaxCatchAll>
+    <Event_x0020_End_x0020_Date xmlns="04e01bb1-6d80-42e9-ae53-416b1e8aa845">2017-09-29T00:00:00+00:00</Event_x0020_End_x0020_Date>
+    <c2f1b796fca04ddbb48af271e99c8750 xmlns="04e01bb1-6d80-42e9-ae53-416b1e8aa845">
+      <Terms xmlns="http://schemas.microsoft.com/office/infopath/2007/PartnerControls"/>
+    </c2f1b796fca04ddbb48af271e99c8750>
+  </documentManagement>
+</p:properties>
 </file>
 
 <file path=customXml/itemProps1.xml><?xml version="1.0" encoding="utf-8"?>
-<ds:datastoreItem xmlns:ds="http://schemas.openxmlformats.org/officeDocument/2006/customXml" ds:itemID="{F990F116-B58F-4255-B05B-DA3808E0E5C6}">
+<ds:datastoreItem xmlns:ds="http://schemas.openxmlformats.org/officeDocument/2006/customXml" ds:itemID="{758FDAC0-319D-4A54-8D8E-1D42CB1F8004}">
   <ds:schemaRefs>
-    <ds:schemaRef ds:uri="http://purl.org/dc/dcmitype/"/>
-    <ds:schemaRef ds:uri="230e9df3-be65-4c73-a93b-d1236ebd677e"/>
-    <ds:schemaRef ds:uri="http://schemas.microsoft.com/office/2006/documentManagement/types"/>
-    <ds:schemaRef ds:uri="http://purl.org/dc/elements/1.1/"/>
-    <ds:schemaRef ds:uri="http://schemas.microsoft.com/office/2006/metadata/properties"/>
-    <ds:schemaRef ds:uri="http://schemas.microsoft.com/sharepoint/v3"/>
-    <ds:schemaRef ds:uri="http://schemas.microsoft.com/office/infopath/2007/PartnerControls"/>
-    <ds:schemaRef ds:uri="http://purl.org/dc/terms/"/>
-    <ds:schemaRef ds:uri="http://schemas.openxmlformats.org/package/2006/metadata/core-properties"/>
-    <ds:schemaRef ds:uri="e889e55c-35cf-43c7-aaf4-cf2500919dd8"/>
-    <ds:schemaRef ds:uri="04e01bb1-6d80-42e9-ae53-416b1e8aa845"/>
-    <ds:schemaRef ds:uri="http://www.w3.org/XML/1998/namespace"/>
+    <ds:schemaRef ds:uri="http://schemas.microsoft.com/sharepoint/v3/contenttype/forms"/>
   </ds:schemaRefs>
 </ds:datastoreItem>
 </file>
@@ -12737,9 +13294,20 @@
 </file>
 
 <file path=customXml/itemProps3.xml><?xml version="1.0" encoding="utf-8"?>
-<ds:datastoreItem xmlns:ds="http://schemas.openxmlformats.org/officeDocument/2006/customXml" ds:itemID="{758FDAC0-319D-4A54-8D8E-1D42CB1F8004}">
+<ds:datastoreItem xmlns:ds="http://schemas.openxmlformats.org/officeDocument/2006/customXml" ds:itemID="{F990F116-B58F-4255-B05B-DA3808E0E5C6}">
   <ds:schemaRefs>
-    <ds:schemaRef ds:uri="http://schemas.microsoft.com/sharepoint/v3/contenttype/forms"/>
+    <ds:schemaRef ds:uri="http://purl.org/dc/dcmitype/"/>
+    <ds:schemaRef ds:uri="230e9df3-be65-4c73-a93b-d1236ebd677e"/>
+    <ds:schemaRef ds:uri="http://schemas.microsoft.com/office/2006/documentManagement/types"/>
+    <ds:schemaRef ds:uri="http://purl.org/dc/elements/1.1/"/>
+    <ds:schemaRef ds:uri="http://schemas.microsoft.com/office/2006/metadata/properties"/>
+    <ds:schemaRef ds:uri="http://schemas.microsoft.com/sharepoint/v3"/>
+    <ds:schemaRef ds:uri="http://schemas.microsoft.com/office/infopath/2007/PartnerControls"/>
+    <ds:schemaRef ds:uri="http://purl.org/dc/terms/"/>
+    <ds:schemaRef ds:uri="http://schemas.openxmlformats.org/package/2006/metadata/core-properties"/>
+    <ds:schemaRef ds:uri="e889e55c-35cf-43c7-aaf4-cf2500919dd8"/>
+    <ds:schemaRef ds:uri="04e01bb1-6d80-42e9-ae53-416b1e8aa845"/>
+    <ds:schemaRef ds:uri="http://www.w3.org/XML/1998/namespace"/>
   </ds:schemaRefs>
 </ds:datastoreItem>
 </file>
--- a/thr3028(r).chrisdias.vscodetipstricks.pptx
+++ b/thr3028(r).chrisdias.vscodetipstricks.pptx
@@ -6,19 +6,29 @@
     <p:sldMasterId id="2147484495" r:id="rId5"/>
   </p:sldMasterIdLst>
   <p:notesMasterIdLst>
-    <p:notesMasterId r:id="rId13"/>
+    <p:notesMasterId r:id="rId23"/>
   </p:notesMasterIdLst>
   <p:handoutMasterIdLst>
-    <p:handoutMasterId r:id="rId14"/>
+    <p:handoutMasterId r:id="rId24"/>
   </p:handoutMasterIdLst>
   <p:sldIdLst>
     <p:sldId id="1502" r:id="rId6"/>
     <p:sldId id="1565" r:id="rId7"/>
     <p:sldId id="1566" r:id="rId8"/>
-    <p:sldId id="1564" r:id="rId9"/>
-    <p:sldId id="1556" r:id="rId10"/>
-    <p:sldId id="1563" r:id="rId11"/>
-    <p:sldId id="1547" r:id="rId12"/>
+    <p:sldId id="1567" r:id="rId9"/>
+    <p:sldId id="1568" r:id="rId10"/>
+    <p:sldId id="1569" r:id="rId11"/>
+    <p:sldId id="1570" r:id="rId12"/>
+    <p:sldId id="1577" r:id="rId13"/>
+    <p:sldId id="1573" r:id="rId14"/>
+    <p:sldId id="1572" r:id="rId15"/>
+    <p:sldId id="1574" r:id="rId16"/>
+    <p:sldId id="1575" r:id="rId17"/>
+    <p:sldId id="1576" r:id="rId18"/>
+    <p:sldId id="1564" r:id="rId19"/>
+    <p:sldId id="1563" r:id="rId20"/>
+    <p:sldId id="1547" r:id="rId21"/>
+    <p:sldId id="1571" r:id="rId22"/>
   </p:sldIdLst>
   <p:sldSz cx="12436475" cy="6994525"/>
   <p:notesSz cx="6858000" cy="9144000"/>
@@ -125,10 +135,20 @@
             <p14:sldId id="1502"/>
             <p14:sldId id="1565"/>
             <p14:sldId id="1566"/>
+            <p14:sldId id="1567"/>
+            <p14:sldId id="1568"/>
+            <p14:sldId id="1569"/>
+            <p14:sldId id="1570"/>
+            <p14:sldId id="1577"/>
+            <p14:sldId id="1573"/>
+            <p14:sldId id="1572"/>
+            <p14:sldId id="1574"/>
+            <p14:sldId id="1575"/>
+            <p14:sldId id="1576"/>
             <p14:sldId id="1564"/>
-            <p14:sldId id="1556"/>
             <p14:sldId id="1563"/>
             <p14:sldId id="1547"/>
+            <p14:sldId id="1571"/>
           </p14:sldIdLst>
         </p14:section>
       </p14:sectionLst>
@@ -257,7 +277,7 @@
               <a:rPr lang="en-US" smtClean="0">
                 <a:latin typeface="Segoe UI" pitchFamily="34" charset="0"/>
               </a:rPr>
-              <a:t>9/21/2017 6:16 PM</a:t>
+              <a:t>9/21/2017 6:18 PM</a:t>
             </a:fld>
             <a:endParaRPr lang="en-US" dirty="0">
               <a:latin typeface="Segoe UI" pitchFamily="34" charset="0"/>
@@ -551,7 +571,7 @@
           <a:p>
             <a:fld id="{D18B56EA-E28F-4F92-9F16-7A6F2501B303}" type="datetime8">
               <a:rPr lang="en-US" smtClean="0"/>
-              <a:t>9/21/2017 6:16 PM</a:t>
+              <a:t>9/21/2017 6:18 PM</a:t>
             </a:fld>
             <a:endParaRPr lang="en-US" dirty="0"/>
           </a:p>
@@ -934,7 +954,7 @@
           <a:p>
             <a:fld id="{3313C66B-7AF5-40BA-8933-D16874FF94CC}" type="datetime8">
               <a:rPr lang="en-US" smtClean="0"/>
-              <a:t>9/21/2017 6:16 PM</a:t>
+              <a:t>9/21/2017 6:18 PM</a:t>
             </a:fld>
             <a:endParaRPr lang="en-US" dirty="0"/>
           </a:p>
@@ -1021,7 +1041,7 @@
           <a:bodyPr/>
           <a:lstStyle/>
           <a:p>
-            <a:endParaRPr lang="en-US"/>
+            <a:endParaRPr lang="en-US" dirty="0"/>
           </a:p>
         </p:txBody>
       </p:sp>
@@ -1115,7 +1135,7 @@
           <a:p>
             <a:fld id="{D18B56EA-E28F-4F92-9F16-7A6F2501B303}" type="datetime8">
               <a:rPr lang="en-US" smtClean="0"/>
-              <a:t>9/21/2017 6:17 PM</a:t>
+              <a:t>9/21/2017 6:18 PM</a:t>
             </a:fld>
             <a:endParaRPr lang="en-US" dirty="0"/>
           </a:p>
@@ -1296,7 +1316,7 @@
           <a:p>
             <a:fld id="{D18B56EA-E28F-4F92-9F16-7A6F2501B303}" type="datetime8">
               <a:rPr lang="en-US" smtClean="0"/>
-              <a:t>9/21/2017 6:17 PM</a:t>
+              <a:t>9/21/2017 6:27 PM</a:t>
             </a:fld>
             <a:endParaRPr lang="en-US" dirty="0"/>
           </a:p>
@@ -1477,7 +1497,7 @@
           <a:p>
             <a:fld id="{D18B56EA-E28F-4F92-9F16-7A6F2501B303}" type="datetime8">
               <a:rPr lang="en-US" smtClean="0"/>
-              <a:t>9/21/2017 6:17 PM</a:t>
+              <a:t>9/21/2017 6:36 PM</a:t>
             </a:fld>
             <a:endParaRPr lang="en-US" dirty="0"/>
           </a:p>
@@ -1501,7 +1521,7 @@
             <a:fld id="{B4008EB6-D09E-4580-8CD6-DDB14511944F}" type="slidenum">
               <a:rPr lang="en-US" smtClean="0"/>
               <a:pPr/>
-              <a:t>4</a:t>
+              <a:t>14</a:t>
             </a:fld>
             <a:endParaRPr lang="en-US" dirty="0"/>
           </a:p>
@@ -1564,21 +1584,18 @@
           <a:bodyPr/>
           <a:lstStyle/>
           <a:p>
-            <a:r>
-              <a:rPr lang="en-US" dirty="0"/>
-              <a:t>Even more resources can be found at the links on this slide!</a:t>
-            </a:r>
+            <a:endParaRPr lang="en-US" dirty="0"/>
           </a:p>
         </p:txBody>
       </p:sp>
       <p:sp>
         <p:nvSpPr>
-          <p:cNvPr id="4" name="Footer Placeholder 3"/>
+          <p:cNvPr id="4" name="Header Placeholder 3"/>
           <p:cNvSpPr>
             <a:spLocks noGrp="1"/>
           </p:cNvSpPr>
           <p:nvPr>
-            <p:ph type="ftr" sz="quarter" idx="10"/>
+            <p:ph type="hdr" sz="quarter" idx="10"/>
           </p:nvPr>
         </p:nvSpPr>
         <p:spPr/>
@@ -1586,9 +1603,28 @@
           <a:bodyPr/>
           <a:lstStyle/>
           <a:p>
+            <a:endParaRPr lang="en-US" dirty="0"/>
+          </a:p>
+        </p:txBody>
+      </p:sp>
+      <p:sp>
+        <p:nvSpPr>
+          <p:cNvPr id="5" name="Footer Placeholder 4"/>
+          <p:cNvSpPr>
+            <a:spLocks noGrp="1"/>
+          </p:cNvSpPr>
+          <p:nvPr>
+            <p:ph type="ftr" sz="quarter" idx="11"/>
+          </p:nvPr>
+        </p:nvSpPr>
+        <p:spPr/>
+        <p:txBody>
+          <a:bodyPr/>
+          <a:lstStyle/>
+          <a:p>
             <a:pPr defTabSz="914099" eaLnBrk="0" hangingPunct="0"/>
             <a:r>
-              <a:rPr lang="en-US" sz="400">
+              <a:rPr lang="en-US" sz="400" dirty="0">
                 <a:gradFill>
                   <a:gsLst>
                     <a:gs pos="0">
@@ -1604,35 +1640,19 @@
                 <a:ea typeface="Segoe UI" pitchFamily="34" charset="0"/>
                 <a:cs typeface="Segoe UI" pitchFamily="34" charset="0"/>
               </a:rPr>
-              <a:t>© 2015 Microsoft Corporation. All rights reserved. Microsoft, Windows, and other product names are or may be registered trademarks and/or trademarks in the U.S. and/or other countries. The information herein is for informational purposes only and represents the current view of Microsoft Corporation as of the date of this presentation.  Because Microsoft must respond to changing market conditions, it should not be interpreted to be a commitment on the part of Microsoft, and Microsoft cannot guarantee the accuracy of any information provided after the date of this presentation.  MICROSOFT MAKES NO WARRANTIES, EXPRESS, IMPLIED OR STATUTORY, AS TO THE INFORMATION IN THIS PRESENTATION.</a:t>
-            </a:r>
-            <a:endParaRPr lang="en-US" sz="400" dirty="0">
-              <a:gradFill>
-                <a:gsLst>
-                  <a:gs pos="0">
-                    <a:prstClr val="black"/>
-                  </a:gs>
-                  <a:gs pos="100000">
-                    <a:prstClr val="black"/>
-                  </a:gs>
-                </a:gsLst>
-                <a:lin ang="5400000" scaled="0"/>
-              </a:gradFill>
-              <a:latin typeface="Segoe UI" pitchFamily="34" charset="0"/>
-              <a:ea typeface="Segoe UI" pitchFamily="34" charset="0"/>
-              <a:cs typeface="Segoe UI" pitchFamily="34" charset="0"/>
-            </a:endParaRPr>
+              <a:t>© 2014 Microsoft Corporation. All rights reserved. MICROSOFT MAKES NO WARRANTIES, EXPRESS, IMPLIED OR STATUTORY, AS TO THE INFORMATION IN THIS PRESENTATION.</a:t>
+            </a:r>
           </a:p>
         </p:txBody>
       </p:sp>
       <p:sp>
         <p:nvSpPr>
-          <p:cNvPr id="5" name="Date Placeholder 4"/>
+          <p:cNvPr id="6" name="Date Placeholder 5"/>
           <p:cNvSpPr>
             <a:spLocks noGrp="1"/>
           </p:cNvSpPr>
           <p:nvPr>
-            <p:ph type="dt" idx="11"/>
+            <p:ph type="dt" idx="12"/>
           </p:nvPr>
         </p:nvSpPr>
         <p:spPr/>
@@ -1640,9 +1660,9 @@
           <a:bodyPr/>
           <a:lstStyle/>
           <a:p>
-            <a:fld id="{E74353ED-ACB2-44BF-A903-985B0AF962B7}" type="datetime1">
+            <a:fld id="{90EC29EE-A8AD-4CE0-9C0B-116E0D4D7533}" type="datetime8">
               <a:rPr lang="en-US" smtClean="0"/>
-              <a:t>9/21/2017</a:t>
+              <a:t>9/21/2017 6:18 PM</a:t>
             </a:fld>
             <a:endParaRPr lang="en-US" dirty="0"/>
           </a:p>
@@ -1650,12 +1670,12 @@
       </p:sp>
       <p:sp>
         <p:nvSpPr>
-          <p:cNvPr id="6" name="Slide Number Placeholder 5"/>
+          <p:cNvPr id="7" name="Slide Number Placeholder 6"/>
           <p:cNvSpPr>
             <a:spLocks noGrp="1"/>
           </p:cNvSpPr>
           <p:nvPr>
-            <p:ph type="sldNum" sz="quarter" idx="12"/>
+            <p:ph type="sldNum" sz="quarter" idx="13"/>
           </p:nvPr>
         </p:nvSpPr>
         <p:spPr/>
@@ -1666,7 +1686,7 @@
             <a:fld id="{B4008EB6-D09E-4580-8CD6-DDB14511944F}" type="slidenum">
               <a:rPr lang="en-US" smtClean="0"/>
               <a:pPr/>
-              <a:t>5</a:t>
+              <a:t>15</a:t>
             </a:fld>
             <a:endParaRPr lang="en-US" dirty="0"/>
           </a:p>
@@ -1675,7 +1695,7 @@
     </p:spTree>
     <p:extLst>
       <p:ext uri="{BB962C8B-B14F-4D97-AF65-F5344CB8AC3E}">
-        <p14:creationId xmlns:p14="http://schemas.microsoft.com/office/powerpoint/2010/main" val="1692121641"/>
+        <p14:creationId xmlns:p14="http://schemas.microsoft.com/office/powerpoint/2010/main" val="1965730115"/>
       </p:ext>
     </p:extLst>
   </p:cSld>
@@ -1712,171 +1732,6 @@
             <p:ph type="sldImg"/>
           </p:nvPr>
         </p:nvSpPr>
-        <p:spPr/>
-      </p:sp>
-      <p:sp>
-        <p:nvSpPr>
-          <p:cNvPr id="3" name="Notes Placeholder 2"/>
-          <p:cNvSpPr>
-            <a:spLocks noGrp="1"/>
-          </p:cNvSpPr>
-          <p:nvPr>
-            <p:ph type="body" idx="1"/>
-          </p:nvPr>
-        </p:nvSpPr>
-        <p:spPr/>
-        <p:txBody>
-          <a:bodyPr/>
-          <a:lstStyle/>
-          <a:p>
-            <a:endParaRPr lang="en-US" dirty="0"/>
-          </a:p>
-        </p:txBody>
-      </p:sp>
-      <p:sp>
-        <p:nvSpPr>
-          <p:cNvPr id="4" name="Header Placeholder 3"/>
-          <p:cNvSpPr>
-            <a:spLocks noGrp="1"/>
-          </p:cNvSpPr>
-          <p:nvPr>
-            <p:ph type="hdr" sz="quarter" idx="10"/>
-          </p:nvPr>
-        </p:nvSpPr>
-        <p:spPr/>
-        <p:txBody>
-          <a:bodyPr/>
-          <a:lstStyle/>
-          <a:p>
-            <a:endParaRPr lang="en-US" dirty="0"/>
-          </a:p>
-        </p:txBody>
-      </p:sp>
-      <p:sp>
-        <p:nvSpPr>
-          <p:cNvPr id="5" name="Footer Placeholder 4"/>
-          <p:cNvSpPr>
-            <a:spLocks noGrp="1"/>
-          </p:cNvSpPr>
-          <p:nvPr>
-            <p:ph type="ftr" sz="quarter" idx="11"/>
-          </p:nvPr>
-        </p:nvSpPr>
-        <p:spPr/>
-        <p:txBody>
-          <a:bodyPr/>
-          <a:lstStyle/>
-          <a:p>
-            <a:pPr defTabSz="914099" eaLnBrk="0" hangingPunct="0"/>
-            <a:r>
-              <a:rPr lang="en-US" sz="400" dirty="0">
-                <a:gradFill>
-                  <a:gsLst>
-                    <a:gs pos="0">
-                      <a:prstClr val="black"/>
-                    </a:gs>
-                    <a:gs pos="100000">
-                      <a:prstClr val="black"/>
-                    </a:gs>
-                  </a:gsLst>
-                  <a:lin ang="5400000" scaled="0"/>
-                </a:gradFill>
-                <a:latin typeface="Segoe UI" pitchFamily="34" charset="0"/>
-                <a:ea typeface="Segoe UI" pitchFamily="34" charset="0"/>
-                <a:cs typeface="Segoe UI" pitchFamily="34" charset="0"/>
-              </a:rPr>
-              <a:t>© 2014 Microsoft Corporation. All rights reserved. MICROSOFT MAKES NO WARRANTIES, EXPRESS, IMPLIED OR STATUTORY, AS TO THE INFORMATION IN THIS PRESENTATION.</a:t>
-            </a:r>
-          </a:p>
-        </p:txBody>
-      </p:sp>
-      <p:sp>
-        <p:nvSpPr>
-          <p:cNvPr id="6" name="Date Placeholder 5"/>
-          <p:cNvSpPr>
-            <a:spLocks noGrp="1"/>
-          </p:cNvSpPr>
-          <p:nvPr>
-            <p:ph type="dt" idx="12"/>
-          </p:nvPr>
-        </p:nvSpPr>
-        <p:spPr/>
-        <p:txBody>
-          <a:bodyPr/>
-          <a:lstStyle/>
-          <a:p>
-            <a:fld id="{90EC29EE-A8AD-4CE0-9C0B-116E0D4D7533}" type="datetime8">
-              <a:rPr lang="en-US" smtClean="0"/>
-              <a:t>9/21/2017 6:16 PM</a:t>
-            </a:fld>
-            <a:endParaRPr lang="en-US" dirty="0"/>
-          </a:p>
-        </p:txBody>
-      </p:sp>
-      <p:sp>
-        <p:nvSpPr>
-          <p:cNvPr id="7" name="Slide Number Placeholder 6"/>
-          <p:cNvSpPr>
-            <a:spLocks noGrp="1"/>
-          </p:cNvSpPr>
-          <p:nvPr>
-            <p:ph type="sldNum" sz="quarter" idx="13"/>
-          </p:nvPr>
-        </p:nvSpPr>
-        <p:spPr/>
-        <p:txBody>
-          <a:bodyPr/>
-          <a:lstStyle/>
-          <a:p>
-            <a:fld id="{B4008EB6-D09E-4580-8CD6-DDB14511944F}" type="slidenum">
-              <a:rPr lang="en-US" smtClean="0"/>
-              <a:pPr/>
-              <a:t>6</a:t>
-            </a:fld>
-            <a:endParaRPr lang="en-US" dirty="0"/>
-          </a:p>
-        </p:txBody>
-      </p:sp>
-    </p:spTree>
-    <p:extLst>
-      <p:ext uri="{BB962C8B-B14F-4D97-AF65-F5344CB8AC3E}">
-        <p14:creationId xmlns:p14="http://schemas.microsoft.com/office/powerpoint/2010/main" val="1965730115"/>
-      </p:ext>
-    </p:extLst>
-  </p:cSld>
-  <p:clrMapOvr>
-    <a:masterClrMapping/>
-  </p:clrMapOvr>
-</p:notes>
-</file>
-
-<file path=ppt/notesSlides/notesSlide7.xml><?xml version="1.0" encoding="utf-8"?>
-<p:notes xmlns:a="http://schemas.openxmlformats.org/drawingml/2006/main" xmlns:r="http://schemas.openxmlformats.org/officeDocument/2006/relationships" xmlns:p="http://schemas.openxmlformats.org/presentationml/2006/main">
-  <p:cSld>
-    <p:spTree>
-      <p:nvGrpSpPr>
-        <p:cNvPr id="1" name=""/>
-        <p:cNvGrpSpPr/>
-        <p:nvPr/>
-      </p:nvGrpSpPr>
-      <p:grpSpPr>
-        <a:xfrm>
-          <a:off x="0" y="0"/>
-          <a:ext cx="0" cy="0"/>
-          <a:chOff x="0" y="0"/>
-          <a:chExt cx="0" cy="0"/>
-        </a:xfrm>
-      </p:grpSpPr>
-      <p:sp>
-        <p:nvSpPr>
-          <p:cNvPr id="2" name="Slide Image Placeholder 1"/>
-          <p:cNvSpPr>
-            <a:spLocks noGrp="1" noRot="1" noChangeAspect="1"/>
-          </p:cNvSpPr>
-          <p:nvPr>
-            <p:ph type="sldImg"/>
-          </p:nvPr>
-        </p:nvSpPr>
         <p:spPr>
           <a:xfrm>
             <a:off x="381000" y="685800"/>
@@ -1957,7 +1812,7 @@
                   <a:prstClr val="black"/>
                 </a:solidFill>
               </a:rPr>
-              <a:t>9/21/2017 6:16 PM</a:t>
+              <a:t>9/21/2017 6:18 PM</a:t>
             </a:fld>
             <a:endParaRPr lang="en-US" dirty="0">
               <a:solidFill>
@@ -1989,7 +1844,7 @@
                 </a:solidFill>
               </a:rPr>
               <a:pPr/>
-              <a:t>7</a:t>
+              <a:t>16</a:t>
             </a:fld>
             <a:endParaRPr lang="en-US" dirty="0">
               <a:solidFill>
@@ -2765,7 +2620,7 @@
           <p:cNvPr id="5" name="Picture 4" descr="Image of Ignite app on a Windows Device." title="Ignite event image">
             <a:extLst>
               <a:ext uri="{FF2B5EF4-FFF2-40B4-BE49-F238E27FC236}">
-                <a16:creationId xmlns:a16="http://schemas.microsoft.com/office/drawing/2014/main" id="{E803C22C-E970-4ADA-A60C-5127C1C2C1DE}"/>
+                <a16:creationId xmlns:a16="http://schemas.microsoft.com/office/drawing/2014/main" xmlns="" id="{E803C22C-E970-4ADA-A60C-5127C1C2C1DE}"/>
               </a:ext>
             </a:extLst>
           </p:cNvPr>
@@ -6251,7 +6106,7 @@
           <p:cNvPr id="5" name="Picture 4" descr="Image of Ignite app on a Windows Device." title="Ignite event image">
             <a:extLst>
               <a:ext uri="{FF2B5EF4-FFF2-40B4-BE49-F238E27FC236}">
-                <a16:creationId xmlns:a16="http://schemas.microsoft.com/office/drawing/2014/main" id="{E803C22C-E970-4ADA-A60C-5127C1C2C1DE}"/>
+                <a16:creationId xmlns:a16="http://schemas.microsoft.com/office/drawing/2014/main" xmlns="" id="{E803C22C-E970-4ADA-A60C-5127C1C2C1DE}"/>
               </a:ext>
             </a:extLst>
           </p:cNvPr>
@@ -9730,10 +9585,17 @@
       </p:transition>
     </mc:Fallback>
   </mc:AlternateContent>
+  <p:timing>
+    <p:tnLst>
+      <p:par>
+        <p:cTn id="1" dur="indefinite" restart="never" nodeType="tmRoot"/>
+      </p:par>
+    </p:tnLst>
+  </p:timing>
 </p:sld>
 </file>
 
-<file path=ppt/slides/slide2.xml><?xml version="1.0" encoding="utf-8"?>
+<file path=ppt/slides/slide10.xml><?xml version="1.0" encoding="utf-8"?>
 <p:sld xmlns:a="http://schemas.openxmlformats.org/drawingml/2006/main" xmlns:r="http://schemas.openxmlformats.org/officeDocument/2006/relationships" xmlns:p="http://schemas.openxmlformats.org/presentationml/2006/main">
   <p:cSld>
     <p:spTree>
@@ -9765,34 +9627,14 @@
           <a:bodyPr/>
           <a:lstStyle/>
           <a:p>
+            <a:r>
+              <a:rPr lang="en-US" dirty="0" smtClean="0"/>
+              <a:t>Tasks</a:t>
+            </a:r>
             <a:endParaRPr lang="en-US" dirty="0"/>
           </a:p>
         </p:txBody>
       </p:sp>
-      <p:pic>
-        <p:nvPicPr>
-          <p:cNvPr id="4" name="Picture 3"/>
-          <p:cNvPicPr>
-            <a:picLocks noChangeAspect="1"/>
-          </p:cNvPicPr>
-          <p:nvPr/>
-        </p:nvPicPr>
-        <p:blipFill>
-          <a:blip r:embed="rId3"/>
-          <a:stretch>
-            <a:fillRect/>
-          </a:stretch>
-        </p:blipFill>
-        <p:spPr>
-          <a:xfrm>
-            <a:off x="559594" y="2278062"/>
-            <a:ext cx="5659437" cy="3922626"/>
-          </a:xfrm>
-          <a:prstGeom prst="rect">
-            <a:avLst/>
-          </a:prstGeom>
-        </p:spPr>
-      </p:pic>
       <p:sp>
         <p:nvSpPr>
           <p:cNvPr id="3" name="Text Placeholder 2"/>
@@ -9805,52 +9647,38 @@
         </p:nvSpPr>
         <p:spPr>
           <a:xfrm>
-            <a:off x="274638" y="1212850"/>
-            <a:ext cx="11888787" cy="683264"/>
+            <a:off x="274702" y="1211287"/>
+            <a:ext cx="11888787" cy="1902059"/>
           </a:xfrm>
         </p:spPr>
         <p:txBody>
           <a:bodyPr/>
           <a:lstStyle/>
           <a:p>
+            <a:r>
+              <a:rPr lang="en-US" dirty="0" smtClean="0"/>
+              <a:t>Automate the grunt work</a:t>
+            </a:r>
+          </a:p>
+          <a:p>
+            <a:r>
+              <a:rPr lang="en-US" dirty="0" smtClean="0"/>
+              <a:t>Pre-Launch tasks when debugging</a:t>
+            </a:r>
+          </a:p>
+          <a:p>
+            <a:r>
+              <a:rPr lang="en-US" dirty="0" smtClean="0"/>
+              <a:t>Problem Matchers</a:t>
+            </a:r>
             <a:endParaRPr lang="en-US" dirty="0"/>
           </a:p>
         </p:txBody>
       </p:sp>
-      <p:pic>
-        <p:nvPicPr>
-          <p:cNvPr id="5" name="Picture 4">
-            <a:extLst>
-              <a:ext uri="{FF2B5EF4-FFF2-40B4-BE49-F238E27FC236}">
-                <a16:creationId xmlns:a16="http://schemas.microsoft.com/office/drawing/2014/main" id="{EC5F1645-A3D5-4891-A714-174611706FD6}"/>
-              </a:ext>
-            </a:extLst>
-          </p:cNvPr>
-          <p:cNvPicPr>
-            <a:picLocks noChangeAspect="1"/>
-          </p:cNvPicPr>
-          <p:nvPr/>
-        </p:nvPicPr>
-        <p:blipFill>
-          <a:blip r:embed="rId4"/>
-          <a:stretch>
-            <a:fillRect/>
-          </a:stretch>
-        </p:blipFill>
-        <p:spPr>
-          <a:xfrm>
-            <a:off x="6219031" y="2351379"/>
-            <a:ext cx="5227638" cy="3431884"/>
-          </a:xfrm>
-          <a:prstGeom prst="rect">
-            <a:avLst/>
-          </a:prstGeom>
-        </p:spPr>
-      </p:pic>
     </p:spTree>
     <p:extLst>
       <p:ext uri="{BB962C8B-B14F-4D97-AF65-F5344CB8AC3E}">
-        <p14:creationId xmlns:p14="http://schemas.microsoft.com/office/powerpoint/2010/main" val="1595403809"/>
+        <p14:creationId xmlns:p14="http://schemas.microsoft.com/office/powerpoint/2010/main" val="2914644839"/>
       </p:ext>
     </p:extLst>
   </p:cSld>
@@ -9872,7 +9700,7 @@
 </p:sld>
 </file>
 
-<file path=ppt/slides/slide3.xml><?xml version="1.0" encoding="utf-8"?>
+<file path=ppt/slides/slide11.xml><?xml version="1.0" encoding="utf-8"?>
 <p:sld xmlns:a="http://schemas.openxmlformats.org/drawingml/2006/main" xmlns:r="http://schemas.openxmlformats.org/officeDocument/2006/relationships" xmlns:p="http://schemas.openxmlformats.org/presentationml/2006/main">
   <p:cSld>
     <p:spTree>
@@ -9904,6 +9732,10 @@
           <a:bodyPr/>
           <a:lstStyle/>
           <a:p>
+            <a:r>
+              <a:rPr lang="en-US" dirty="0" smtClean="0"/>
+              <a:t>Integrated Terminal</a:t>
+            </a:r>
             <a:endParaRPr lang="en-US" dirty="0"/>
           </a:p>
         </p:txBody>
@@ -9920,119 +9752,217 @@
         </p:nvSpPr>
         <p:spPr>
           <a:xfrm>
-            <a:off x="274638" y="1212850"/>
-            <a:ext cx="11888787" cy="6167842"/>
+            <a:off x="274702" y="1211287"/>
+            <a:ext cx="11888787" cy="5896999"/>
           </a:xfrm>
         </p:spPr>
         <p:txBody>
           <a:bodyPr/>
           <a:lstStyle/>
           <a:p>
-            <a:pPr marL="742950" indent="-742950">
-              <a:buAutoNum type="arabicPeriod"/>
+            <a:pPr fontAlgn="ctr"/>
+            <a:r>
+              <a:rPr lang="en-US" dirty="0" smtClean="0"/>
+              <a:t>Pick it</a:t>
+            </a:r>
+          </a:p>
+          <a:p>
+            <a:pPr marL="457200" lvl="2" indent="0" fontAlgn="ctr">
+              <a:buNone/>
             </a:pPr>
             <a:r>
-              <a:rPr lang="en-US" dirty="0"/>
-              <a:t>Setup</a:t>
-            </a:r>
-          </a:p>
-          <a:p>
-            <a:pPr marL="742950" indent="-742950">
-              <a:buAutoNum type="arabicPeriod"/>
+              <a:rPr lang="en-US" sz="2000" dirty="0" smtClean="0">
+                <a:latin typeface="Courier New" panose="02070309020205020404" pitchFamily="49" charset="0"/>
+                <a:cs typeface="Courier New" panose="02070309020205020404" pitchFamily="49" charset="0"/>
+              </a:rPr>
+              <a:t>"</a:t>
+            </a:r>
+            <a:r>
+              <a:rPr lang="en-US" sz="2000" dirty="0" err="1" smtClean="0">
+                <a:latin typeface="Courier New" panose="02070309020205020404" pitchFamily="49" charset="0"/>
+                <a:cs typeface="Courier New" panose="02070309020205020404" pitchFamily="49" charset="0"/>
+              </a:rPr>
+              <a:t>terminal.integrated.shell.osx</a:t>
+            </a:r>
+            <a:r>
+              <a:rPr lang="en-US" sz="2000" dirty="0">
+                <a:latin typeface="Courier New" panose="02070309020205020404" pitchFamily="49" charset="0"/>
+                <a:cs typeface="Courier New" panose="02070309020205020404" pitchFamily="49" charset="0"/>
+              </a:rPr>
+              <a:t> " </a:t>
+            </a:r>
+            <a:r>
+              <a:rPr lang="en-US" sz="2000" dirty="0" smtClean="0">
+                <a:latin typeface="Courier New" panose="02070309020205020404" pitchFamily="49" charset="0"/>
+                <a:cs typeface="Courier New" panose="02070309020205020404" pitchFamily="49" charset="0"/>
+              </a:rPr>
+              <a:t>: "</a:t>
+            </a:r>
+            <a:r>
+              <a:rPr lang="en-US" sz="2000" dirty="0" err="1" smtClean="0">
+                <a:latin typeface="Courier New" panose="02070309020205020404" pitchFamily="49" charset="0"/>
+                <a:cs typeface="Courier New" panose="02070309020205020404" pitchFamily="49" charset="0"/>
+              </a:rPr>
+              <a:t>zsh</a:t>
+            </a:r>
+            <a:r>
+              <a:rPr lang="en-US" sz="2000" dirty="0" smtClean="0">
+                <a:latin typeface="Courier New" panose="02070309020205020404" pitchFamily="49" charset="0"/>
+                <a:cs typeface="Courier New" panose="02070309020205020404" pitchFamily="49" charset="0"/>
+              </a:rPr>
+              <a:t>",</a:t>
+            </a:r>
+          </a:p>
+          <a:p>
+            <a:pPr marL="457200" lvl="2" indent="0" fontAlgn="ctr">
+              <a:buNone/>
             </a:pPr>
             <a:r>
-              <a:rPr lang="en-US" dirty="0"/>
-              <a:t>Customization</a:t>
-            </a:r>
-          </a:p>
-          <a:p>
-            <a:pPr marL="742950" indent="-742950">
-              <a:buFont typeface="Wingdings" panose="05000000000000000000" pitchFamily="2" charset="2"/>
-              <a:buAutoNum type="arabicPeriod"/>
+              <a:rPr lang="en-US" sz="2000" dirty="0" smtClean="0">
+                <a:latin typeface="Courier New" panose="02070309020205020404" pitchFamily="49" charset="0"/>
+                <a:cs typeface="Courier New" panose="02070309020205020404" pitchFamily="49" charset="0"/>
+              </a:rPr>
+              <a:t>"</a:t>
+            </a:r>
+            <a:r>
+              <a:rPr lang="en-US" sz="2000" dirty="0" err="1" smtClean="0">
+                <a:latin typeface="Courier New" panose="02070309020205020404" pitchFamily="49" charset="0"/>
+                <a:cs typeface="Courier New" panose="02070309020205020404" pitchFamily="49" charset="0"/>
+              </a:rPr>
+              <a:t>terminal.integrated.shell.windows</a:t>
+            </a:r>
+            <a:r>
+              <a:rPr lang="en-US" sz="2000" dirty="0" smtClean="0">
+                <a:latin typeface="Courier New" panose="02070309020205020404" pitchFamily="49" charset="0"/>
+                <a:cs typeface="Courier New" panose="02070309020205020404" pitchFamily="49" charset="0"/>
+              </a:rPr>
+              <a:t>”: "C:\\windows\\system32\\cmd.exe"</a:t>
+            </a:r>
+          </a:p>
+          <a:p>
+            <a:pPr fontAlgn="ctr"/>
+            <a:r>
+              <a:rPr lang="en-US" dirty="0" smtClean="0"/>
+              <a:t>Customize it</a:t>
+            </a:r>
+          </a:p>
+          <a:p>
+            <a:pPr marL="457200" lvl="2" indent="0">
+              <a:buNone/>
             </a:pPr>
             <a:r>
-              <a:rPr lang="en-US"/>
-              <a:t>Keyboard shortcuts</a:t>
-            </a:r>
-          </a:p>
-          <a:p>
-            <a:pPr marL="742950" indent="-742950">
-              <a:buFont typeface="Wingdings" panose="05000000000000000000" pitchFamily="2" charset="2"/>
-              <a:buAutoNum type="arabicPeriod"/>
+              <a:rPr lang="en-US" sz="2000" dirty="0" smtClean="0">
+                <a:latin typeface="Courier New" panose="02070309020205020404" pitchFamily="49" charset="0"/>
+                <a:cs typeface="Courier New" panose="02070309020205020404" pitchFamily="49" charset="0"/>
+              </a:rPr>
+              <a:t>"</a:t>
+            </a:r>
+            <a:r>
+              <a:rPr lang="en-US" sz="2000" dirty="0" err="1" smtClean="0">
+                <a:latin typeface="Courier New" panose="02070309020205020404" pitchFamily="49" charset="0"/>
+                <a:cs typeface="Courier New" panose="02070309020205020404" pitchFamily="49" charset="0"/>
+              </a:rPr>
+              <a:t>terminal.integrated.cursorStyle</a:t>
+            </a:r>
+            <a:r>
+              <a:rPr lang="en-US" sz="2000" dirty="0" smtClean="0">
+                <a:latin typeface="Courier New" panose="02070309020205020404" pitchFamily="49" charset="0"/>
+                <a:cs typeface="Courier New" panose="02070309020205020404" pitchFamily="49" charset="0"/>
+              </a:rPr>
+              <a:t>": "block",</a:t>
+            </a:r>
+          </a:p>
+          <a:p>
+            <a:pPr marL="457200" lvl="2" indent="0">
+              <a:buNone/>
             </a:pPr>
             <a:r>
-              <a:rPr lang="en-US"/>
-              <a:t>Editing</a:t>
-            </a:r>
-            <a:r>
-              <a:rPr lang="en-US" dirty="0"/>
-              <a:t>, Code Navigation</a:t>
-            </a:r>
-          </a:p>
-          <a:p>
-            <a:pPr marL="742950" indent="-742950">
-              <a:buFont typeface="Wingdings" panose="05000000000000000000" pitchFamily="2" charset="2"/>
-              <a:buAutoNum type="arabicPeriod"/>
-            </a:pPr>
-            <a:r>
-              <a:rPr lang="en-US" dirty="0"/>
-              <a:t>Search</a:t>
-            </a:r>
-          </a:p>
-          <a:p>
-            <a:pPr marL="742950" indent="-742950">
-              <a:buFont typeface="Wingdings" panose="05000000000000000000" pitchFamily="2" charset="2"/>
-              <a:buAutoNum type="arabicPeriod"/>
-            </a:pPr>
-            <a:r>
-              <a:rPr lang="en-US" dirty="0"/>
-              <a:t>Tasks</a:t>
-            </a:r>
-          </a:p>
-          <a:p>
-            <a:pPr marL="742950" indent="-742950">
-              <a:buFont typeface="Wingdings" panose="05000000000000000000" pitchFamily="2" charset="2"/>
-              <a:buAutoNum type="arabicPeriod"/>
-            </a:pPr>
-            <a:r>
-              <a:rPr lang="en-US" dirty="0"/>
-              <a:t>Debugging</a:t>
-            </a:r>
-          </a:p>
-          <a:p>
-            <a:pPr marL="742950" indent="-742950">
-              <a:buFont typeface="Wingdings" panose="05000000000000000000" pitchFamily="2" charset="2"/>
-              <a:buAutoNum type="arabicPeriod"/>
-            </a:pPr>
-            <a:r>
-              <a:rPr lang="en-US" dirty="0"/>
-              <a:t>Terminal</a:t>
-            </a:r>
-          </a:p>
-          <a:p>
-            <a:pPr marL="742950" indent="-742950">
-              <a:buAutoNum type="arabicPeriod"/>
-            </a:pPr>
-            <a:r>
-              <a:rPr lang="en-US" dirty="0"/>
-              <a:t>Source Code Control</a:t>
-            </a:r>
-          </a:p>
-          <a:p>
-            <a:pPr marL="742950" indent="-742950">
-              <a:buAutoNum type="arabicPeriod"/>
-            </a:pPr>
-            <a:r>
-              <a:rPr lang="en-US" dirty="0"/>
-              <a:t>Extensions</a:t>
-            </a:r>
+              <a:rPr lang="en-US" sz="2000" dirty="0" smtClean="0">
+                <a:latin typeface="Courier New" panose="02070309020205020404" pitchFamily="49" charset="0"/>
+                <a:cs typeface="Courier New" panose="02070309020205020404" pitchFamily="49" charset="0"/>
+              </a:rPr>
+              <a:t>"</a:t>
+            </a:r>
+            <a:r>
+              <a:rPr lang="en-US" sz="2000" dirty="0" err="1" smtClean="0">
+                <a:latin typeface="Courier New" panose="02070309020205020404" pitchFamily="49" charset="0"/>
+                <a:cs typeface="Courier New" panose="02070309020205020404" pitchFamily="49" charset="0"/>
+              </a:rPr>
+              <a:t>terminal.integrated.cursorBlinking</a:t>
+            </a:r>
+            <a:r>
+              <a:rPr lang="en-US" sz="2000" dirty="0" smtClean="0">
+                <a:latin typeface="Courier New" panose="02070309020205020404" pitchFamily="49" charset="0"/>
+                <a:cs typeface="Courier New" panose="02070309020205020404" pitchFamily="49" charset="0"/>
+              </a:rPr>
+              <a:t>": true</a:t>
+            </a:r>
+            <a:endParaRPr lang="en-US" dirty="0" smtClean="0"/>
+          </a:p>
+          <a:p>
+            <a:pPr fontAlgn="ctr"/>
+            <a:r>
+              <a:rPr lang="en-US" dirty="0" smtClean="0"/>
+              <a:t>Name it</a:t>
+            </a:r>
+          </a:p>
+          <a:p>
+            <a:pPr lvl="1" fontAlgn="ctr"/>
+            <a:r>
+              <a:rPr lang="en-US" dirty="0" smtClean="0"/>
+              <a:t>F1, Terminal: Rename</a:t>
+            </a:r>
+          </a:p>
+          <a:p>
+            <a:pPr fontAlgn="ctr"/>
+            <a:r>
+              <a:rPr lang="en-US" dirty="0" smtClean="0"/>
+              <a:t>Run selected text in it</a:t>
+            </a:r>
+          </a:p>
+          <a:p>
+            <a:pPr lvl="1" fontAlgn="ctr"/>
+            <a:r>
+              <a:rPr lang="en-US" dirty="0" smtClean="0"/>
+              <a:t>Set up a key binding</a:t>
+            </a:r>
+          </a:p>
+          <a:p>
+            <a:pPr lvl="1"/>
+            <a:endParaRPr lang="en-US" dirty="0" smtClean="0"/>
+          </a:p>
+          <a:p>
+            <a:endParaRPr lang="en-US" dirty="0"/>
           </a:p>
         </p:txBody>
       </p:sp>
+      <p:pic>
+        <p:nvPicPr>
+          <p:cNvPr id="4" name="Picture 3"/>
+          <p:cNvPicPr>
+            <a:picLocks noChangeAspect="1"/>
+          </p:cNvPicPr>
+          <p:nvPr/>
+        </p:nvPicPr>
+        <p:blipFill rotWithShape="1">
+          <a:blip r:embed="rId2"/>
+          <a:srcRect t="2477"/>
+          <a:stretch/>
+        </p:blipFill>
+        <p:spPr>
+          <a:xfrm>
+            <a:off x="4999037" y="3954463"/>
+            <a:ext cx="8345712" cy="3505199"/>
+          </a:xfrm>
+          <a:prstGeom prst="rect">
+            <a:avLst/>
+          </a:prstGeom>
+        </p:spPr>
+      </p:pic>
     </p:spTree>
     <p:extLst>
       <p:ext uri="{BB962C8B-B14F-4D97-AF65-F5344CB8AC3E}">
-        <p14:creationId xmlns:p14="http://schemas.microsoft.com/office/powerpoint/2010/main" val="975335359"/>
+        <p14:creationId xmlns:p14="http://schemas.microsoft.com/office/powerpoint/2010/main" val="1693957789"/>
       </p:ext>
     </p:extLst>
   </p:cSld>
@@ -10054,7 +9984,7 @@
 </p:sld>
 </file>
 
-<file path=ppt/slides/slide4.xml><?xml version="1.0" encoding="utf-8"?>
+<file path=ppt/slides/slide12.xml><?xml version="1.0" encoding="utf-8"?>
 <p:sld xmlns:a="http://schemas.openxmlformats.org/drawingml/2006/main" xmlns:r="http://schemas.openxmlformats.org/officeDocument/2006/relationships" xmlns:p="http://schemas.openxmlformats.org/presentationml/2006/main">
   <p:cSld>
     <p:spTree>
@@ -10073,6 +10003,354 @@
       </p:grpSpPr>
       <p:sp>
         <p:nvSpPr>
+          <p:cNvPr id="2" name="Title 1"/>
+          <p:cNvSpPr>
+            <a:spLocks noGrp="1"/>
+          </p:cNvSpPr>
+          <p:nvPr>
+            <p:ph type="title"/>
+          </p:nvPr>
+        </p:nvSpPr>
+        <p:spPr/>
+        <p:txBody>
+          <a:bodyPr/>
+          <a:lstStyle/>
+          <a:p>
+            <a:r>
+              <a:rPr lang="en-US" dirty="0" smtClean="0"/>
+              <a:t>Source Code Control</a:t>
+            </a:r>
+            <a:endParaRPr lang="en-US" dirty="0"/>
+          </a:p>
+        </p:txBody>
+      </p:sp>
+      <p:sp>
+        <p:nvSpPr>
+          <p:cNvPr id="3" name="Text Placeholder 2"/>
+          <p:cNvSpPr>
+            <a:spLocks noGrp="1"/>
+          </p:cNvSpPr>
+          <p:nvPr>
+            <p:ph type="body" sz="quarter" idx="10"/>
+          </p:nvPr>
+        </p:nvSpPr>
+        <p:spPr>
+          <a:xfrm>
+            <a:off x="274702" y="1211287"/>
+            <a:ext cx="11888787" cy="4813625"/>
+          </a:xfrm>
+        </p:spPr>
+        <p:txBody>
+          <a:bodyPr/>
+          <a:lstStyle/>
+          <a:p>
+            <a:pPr fontAlgn="ctr"/>
+            <a:r>
+              <a:rPr lang="en-US" dirty="0" err="1"/>
+              <a:t>Git</a:t>
+            </a:r>
+            <a:r>
+              <a:rPr lang="en-US" dirty="0"/>
+              <a:t> Stash</a:t>
+            </a:r>
+            <a:endParaRPr lang="en-US" sz="4400" dirty="0"/>
+          </a:p>
+          <a:p>
+            <a:pPr fontAlgn="ctr"/>
+            <a:r>
+              <a:rPr lang="en-US" dirty="0"/>
+              <a:t>Branching</a:t>
+            </a:r>
+            <a:endParaRPr lang="en-US" sz="4400" dirty="0"/>
+          </a:p>
+          <a:p>
+            <a:pPr fontAlgn="ctr"/>
+            <a:r>
+              <a:rPr lang="en-US" dirty="0"/>
+              <a:t>Diff: side by side, inline, accessible</a:t>
+            </a:r>
+            <a:endParaRPr lang="en-US" sz="4400" dirty="0"/>
+          </a:p>
+          <a:p>
+            <a:pPr fontAlgn="ctr"/>
+            <a:r>
+              <a:rPr lang="en-US" dirty="0"/>
+              <a:t>Partial </a:t>
+            </a:r>
+            <a:r>
+              <a:rPr lang="en-US" dirty="0" err="1"/>
+              <a:t>Git</a:t>
+            </a:r>
+            <a:r>
+              <a:rPr lang="en-US" dirty="0"/>
+              <a:t> commits</a:t>
+            </a:r>
+            <a:endParaRPr lang="en-US" sz="4400" dirty="0"/>
+          </a:p>
+          <a:p>
+            <a:pPr fontAlgn="ctr"/>
+            <a:r>
+              <a:rPr lang="en-US" dirty="0"/>
+              <a:t>Additional SCC providers</a:t>
+            </a:r>
+            <a:endParaRPr lang="en-US" sz="4400" dirty="0"/>
+          </a:p>
+          <a:p>
+            <a:pPr fontAlgn="ctr"/>
+            <a:r>
+              <a:rPr lang="en-US" dirty="0" err="1" smtClean="0"/>
+              <a:t>Git</a:t>
+            </a:r>
+            <a:r>
+              <a:rPr lang="en-US" dirty="0" smtClean="0"/>
+              <a:t> </a:t>
+            </a:r>
+            <a:r>
+              <a:rPr lang="en-US" dirty="0"/>
+              <a:t>lens extension</a:t>
+            </a:r>
+            <a:endParaRPr lang="en-US" sz="4400" dirty="0"/>
+          </a:p>
+          <a:p>
+            <a:pPr lvl="1" fontAlgn="ctr"/>
+            <a:r>
+              <a:rPr lang="en-US" dirty="0"/>
+              <a:t>Ben's configuration</a:t>
+            </a:r>
+            <a:endParaRPr lang="en-US" sz="3600" dirty="0"/>
+          </a:p>
+          <a:p>
+            <a:endParaRPr lang="en-US" dirty="0"/>
+          </a:p>
+        </p:txBody>
+      </p:sp>
+      <p:pic>
+        <p:nvPicPr>
+          <p:cNvPr id="4" name="Picture 3"/>
+          <p:cNvPicPr>
+            <a:picLocks noChangeAspect="1"/>
+          </p:cNvPicPr>
+          <p:nvPr/>
+        </p:nvPicPr>
+        <p:blipFill>
+          <a:blip r:embed="rId2"/>
+          <a:stretch>
+            <a:fillRect/>
+          </a:stretch>
+        </p:blipFill>
+        <p:spPr>
+          <a:xfrm>
+            <a:off x="6446837" y="327025"/>
+            <a:ext cx="9283141" cy="6994525"/>
+          </a:xfrm>
+          <a:prstGeom prst="rect">
+            <a:avLst/>
+          </a:prstGeom>
+        </p:spPr>
+      </p:pic>
+    </p:spTree>
+    <p:extLst>
+      <p:ext uri="{BB962C8B-B14F-4D97-AF65-F5344CB8AC3E}">
+        <p14:creationId xmlns:p14="http://schemas.microsoft.com/office/powerpoint/2010/main" val="1244844389"/>
+      </p:ext>
+    </p:extLst>
+  </p:cSld>
+  <p:clrMapOvr>
+    <a:masterClrMapping/>
+  </p:clrMapOvr>
+  <mc:AlternateContent xmlns:mc="http://schemas.openxmlformats.org/markup-compatibility/2006" xmlns:p14="http://schemas.microsoft.com/office/powerpoint/2010/main">
+    <mc:Choice Requires="p14">
+      <p:transition spd="med" p14:dur="700">
+        <p:fade/>
+      </p:transition>
+    </mc:Choice>
+    <mc:Fallback xmlns="">
+      <p:transition spd="med">
+        <p:fade/>
+      </p:transition>
+    </mc:Fallback>
+  </mc:AlternateContent>
+</p:sld>
+</file>
+
+<file path=ppt/slides/slide13.xml><?xml version="1.0" encoding="utf-8"?>
+<p:sld xmlns:a="http://schemas.openxmlformats.org/drawingml/2006/main" xmlns:r="http://schemas.openxmlformats.org/officeDocument/2006/relationships" xmlns:p="http://schemas.openxmlformats.org/presentationml/2006/main">
+  <p:cSld>
+    <p:spTree>
+      <p:nvGrpSpPr>
+        <p:cNvPr id="1" name=""/>
+        <p:cNvGrpSpPr/>
+        <p:nvPr/>
+      </p:nvGrpSpPr>
+      <p:grpSpPr>
+        <a:xfrm>
+          <a:off x="0" y="0"/>
+          <a:ext cx="0" cy="0"/>
+          <a:chOff x="0" y="0"/>
+          <a:chExt cx="0" cy="0"/>
+        </a:xfrm>
+      </p:grpSpPr>
+      <p:sp>
+        <p:nvSpPr>
+          <p:cNvPr id="2" name="Title 1"/>
+          <p:cNvSpPr>
+            <a:spLocks noGrp="1"/>
+          </p:cNvSpPr>
+          <p:nvPr>
+            <p:ph type="title"/>
+          </p:nvPr>
+        </p:nvSpPr>
+        <p:spPr/>
+        <p:txBody>
+          <a:bodyPr/>
+          <a:lstStyle/>
+          <a:p>
+            <a:r>
+              <a:rPr lang="en-US" dirty="0" smtClean="0"/>
+              <a:t>Extensions and the Marketplace</a:t>
+            </a:r>
+            <a:endParaRPr lang="en-US" dirty="0"/>
+          </a:p>
+        </p:txBody>
+      </p:sp>
+      <p:sp>
+        <p:nvSpPr>
+          <p:cNvPr id="3" name="Text Placeholder 2"/>
+          <p:cNvSpPr>
+            <a:spLocks noGrp="1"/>
+          </p:cNvSpPr>
+          <p:nvPr>
+            <p:ph type="body" sz="quarter" idx="10"/>
+          </p:nvPr>
+        </p:nvSpPr>
+        <p:spPr>
+          <a:xfrm>
+            <a:off x="274702" y="1211287"/>
+            <a:ext cx="11888787" cy="3576364"/>
+          </a:xfrm>
+        </p:spPr>
+        <p:txBody>
+          <a:bodyPr/>
+          <a:lstStyle/>
+          <a:p>
+            <a:pPr fontAlgn="ctr"/>
+            <a:r>
+              <a:rPr lang="en-US" dirty="0"/>
+              <a:t>Single click install</a:t>
+            </a:r>
+            <a:endParaRPr lang="en-US" sz="4400" dirty="0"/>
+          </a:p>
+          <a:p>
+            <a:pPr fontAlgn="ctr"/>
+            <a:r>
+              <a:rPr lang="en-US" dirty="0"/>
+              <a:t>List of cool extensions…</a:t>
+            </a:r>
+            <a:endParaRPr lang="en-US" sz="4400" dirty="0"/>
+          </a:p>
+          <a:p>
+            <a:pPr lvl="1" fontAlgn="ctr"/>
+            <a:r>
+              <a:rPr lang="en-US" dirty="0"/>
+              <a:t>Explosion thing</a:t>
+            </a:r>
+            <a:endParaRPr lang="en-US" sz="3600" dirty="0"/>
+          </a:p>
+          <a:p>
+            <a:pPr lvl="1" fontAlgn="ctr"/>
+            <a:r>
+              <a:rPr lang="en-US" dirty="0"/>
+              <a:t>Open new workspace here extension (mine)</a:t>
+            </a:r>
+            <a:endParaRPr lang="en-US" sz="3600" dirty="0"/>
+          </a:p>
+          <a:p>
+            <a:pPr lvl="1" fontAlgn="ctr"/>
+            <a:r>
+              <a:rPr lang="en-US" sz="2000" dirty="0"/>
+              <a:t>Close all (Ben's) </a:t>
+            </a:r>
+            <a:r>
+              <a:rPr lang="en-US" dirty="0">
+                <a:hlinkClick r:id="rId2"/>
+              </a:rPr>
+              <a:t>https://marketplace.visualstudio.com/items?itemName=benjpas.close-all</a:t>
+            </a:r>
+            <a:endParaRPr lang="en-US" dirty="0"/>
+          </a:p>
+          <a:p>
+            <a:endParaRPr lang="en-US" dirty="0"/>
+          </a:p>
+        </p:txBody>
+      </p:sp>
+      <p:pic>
+        <p:nvPicPr>
+          <p:cNvPr id="4" name="Picture 3"/>
+          <p:cNvPicPr>
+            <a:picLocks noChangeAspect="1"/>
+          </p:cNvPicPr>
+          <p:nvPr/>
+        </p:nvPicPr>
+        <p:blipFill>
+          <a:blip r:embed="rId3"/>
+          <a:stretch>
+            <a:fillRect/>
+          </a:stretch>
+        </p:blipFill>
+        <p:spPr>
+          <a:xfrm>
+            <a:off x="643452" y="4411662"/>
+            <a:ext cx="11520394" cy="6994525"/>
+          </a:xfrm>
+          <a:prstGeom prst="rect">
+            <a:avLst/>
+          </a:prstGeom>
+        </p:spPr>
+      </p:pic>
+    </p:spTree>
+    <p:extLst>
+      <p:ext uri="{BB962C8B-B14F-4D97-AF65-F5344CB8AC3E}">
+        <p14:creationId xmlns:p14="http://schemas.microsoft.com/office/powerpoint/2010/main" val="2616260211"/>
+      </p:ext>
+    </p:extLst>
+  </p:cSld>
+  <p:clrMapOvr>
+    <a:masterClrMapping/>
+  </p:clrMapOvr>
+  <mc:AlternateContent xmlns:mc="http://schemas.openxmlformats.org/markup-compatibility/2006" xmlns:p14="http://schemas.microsoft.com/office/powerpoint/2010/main">
+    <mc:Choice Requires="p14">
+      <p:transition spd="med" p14:dur="700">
+        <p:fade/>
+      </p:transition>
+    </mc:Choice>
+    <mc:Fallback xmlns="">
+      <p:transition spd="med">
+        <p:fade/>
+      </p:transition>
+    </mc:Fallback>
+  </mc:AlternateContent>
+</p:sld>
+</file>
+
+<file path=ppt/slides/slide14.xml><?xml version="1.0" encoding="utf-8"?>
+<p:sld xmlns:a="http://schemas.openxmlformats.org/drawingml/2006/main" xmlns:r="http://schemas.openxmlformats.org/officeDocument/2006/relationships" xmlns:p="http://schemas.openxmlformats.org/presentationml/2006/main">
+  <p:cSld>
+    <p:spTree>
+      <p:nvGrpSpPr>
+        <p:cNvPr id="1" name=""/>
+        <p:cNvGrpSpPr/>
+        <p:nvPr/>
+      </p:nvGrpSpPr>
+      <p:grpSpPr>
+        <a:xfrm>
+          <a:off x="0" y="0"/>
+          <a:ext cx="0" cy="0"/>
+          <a:chOff x="0" y="0"/>
+          <a:chExt cx="0" cy="0"/>
+        </a:xfrm>
+      </p:grpSpPr>
+      <p:sp>
+        <p:nvSpPr>
           <p:cNvPr id="4" name="Title 3"/>
           <p:cNvSpPr>
             <a:spLocks noGrp="1"/>
@@ -10087,9 +10365,18 @@
           <a:lstStyle/>
           <a:p>
             <a:r>
-              <a:rPr lang="en-US" dirty="0"/>
-              <a:t>Thanks!</a:t>
-            </a:r>
+              <a:rPr lang="en-US" dirty="0" smtClean="0"/>
+              <a:t>#</a:t>
+            </a:r>
+            <a:r>
+              <a:rPr lang="en-US" dirty="0" err="1" smtClean="0"/>
+              <a:t>HappyCoding</a:t>
+            </a:r>
+            <a:r>
+              <a:rPr lang="en-US" dirty="0" smtClean="0"/>
+              <a:t>!</a:t>
+            </a:r>
+            <a:endParaRPr lang="en-US" dirty="0"/>
           </a:p>
         </p:txBody>
       </p:sp>
@@ -10106,7 +10393,7 @@
         <p:spPr>
           <a:xfrm>
             <a:off x="274702" y="1211287"/>
-            <a:ext cx="11888787" cy="3730252"/>
+            <a:ext cx="11888787" cy="5355312"/>
           </a:xfrm>
         </p:spPr>
         <p:txBody>
@@ -10118,37 +10405,115 @@
           <a:p>
             <a:r>
               <a:rPr lang="en-US" dirty="0"/>
-              <a:t>Follow us @code</a:t>
-            </a:r>
-          </a:p>
-          <a:p>
-            <a:r>
-              <a:rPr lang="en-US" dirty="0">
+              <a:t>Follow us @</a:t>
+            </a:r>
+            <a:r>
+              <a:rPr lang="en-US" dirty="0" smtClean="0"/>
+              <a:t>code</a:t>
+            </a:r>
+          </a:p>
+          <a:p>
+            <a:pPr lvl="2"/>
+            <a:endParaRPr lang="en-US" dirty="0"/>
+          </a:p>
+          <a:p>
+            <a:r>
+              <a:rPr lang="en-US" dirty="0" smtClean="0"/>
+              <a:t>Learn: </a:t>
+            </a:r>
+            <a:r>
+              <a:rPr lang="en-US" dirty="0" smtClean="0">
                 <a:hlinkClick r:id="rId3"/>
               </a:rPr>
-              <a:t>https://code.visualstudio.com</a:t>
-            </a:r>
-            <a:endParaRPr lang="en-US" dirty="0"/>
-          </a:p>
-          <a:p>
+              <a:t>https://code.visualstudio.com/docs</a:t>
+            </a:r>
+            <a:endParaRPr lang="en-US" dirty="0" smtClean="0"/>
+          </a:p>
+          <a:p>
+            <a:pPr lvl="2"/>
+            <a:endParaRPr lang="en-US" dirty="0" smtClean="0"/>
+          </a:p>
+          <a:p>
+            <a:r>
+              <a:rPr lang="en-US" dirty="0" smtClean="0"/>
+              <a:t>Insiders</a:t>
+            </a:r>
+            <a:r>
+              <a:rPr lang="en-US" dirty="0"/>
+              <a:t>: </a:t>
+            </a:r>
             <a:r>
               <a:rPr lang="en-US" dirty="0">
                 <a:hlinkClick r:id="rId4"/>
               </a:rPr>
-              <a:t>https://github.com/microsoft/vscode</a:t>
+              <a:t>https://</a:t>
+            </a:r>
+            <a:r>
+              <a:rPr lang="en-US" dirty="0" smtClean="0">
+                <a:hlinkClick r:id="rId4"/>
+              </a:rPr>
+              <a:t>code.visualstudio.com/insiders</a:t>
+            </a:r>
+            <a:r>
+              <a:rPr lang="en-US" dirty="0" smtClean="0"/>
+              <a:t> </a:t>
             </a:r>
             <a:endParaRPr lang="en-US" dirty="0"/>
           </a:p>
           <a:p>
+            <a:pPr lvl="2"/>
+            <a:endParaRPr lang="en-US" dirty="0" smtClean="0"/>
+          </a:p>
+          <a:p>
+            <a:r>
+              <a:rPr lang="en-US" dirty="0" smtClean="0"/>
+              <a:t>Contribute: </a:t>
+            </a:r>
+            <a:r>
+              <a:rPr lang="en-US" dirty="0" smtClean="0">
+                <a:hlinkClick r:id="rId5"/>
+              </a:rPr>
+              <a:t>https</a:t>
+            </a:r>
             <a:r>
               <a:rPr lang="en-US" dirty="0">
                 <a:hlinkClick r:id="rId5"/>
               </a:rPr>
-              <a:t>https://github.com/microsoft/vscode-tips-and-tricks</a:t>
+              <a:t>://github.com/microsoft/vscode</a:t>
             </a:r>
             <a:endParaRPr lang="en-US" dirty="0"/>
           </a:p>
           <a:p>
+            <a:pPr lvl="2"/>
+            <a:endParaRPr lang="en-US" dirty="0" smtClean="0"/>
+          </a:p>
+          <a:p>
+            <a:r>
+              <a:rPr lang="en-US" dirty="0" smtClean="0"/>
+              <a:t>Tips</a:t>
+            </a:r>
+            <a:r>
+              <a:rPr lang="en-US" dirty="0"/>
+              <a:t>: </a:t>
+            </a:r>
+            <a:r>
+              <a:rPr lang="en-US" dirty="0" smtClean="0">
+                <a:hlinkClick r:id="rId6"/>
+              </a:rPr>
+              <a:t>https</a:t>
+            </a:r>
+            <a:r>
+              <a:rPr lang="en-US" dirty="0">
+                <a:hlinkClick r:id="rId6"/>
+              </a:rPr>
+              <a:t>://</a:t>
+            </a:r>
+            <a:r>
+              <a:rPr lang="en-US" dirty="0" smtClean="0">
+                <a:hlinkClick r:id="rId6"/>
+              </a:rPr>
+              <a:t>github.com/microsoft/vscode-tips-and-tricks</a:t>
+            </a:r>
             <a:endParaRPr lang="en-US" dirty="0"/>
           </a:p>
         </p:txBody>
@@ -10178,1092 +10543,7 @@
 </p:sld>
 </file>
 
-<file path=ppt/slides/slide5.xml><?xml version="1.0" encoding="utf-8"?>
-<p:sld xmlns:a="http://schemas.openxmlformats.org/drawingml/2006/main" xmlns:r="http://schemas.openxmlformats.org/officeDocument/2006/relationships" xmlns:p="http://schemas.openxmlformats.org/presentationml/2006/main" show="0">
-  <p:cSld>
-    <p:spTree>
-      <p:nvGrpSpPr>
-        <p:cNvPr id="1" name=""/>
-        <p:cNvGrpSpPr/>
-        <p:nvPr/>
-      </p:nvGrpSpPr>
-      <p:grpSpPr>
-        <a:xfrm>
-          <a:off x="0" y="0"/>
-          <a:ext cx="0" cy="0"/>
-          <a:chOff x="0" y="0"/>
-          <a:chExt cx="0" cy="0"/>
-        </a:xfrm>
-      </p:grpSpPr>
-      <p:sp>
-        <p:nvSpPr>
-          <p:cNvPr id="4" name="Title 3"/>
-          <p:cNvSpPr>
-            <a:spLocks noGrp="1"/>
-          </p:cNvSpPr>
-          <p:nvPr>
-            <p:ph type="title"/>
-          </p:nvPr>
-        </p:nvSpPr>
-        <p:spPr/>
-        <p:txBody>
-          <a:bodyPr/>
-          <a:lstStyle/>
-          <a:p>
-            <a:r>
-              <a:rPr lang="en-US" dirty="0"/>
-              <a:t>Resources for Microsoft employees</a:t>
-            </a:r>
-          </a:p>
-        </p:txBody>
-      </p:sp>
-      <p:sp>
-        <p:nvSpPr>
-          <p:cNvPr id="3" name="TextBox 2"/>
-          <p:cNvSpPr txBox="1"/>
-          <p:nvPr/>
-        </p:nvSpPr>
-        <p:spPr>
-          <a:xfrm>
-            <a:off x="274640" y="1211262"/>
-            <a:ext cx="11735114" cy="1292662"/>
-          </a:xfrm>
-          <a:prstGeom prst="rect">
-            <a:avLst/>
-          </a:prstGeom>
-          <a:noFill/>
-        </p:spPr>
-        <p:txBody>
-          <a:bodyPr wrap="square" lIns="182880" tIns="146304" rIns="182880" bIns="146304" rtlCol="0">
-            <a:spAutoFit/>
-          </a:bodyPr>
-          <a:lstStyle/>
-          <a:p>
-            <a:pPr marL="0" marR="0" lvl="0" indent="0" defTabSz="914400" eaLnBrk="1" fontAlgn="auto" latinLnBrk="0" hangingPunct="1">
-              <a:lnSpc>
-                <a:spcPct val="90000"/>
-              </a:lnSpc>
-              <a:spcBef>
-                <a:spcPts val="0"/>
-              </a:spcBef>
-              <a:spcAft>
-                <a:spcPts val="600"/>
-              </a:spcAft>
-              <a:buClrTx/>
-              <a:buSzTx/>
-              <a:buFontTx/>
-              <a:buNone/>
-              <a:tabLst/>
-              <a:defRPr/>
-            </a:pPr>
-            <a:r>
-              <a:rPr kumimoji="0" lang="en-US" sz="2400" b="0" i="0" u="none" strike="noStrike" kern="0" cap="none" spc="0" normalizeH="0" baseline="0" noProof="0" dirty="0">
-                <a:ln>
-                  <a:noFill/>
-                </a:ln>
-                <a:gradFill>
-                  <a:gsLst>
-                    <a:gs pos="74336">
-                      <a:schemeClr val="tx1"/>
-                    </a:gs>
-                    <a:gs pos="57000">
-                      <a:schemeClr val="tx1"/>
-                    </a:gs>
-                  </a:gsLst>
-                  <a:lin ang="5400000" scaled="0"/>
-                </a:gradFill>
-                <a:effectLst/>
-                <a:uLnTx/>
-                <a:uFillTx/>
-                <a:cs typeface="Segoe UI" panose="020B0502040204020203" pitchFamily="34" charset="0"/>
-              </a:rPr>
-              <a:t>Can’t find the image that you have in mind for your presentation? The Media Acquisitions team can help you find and license imagery through our stock </a:t>
-            </a:r>
-            <a:br>
-              <a:rPr kumimoji="0" lang="en-US" sz="2400" b="0" i="0" u="none" strike="noStrike" kern="0" cap="none" spc="0" normalizeH="0" baseline="0" noProof="0" dirty="0">
-                <a:ln>
-                  <a:noFill/>
-                </a:ln>
-                <a:gradFill>
-                  <a:gsLst>
-                    <a:gs pos="74336">
-                      <a:schemeClr val="tx1"/>
-                    </a:gs>
-                    <a:gs pos="57000">
-                      <a:schemeClr val="tx1"/>
-                    </a:gs>
-                  </a:gsLst>
-                  <a:lin ang="5400000" scaled="0"/>
-                </a:gradFill>
-                <a:effectLst/>
-                <a:uLnTx/>
-                <a:uFillTx/>
-                <a:cs typeface="Segoe UI" panose="020B0502040204020203" pitchFamily="34" charset="0"/>
-              </a:rPr>
-            </a:br>
-            <a:r>
-              <a:rPr kumimoji="0" lang="en-US" sz="2400" b="0" i="0" u="none" strike="noStrike" kern="0" cap="none" spc="0" normalizeH="0" baseline="0" noProof="0" dirty="0">
-                <a:ln>
-                  <a:noFill/>
-                </a:ln>
-                <a:gradFill>
-                  <a:gsLst>
-                    <a:gs pos="74336">
-                      <a:schemeClr val="tx1"/>
-                    </a:gs>
-                    <a:gs pos="57000">
-                      <a:schemeClr val="tx1"/>
-                    </a:gs>
-                  </a:gsLst>
-                  <a:lin ang="5400000" scaled="0"/>
-                </a:gradFill>
-                <a:effectLst/>
-                <a:uLnTx/>
-                <a:uFillTx/>
-                <a:cs typeface="Segoe UI" panose="020B0502040204020203" pitchFamily="34" charset="0"/>
-              </a:rPr>
-              <a:t>photography providers. You will also find imagery and information via these links:</a:t>
-            </a:r>
-          </a:p>
-        </p:txBody>
-      </p:sp>
-      <p:sp>
-        <p:nvSpPr>
-          <p:cNvPr id="2" name="Text Placeholder 1"/>
-          <p:cNvSpPr>
-            <a:spLocks noGrp="1"/>
-          </p:cNvSpPr>
-          <p:nvPr>
-            <p:ph type="body" sz="quarter" idx="4294967295"/>
-          </p:nvPr>
-        </p:nvSpPr>
-        <p:spPr>
-          <a:xfrm>
-            <a:off x="285167" y="2700338"/>
-            <a:ext cx="7223125" cy="2468562"/>
-          </a:xfrm>
-        </p:spPr>
-        <p:txBody>
-          <a:bodyPr anchor="t" anchorCtr="0"/>
-          <a:lstStyle/>
-          <a:p>
-            <a:pPr marL="0" indent="0">
-              <a:buNone/>
-            </a:pPr>
-            <a:r>
-              <a:rPr lang="en-US" sz="2800" dirty="0">
-                <a:gradFill>
-                  <a:gsLst>
-                    <a:gs pos="2655">
-                      <a:srgbClr val="FFFFFF"/>
-                    </a:gs>
-                    <a:gs pos="26000">
-                      <a:srgbClr val="FFFFFF"/>
-                    </a:gs>
-                  </a:gsLst>
-                  <a:lin ang="5400000" scaled="0"/>
-                </a:gradFill>
-                <a:latin typeface="+mn-lt"/>
-                <a:hlinkClick r:id="rId3"/>
-              </a:rPr>
-              <a:t>Mediaacq</a:t>
-            </a:r>
-            <a:endParaRPr lang="en-US" sz="2800" u="sng" dirty="0">
-              <a:gradFill>
-                <a:gsLst>
-                  <a:gs pos="2655">
-                    <a:srgbClr val="FFFFFF"/>
-                  </a:gs>
-                  <a:gs pos="26000">
-                    <a:srgbClr val="FFFFFF"/>
-                  </a:gs>
-                </a:gsLst>
-                <a:lin ang="5400000" scaled="0"/>
-              </a:gradFill>
-              <a:latin typeface="+mn-lt"/>
-              <a:hlinkClick r:id="rId4"/>
-            </a:endParaRPr>
-          </a:p>
-          <a:p>
-            <a:pPr marL="0" indent="0">
-              <a:buNone/>
-            </a:pPr>
-            <a:r>
-              <a:rPr lang="en-US" sz="2800" dirty="0">
-                <a:gradFill>
-                  <a:gsLst>
-                    <a:gs pos="2655">
-                      <a:srgbClr val="FFFFFF"/>
-                    </a:gs>
-                    <a:gs pos="26000">
-                      <a:srgbClr val="FFFFFF"/>
-                    </a:gs>
-                  </a:gsLst>
-                  <a:lin ang="5400000" scaled="0"/>
-                </a:gradFill>
-                <a:latin typeface="+mn-lt"/>
-                <a:hlinkClick r:id="rId5"/>
-              </a:rPr>
-              <a:t>Microsoft Brand Central</a:t>
-            </a:r>
-            <a:endParaRPr lang="en-US" sz="2800" dirty="0">
-              <a:gradFill>
-                <a:gsLst>
-                  <a:gs pos="2655">
-                    <a:srgbClr val="FFFFFF"/>
-                  </a:gs>
-                  <a:gs pos="26000">
-                    <a:srgbClr val="FFFFFF"/>
-                  </a:gs>
-                </a:gsLst>
-                <a:lin ang="5400000" scaled="0"/>
-              </a:gradFill>
-              <a:latin typeface="+mn-lt"/>
-            </a:endParaRPr>
-          </a:p>
-          <a:p>
-            <a:pPr marL="0" indent="0">
-              <a:buNone/>
-            </a:pPr>
-            <a:r>
-              <a:rPr lang="en-US" sz="2800" dirty="0">
-                <a:gradFill>
-                  <a:gsLst>
-                    <a:gs pos="2655">
-                      <a:srgbClr val="FFFFFF"/>
-                    </a:gs>
-                    <a:gs pos="26000">
-                      <a:srgbClr val="FFFFFF"/>
-                    </a:gs>
-                  </a:gsLst>
-                  <a:lin ang="5400000" scaled="0"/>
-                </a:gradFill>
-                <a:latin typeface="+mn-lt"/>
-                <a:hlinkClick r:id="rId6"/>
-              </a:rPr>
-              <a:t>Presentation guidelines</a:t>
-            </a:r>
-            <a:endParaRPr lang="en-US" sz="2800" dirty="0">
-              <a:gradFill>
-                <a:gsLst>
-                  <a:gs pos="2655">
-                    <a:srgbClr val="FFFFFF"/>
-                  </a:gs>
-                  <a:gs pos="26000">
-                    <a:srgbClr val="FFFFFF"/>
-                  </a:gs>
-                </a:gsLst>
-                <a:lin ang="5400000" scaled="0"/>
-              </a:gradFill>
-              <a:latin typeface="+mn-lt"/>
-            </a:endParaRPr>
-          </a:p>
-          <a:p>
-            <a:pPr marL="0" indent="0">
-              <a:buNone/>
-            </a:pPr>
-            <a:r>
-              <a:rPr lang="en-US" sz="2800" dirty="0">
-                <a:gradFill>
-                  <a:gsLst>
-                    <a:gs pos="2655">
-                      <a:srgbClr val="FFFFFF"/>
-                    </a:gs>
-                    <a:gs pos="26000">
-                      <a:srgbClr val="FFFFFF"/>
-                    </a:gs>
-                  </a:gsLst>
-                  <a:lin ang="5400000" scaled="0"/>
-                </a:gradFill>
-                <a:latin typeface="+mn-lt"/>
-                <a:hlinkClick r:id="rId7"/>
-              </a:rPr>
-              <a:t>Microsoft photography</a:t>
-            </a:r>
-            <a:endParaRPr lang="en-US" sz="2800" dirty="0">
-              <a:gradFill>
-                <a:gsLst>
-                  <a:gs pos="2655">
-                    <a:srgbClr val="FFFFFF"/>
-                  </a:gs>
-                  <a:gs pos="26000">
-                    <a:srgbClr val="FFFFFF"/>
-                  </a:gs>
-                </a:gsLst>
-                <a:lin ang="5400000" scaled="0"/>
-              </a:gradFill>
-              <a:latin typeface="+mn-lt"/>
-            </a:endParaRPr>
-          </a:p>
-          <a:p>
-            <a:pPr marL="0" indent="0">
-              <a:buNone/>
-            </a:pPr>
-            <a:r>
-              <a:rPr lang="en-US" sz="2800" dirty="0">
-                <a:gradFill>
-                  <a:gsLst>
-                    <a:gs pos="2655">
-                      <a:srgbClr val="FFFFFF"/>
-                    </a:gs>
-                    <a:gs pos="26000">
-                      <a:srgbClr val="FFFFFF"/>
-                    </a:gs>
-                  </a:gsLst>
-                  <a:lin ang="5400000" scaled="0"/>
-                </a:gradFill>
-                <a:latin typeface="+mn-lt"/>
-                <a:hlinkClick r:id="rId8"/>
-              </a:rPr>
-              <a:t>Microsoft illustrations</a:t>
-            </a:r>
-            <a:endParaRPr lang="en-US" sz="2800" dirty="0">
-              <a:gradFill>
-                <a:gsLst>
-                  <a:gs pos="2655">
-                    <a:srgbClr val="FFFFFF"/>
-                  </a:gs>
-                  <a:gs pos="26000">
-                    <a:srgbClr val="FFFFFF"/>
-                  </a:gs>
-                </a:gsLst>
-                <a:lin ang="5400000" scaled="0"/>
-              </a:gradFill>
-              <a:latin typeface="+mn-lt"/>
-            </a:endParaRPr>
-          </a:p>
-        </p:txBody>
-      </p:sp>
-      <p:sp>
-        <p:nvSpPr>
-          <p:cNvPr id="9" name="Text Placeholder 1"/>
-          <p:cNvSpPr txBox="1">
-            <a:spLocks/>
-          </p:cNvSpPr>
-          <p:nvPr/>
-        </p:nvSpPr>
-        <p:spPr>
-          <a:xfrm>
-            <a:off x="6035895" y="2700707"/>
-            <a:ext cx="6217853" cy="914400"/>
-          </a:xfrm>
-          <a:prstGeom prst="rect">
-            <a:avLst/>
-          </a:prstGeom>
-        </p:spPr>
-        <p:txBody>
-          <a:bodyPr vert="horz" wrap="square" lIns="182880" tIns="146304" rIns="182880" bIns="146304" rtlCol="0" anchor="t" anchorCtr="0">
-            <a:noAutofit/>
-          </a:bodyPr>
-          <a:lstStyle>
-            <a:lvl1pPr marL="0" marR="0" indent="0" algn="l" defTabSz="932742" rtl="0" eaLnBrk="1" fontAlgn="auto" latinLnBrk="0" hangingPunct="1">
-              <a:lnSpc>
-                <a:spcPct val="90000"/>
-              </a:lnSpc>
-              <a:spcBef>
-                <a:spcPct val="20000"/>
-              </a:spcBef>
-              <a:spcAft>
-                <a:spcPts val="0"/>
-              </a:spcAft>
-              <a:buClr>
-                <a:schemeClr val="tx1"/>
-              </a:buClr>
-              <a:buSzPct val="90000"/>
-              <a:buFont typeface="Arial" panose="020B0604020202020204" pitchFamily="34" charset="0"/>
-              <a:buNone/>
-              <a:tabLst/>
-              <a:defRPr lang="en-US" sz="3600" kern="1200" spc="0" baseline="0" dirty="0" smtClean="0">
-                <a:gradFill>
-                  <a:gsLst>
-                    <a:gs pos="1299">
-                      <a:schemeClr val="tx1"/>
-                    </a:gs>
-                    <a:gs pos="100000">
-                      <a:schemeClr val="tx1"/>
-                    </a:gs>
-                  </a:gsLst>
-                  <a:lin ang="5400000" scaled="0"/>
-                </a:gradFill>
-                <a:latin typeface="+mj-lt"/>
-                <a:ea typeface="+mn-ea"/>
-                <a:cs typeface="+mn-cs"/>
-              </a:defRPr>
-            </a:lvl1pPr>
-            <a:lvl2pPr marL="584200" marR="0" indent="-241300" algn="l" defTabSz="932742" rtl="0" eaLnBrk="1" fontAlgn="auto" latinLnBrk="0" hangingPunct="1">
-              <a:lnSpc>
-                <a:spcPct val="90000"/>
-              </a:lnSpc>
-              <a:spcBef>
-                <a:spcPct val="20000"/>
-              </a:spcBef>
-              <a:spcAft>
-                <a:spcPts val="0"/>
-              </a:spcAft>
-              <a:buClr>
-                <a:schemeClr val="tx1"/>
-              </a:buClr>
-              <a:buSzPct val="90000"/>
-              <a:buFont typeface="Wingdings" panose="05000000000000000000" pitchFamily="2" charset="2"/>
-              <a:buChar char="§"/>
-              <a:tabLst/>
-              <a:defRPr sz="2400" kern="1200" spc="0" baseline="0">
-                <a:gradFill>
-                  <a:gsLst>
-                    <a:gs pos="1250">
-                      <a:schemeClr val="tx1"/>
-                    </a:gs>
-                    <a:gs pos="100000">
-                      <a:schemeClr val="tx1"/>
-                    </a:gs>
-                  </a:gsLst>
-                  <a:lin ang="5400000" scaled="0"/>
-                </a:gradFill>
-                <a:latin typeface="+mn-lt"/>
-                <a:ea typeface="+mn-ea"/>
-                <a:cs typeface="+mn-cs"/>
-              </a:defRPr>
-            </a:lvl2pPr>
-            <a:lvl3pPr marL="800100" marR="0" indent="-228600" algn="l" defTabSz="932742" rtl="0" eaLnBrk="1" fontAlgn="auto" latinLnBrk="0" hangingPunct="1">
-              <a:lnSpc>
-                <a:spcPct val="90000"/>
-              </a:lnSpc>
-              <a:spcBef>
-                <a:spcPct val="20000"/>
-              </a:spcBef>
-              <a:spcAft>
-                <a:spcPts val="0"/>
-              </a:spcAft>
-              <a:buClr>
-                <a:schemeClr val="tx1"/>
-              </a:buClr>
-              <a:buSzPct val="90000"/>
-              <a:buFont typeface="Wingdings" panose="05000000000000000000" pitchFamily="2" charset="2"/>
-              <a:buChar char="§"/>
-              <a:tabLst/>
-              <a:defRPr sz="2400" kern="1200" spc="0" baseline="0">
-                <a:gradFill>
-                  <a:gsLst>
-                    <a:gs pos="1250">
-                      <a:schemeClr val="tx1"/>
-                    </a:gs>
-                    <a:gs pos="100000">
-                      <a:schemeClr val="tx1"/>
-                    </a:gs>
-                  </a:gsLst>
-                  <a:lin ang="5400000" scaled="0"/>
-                </a:gradFill>
-                <a:latin typeface="+mn-lt"/>
-                <a:ea typeface="+mn-ea"/>
-                <a:cs typeface="+mn-cs"/>
-              </a:defRPr>
-            </a:lvl3pPr>
-            <a:lvl4pPr marL="1028700" marR="0" indent="-228600" algn="l" defTabSz="932742" rtl="0" eaLnBrk="1" fontAlgn="auto" latinLnBrk="0" hangingPunct="1">
-              <a:lnSpc>
-                <a:spcPct val="90000"/>
-              </a:lnSpc>
-              <a:spcBef>
-                <a:spcPct val="20000"/>
-              </a:spcBef>
-              <a:spcAft>
-                <a:spcPts val="0"/>
-              </a:spcAft>
-              <a:buClr>
-                <a:schemeClr val="tx1"/>
-              </a:buClr>
-              <a:buSzPct val="90000"/>
-              <a:buFont typeface="Wingdings" panose="05000000000000000000" pitchFamily="2" charset="2"/>
-              <a:buChar char="§"/>
-              <a:tabLst/>
-              <a:defRPr sz="2000" kern="1200" spc="0" baseline="0">
-                <a:gradFill>
-                  <a:gsLst>
-                    <a:gs pos="1250">
-                      <a:schemeClr val="tx1"/>
-                    </a:gs>
-                    <a:gs pos="100000">
-                      <a:schemeClr val="tx1"/>
-                    </a:gs>
-                  </a:gsLst>
-                  <a:lin ang="5400000" scaled="0"/>
-                </a:gradFill>
-                <a:latin typeface="+mn-lt"/>
-                <a:ea typeface="+mn-ea"/>
-                <a:cs typeface="+mn-cs"/>
-              </a:defRPr>
-            </a:lvl4pPr>
-            <a:lvl5pPr marL="1257300" marR="0" indent="-228600" algn="l" defTabSz="932742" rtl="0" eaLnBrk="1" fontAlgn="auto" latinLnBrk="0" hangingPunct="1">
-              <a:lnSpc>
-                <a:spcPct val="90000"/>
-              </a:lnSpc>
-              <a:spcBef>
-                <a:spcPct val="20000"/>
-              </a:spcBef>
-              <a:spcAft>
-                <a:spcPts val="0"/>
-              </a:spcAft>
-              <a:buClr>
-                <a:schemeClr val="tx1"/>
-              </a:buClr>
-              <a:buSzPct val="90000"/>
-              <a:buFont typeface="Wingdings" panose="05000000000000000000" pitchFamily="2" charset="2"/>
-              <a:buChar char="§"/>
-              <a:tabLst/>
-              <a:defRPr sz="2000" kern="1200" spc="0" baseline="0">
-                <a:gradFill>
-                  <a:gsLst>
-                    <a:gs pos="1250">
-                      <a:schemeClr val="tx1"/>
-                    </a:gs>
-                    <a:gs pos="100000">
-                      <a:schemeClr val="tx1"/>
-                    </a:gs>
-                  </a:gsLst>
-                  <a:lin ang="5400000" scaled="0"/>
-                </a:gradFill>
-                <a:latin typeface="+mn-lt"/>
-                <a:ea typeface="+mn-ea"/>
-                <a:cs typeface="+mn-cs"/>
-              </a:defRPr>
-            </a:lvl5pPr>
-            <a:lvl6pPr marL="2565040" indent="-233186" algn="l" defTabSz="932742" rtl="0" eaLnBrk="1" latinLnBrk="0" hangingPunct="1">
-              <a:spcBef>
-                <a:spcPct val="20000"/>
-              </a:spcBef>
-              <a:buFont typeface="Arial" pitchFamily="34" charset="0"/>
-              <a:buChar char="•"/>
-              <a:defRPr sz="2000" kern="1200">
-                <a:solidFill>
-                  <a:schemeClr val="tx1"/>
-                </a:solidFill>
-                <a:latin typeface="+mn-lt"/>
-                <a:ea typeface="+mn-ea"/>
-                <a:cs typeface="+mn-cs"/>
-              </a:defRPr>
-            </a:lvl6pPr>
-            <a:lvl7pPr marL="3031412" indent="-233186" algn="l" defTabSz="932742" rtl="0" eaLnBrk="1" latinLnBrk="0" hangingPunct="1">
-              <a:spcBef>
-                <a:spcPct val="20000"/>
-              </a:spcBef>
-              <a:buFont typeface="Arial" pitchFamily="34" charset="0"/>
-              <a:buChar char="•"/>
-              <a:defRPr sz="2000" kern="1200">
-                <a:solidFill>
-                  <a:schemeClr val="tx1"/>
-                </a:solidFill>
-                <a:latin typeface="+mn-lt"/>
-                <a:ea typeface="+mn-ea"/>
-                <a:cs typeface="+mn-cs"/>
-              </a:defRPr>
-            </a:lvl7pPr>
-            <a:lvl8pPr marL="3497783" indent="-233186" algn="l" defTabSz="932742" rtl="0" eaLnBrk="1" latinLnBrk="0" hangingPunct="1">
-              <a:spcBef>
-                <a:spcPct val="20000"/>
-              </a:spcBef>
-              <a:buFont typeface="Arial" pitchFamily="34" charset="0"/>
-              <a:buChar char="•"/>
-              <a:defRPr sz="2000" kern="1200">
-                <a:solidFill>
-                  <a:schemeClr val="tx1"/>
-                </a:solidFill>
-                <a:latin typeface="+mn-lt"/>
-                <a:ea typeface="+mn-ea"/>
-                <a:cs typeface="+mn-cs"/>
-              </a:defRPr>
-            </a:lvl8pPr>
-            <a:lvl9pPr marL="3964155" indent="-233186" algn="l" defTabSz="932742" rtl="0" eaLnBrk="1" latinLnBrk="0" hangingPunct="1">
-              <a:spcBef>
-                <a:spcPct val="20000"/>
-              </a:spcBef>
-              <a:buFont typeface="Arial" pitchFamily="34" charset="0"/>
-              <a:buChar char="•"/>
-              <a:defRPr sz="2000" kern="1200">
-                <a:solidFill>
-                  <a:schemeClr val="tx1"/>
-                </a:solidFill>
-                <a:latin typeface="+mn-lt"/>
-                <a:ea typeface="+mn-ea"/>
-                <a:cs typeface="+mn-cs"/>
-              </a:defRPr>
-            </a:lvl9pPr>
-          </a:lstStyle>
-          <a:p>
-            <a:pPr marL="0" marR="0" lvl="0" indent="0" algn="l" defTabSz="932742" rtl="0" eaLnBrk="1" fontAlgn="auto" latinLnBrk="0" hangingPunct="1">
-              <a:lnSpc>
-                <a:spcPct val="90000"/>
-              </a:lnSpc>
-              <a:spcBef>
-                <a:spcPct val="20000"/>
-              </a:spcBef>
-              <a:spcAft>
-                <a:spcPts val="0"/>
-              </a:spcAft>
-              <a:buClr>
-                <a:srgbClr val="404040"/>
-              </a:buClr>
-              <a:buSzPct val="90000"/>
-              <a:buFont typeface="Arial" panose="020B0604020202020204" pitchFamily="34" charset="0"/>
-              <a:buNone/>
-              <a:tabLst/>
-              <a:defRPr/>
-            </a:pPr>
-            <a:r>
-              <a:rPr kumimoji="0" lang="en-US" sz="2800" i="0" u="none" strike="noStrike" kern="1200" cap="none" spc="0" normalizeH="0" baseline="0" noProof="0" dirty="0">
-                <a:ln>
-                  <a:noFill/>
-                </a:ln>
-                <a:gradFill>
-                  <a:gsLst>
-                    <a:gs pos="2655">
-                      <a:srgbClr val="FFFFFF"/>
-                    </a:gs>
-                    <a:gs pos="26000">
-                      <a:srgbClr val="FFFFFF"/>
-                    </a:gs>
-                  </a:gsLst>
-                  <a:lin ang="5400000" scaled="0"/>
-                </a:gradFill>
-                <a:effectLst/>
-                <a:uLnTx/>
-                <a:uFillTx/>
-                <a:latin typeface="+mn-lt"/>
-                <a:ea typeface="+mn-ea"/>
-                <a:cs typeface="+mn-cs"/>
-                <a:hlinkClick r:id="rId9"/>
-              </a:rPr>
-              <a:t>www.superstock.com/</a:t>
-            </a:r>
-            <a:endParaRPr kumimoji="0" lang="en-US" sz="2800" i="0" u="none" strike="noStrike" kern="1200" cap="none" spc="0" normalizeH="0" baseline="0" noProof="0" dirty="0">
-              <a:ln>
-                <a:noFill/>
-              </a:ln>
-              <a:gradFill>
-                <a:gsLst>
-                  <a:gs pos="2655">
-                    <a:srgbClr val="FFFFFF"/>
-                  </a:gs>
-                  <a:gs pos="26000">
-                    <a:srgbClr val="FFFFFF"/>
-                  </a:gs>
-                </a:gsLst>
-                <a:lin ang="5400000" scaled="0"/>
-              </a:gradFill>
-              <a:effectLst/>
-              <a:uLnTx/>
-              <a:uFillTx/>
-              <a:latin typeface="+mn-lt"/>
-              <a:ea typeface="+mn-ea"/>
-              <a:cs typeface="+mn-cs"/>
-            </a:endParaRPr>
-          </a:p>
-          <a:p>
-            <a:pPr marL="0" marR="0" lvl="0" indent="0" algn="l" defTabSz="932742" rtl="0" eaLnBrk="1" fontAlgn="auto" latinLnBrk="0" hangingPunct="1">
-              <a:lnSpc>
-                <a:spcPct val="90000"/>
-              </a:lnSpc>
-              <a:spcBef>
-                <a:spcPct val="20000"/>
-              </a:spcBef>
-              <a:spcAft>
-                <a:spcPts val="0"/>
-              </a:spcAft>
-              <a:buClr>
-                <a:srgbClr val="404040"/>
-              </a:buClr>
-              <a:buSzPct val="90000"/>
-              <a:buFont typeface="Arial" panose="020B0604020202020204" pitchFamily="34" charset="0"/>
-              <a:buNone/>
-              <a:tabLst/>
-              <a:defRPr/>
-            </a:pPr>
-            <a:r>
-              <a:rPr kumimoji="0" lang="en-US" sz="2800" i="0" u="none" strike="noStrike" kern="1200" cap="none" spc="0" normalizeH="0" baseline="0" noProof="0" dirty="0">
-                <a:ln>
-                  <a:noFill/>
-                </a:ln>
-                <a:gradFill>
-                  <a:gsLst>
-                    <a:gs pos="2655">
-                      <a:srgbClr val="FFFFFF"/>
-                    </a:gs>
-                    <a:gs pos="26000">
-                      <a:srgbClr val="FFFFFF"/>
-                    </a:gs>
-                  </a:gsLst>
-                  <a:lin ang="5400000" scaled="0"/>
-                </a:gradFill>
-                <a:effectLst/>
-                <a:uLnTx/>
-                <a:uFillTx/>
-                <a:latin typeface="+mn-lt"/>
-                <a:ea typeface="+mn-ea"/>
-                <a:cs typeface="+mn-cs"/>
-                <a:hlinkClick r:id="rId10"/>
-              </a:rPr>
-              <a:t>www.gettyimages.com/creativeimages/royaltyfree</a:t>
-            </a:r>
-            <a:endParaRPr kumimoji="0" lang="en-US" sz="2800" i="0" u="none" strike="noStrike" kern="1200" cap="none" spc="0" normalizeH="0" baseline="0" noProof="0" dirty="0">
-              <a:ln>
-                <a:noFill/>
-              </a:ln>
-              <a:gradFill>
-                <a:gsLst>
-                  <a:gs pos="2655">
-                    <a:srgbClr val="FFFFFF"/>
-                  </a:gs>
-                  <a:gs pos="26000">
-                    <a:srgbClr val="FFFFFF"/>
-                  </a:gs>
-                </a:gsLst>
-                <a:lin ang="5400000" scaled="0"/>
-              </a:gradFill>
-              <a:effectLst/>
-              <a:uLnTx/>
-              <a:uFillTx/>
-              <a:latin typeface="+mn-lt"/>
-              <a:ea typeface="+mn-ea"/>
-              <a:cs typeface="+mn-cs"/>
-            </a:endParaRPr>
-          </a:p>
-          <a:p>
-            <a:pPr marL="0" marR="0" lvl="0" indent="0" algn="l" defTabSz="932742" rtl="0" eaLnBrk="1" fontAlgn="auto" latinLnBrk="0" hangingPunct="1">
-              <a:lnSpc>
-                <a:spcPct val="90000"/>
-              </a:lnSpc>
-              <a:spcBef>
-                <a:spcPct val="20000"/>
-              </a:spcBef>
-              <a:spcAft>
-                <a:spcPts val="0"/>
-              </a:spcAft>
-              <a:buClr>
-                <a:srgbClr val="404040"/>
-              </a:buClr>
-              <a:buSzPct val="90000"/>
-              <a:buFont typeface="Arial" panose="020B0604020202020204" pitchFamily="34" charset="0"/>
-              <a:buNone/>
-              <a:tabLst/>
-              <a:defRPr/>
-            </a:pPr>
-            <a:r>
-              <a:rPr kumimoji="0" lang="en-US" sz="2800" i="0" u="none" strike="noStrike" kern="1200" cap="none" spc="0" normalizeH="0" baseline="0" noProof="0" dirty="0">
-                <a:ln>
-                  <a:noFill/>
-                </a:ln>
-                <a:gradFill>
-                  <a:gsLst>
-                    <a:gs pos="2655">
-                      <a:srgbClr val="FFFFFF"/>
-                    </a:gs>
-                    <a:gs pos="26000">
-                      <a:srgbClr val="FFFFFF"/>
-                    </a:gs>
-                  </a:gsLst>
-                  <a:lin ang="5400000" scaled="0"/>
-                </a:gradFill>
-                <a:effectLst/>
-                <a:uLnTx/>
-                <a:uFillTx/>
-                <a:latin typeface="+mn-lt"/>
-                <a:ea typeface="+mn-ea"/>
-                <a:cs typeface="+mn-cs"/>
-                <a:hlinkClick r:id="rId11"/>
-              </a:rPr>
-              <a:t>www.corbisimages.com/stock-photo/royalty-free</a:t>
-            </a:r>
-            <a:endParaRPr kumimoji="0" lang="en-US" sz="2800" i="0" u="none" strike="noStrike" kern="1200" cap="none" spc="0" normalizeH="0" baseline="0" noProof="0" dirty="0">
-              <a:ln>
-                <a:noFill/>
-              </a:ln>
-              <a:gradFill>
-                <a:gsLst>
-                  <a:gs pos="2655">
-                    <a:srgbClr val="FFFFFF"/>
-                  </a:gs>
-                  <a:gs pos="26000">
-                    <a:srgbClr val="FFFFFF"/>
-                  </a:gs>
-                </a:gsLst>
-                <a:lin ang="5400000" scaled="0"/>
-              </a:gradFill>
-              <a:effectLst/>
-              <a:uLnTx/>
-              <a:uFillTx/>
-              <a:latin typeface="+mn-lt"/>
-              <a:ea typeface="+mn-ea"/>
-              <a:cs typeface="+mn-cs"/>
-            </a:endParaRPr>
-          </a:p>
-        </p:txBody>
-      </p:sp>
-      <p:sp>
-        <p:nvSpPr>
-          <p:cNvPr id="10" name="TextBox 9"/>
-          <p:cNvSpPr txBox="1"/>
-          <p:nvPr/>
-        </p:nvSpPr>
-        <p:spPr>
-          <a:xfrm>
-            <a:off x="6035894" y="4858183"/>
-            <a:ext cx="6217853" cy="572464"/>
-          </a:xfrm>
-          <a:prstGeom prst="rect">
-            <a:avLst/>
-          </a:prstGeom>
-          <a:noFill/>
-        </p:spPr>
-        <p:txBody>
-          <a:bodyPr wrap="square" lIns="182880" tIns="146304" rIns="182880" bIns="146304" rtlCol="0">
-            <a:spAutoFit/>
-          </a:bodyPr>
-          <a:lstStyle/>
-          <a:p>
-            <a:pPr marL="0" marR="0" lvl="0" indent="0" defTabSz="914400" eaLnBrk="1" fontAlgn="auto" latinLnBrk="0" hangingPunct="1">
-              <a:lnSpc>
-                <a:spcPct val="90000"/>
-              </a:lnSpc>
-              <a:spcBef>
-                <a:spcPts val="0"/>
-              </a:spcBef>
-              <a:spcAft>
-                <a:spcPts val="600"/>
-              </a:spcAft>
-              <a:buClrTx/>
-              <a:buSzTx/>
-              <a:buFontTx/>
-              <a:buNone/>
-              <a:tabLst/>
-              <a:defRPr/>
-            </a:pPr>
-            <a:r>
-              <a:rPr kumimoji="0" lang="en-US" sz="2000" b="0" i="0" u="none" strike="noStrike" kern="0" cap="none" spc="0" normalizeH="0" baseline="0" noProof="0" dirty="0">
-                <a:ln>
-                  <a:noFill/>
-                </a:ln>
-                <a:gradFill>
-                  <a:gsLst>
-                    <a:gs pos="65584">
-                      <a:schemeClr val="tx1"/>
-                    </a:gs>
-                    <a:gs pos="40000">
-                      <a:schemeClr val="tx1"/>
-                    </a:gs>
-                  </a:gsLst>
-                  <a:lin ang="5400000" scaled="0"/>
-                </a:gradFill>
-                <a:effectLst/>
-                <a:uLnTx/>
-                <a:uFillTx/>
-                <a:cs typeface="Segoe UI" panose="020B0502040204020203" pitchFamily="34" charset="0"/>
-              </a:rPr>
-              <a:t>There are agreements in place with these providers.</a:t>
-            </a:r>
-          </a:p>
-        </p:txBody>
-      </p:sp>
-      <p:sp>
-        <p:nvSpPr>
-          <p:cNvPr id="6" name="TextBox 5"/>
-          <p:cNvSpPr txBox="1"/>
-          <p:nvPr/>
-        </p:nvSpPr>
-        <p:spPr>
-          <a:xfrm>
-            <a:off x="274639" y="5641681"/>
-            <a:ext cx="11889564" cy="1071062"/>
-          </a:xfrm>
-          <a:prstGeom prst="rect">
-            <a:avLst/>
-          </a:prstGeom>
-          <a:noFill/>
-        </p:spPr>
-        <p:txBody>
-          <a:bodyPr wrap="square" lIns="182880" tIns="146304" rIns="182880" bIns="146304" rtlCol="0">
-            <a:spAutoFit/>
-          </a:bodyPr>
-          <a:lstStyle/>
-          <a:p>
-            <a:pPr marL="0" marR="0" lvl="0" indent="0" defTabSz="914400" eaLnBrk="1" fontAlgn="auto" latinLnBrk="0" hangingPunct="1">
-              <a:lnSpc>
-                <a:spcPct val="90000"/>
-              </a:lnSpc>
-              <a:spcBef>
-                <a:spcPts val="0"/>
-              </a:spcBef>
-              <a:spcAft>
-                <a:spcPts val="600"/>
-              </a:spcAft>
-              <a:buClrTx/>
-              <a:buSzTx/>
-              <a:buFontTx/>
-              <a:buNone/>
-              <a:tabLst/>
-              <a:defRPr/>
-            </a:pPr>
-            <a:r>
-              <a:rPr kumimoji="0" lang="en-US" sz="2800" b="0" i="0" u="none" strike="noStrike" kern="0" cap="none" spc="0" normalizeH="0" baseline="0" noProof="0" dirty="0">
-                <a:ln>
-                  <a:noFill/>
-                </a:ln>
-                <a:gradFill>
-                  <a:gsLst>
-                    <a:gs pos="28319">
-                      <a:schemeClr val="tx1"/>
-                    </a:gs>
-                    <a:gs pos="71000">
-                      <a:schemeClr val="tx1"/>
-                    </a:gs>
-                  </a:gsLst>
-                  <a:lin ang="5400000" scaled="0"/>
-                </a:gradFill>
-                <a:effectLst/>
-                <a:uLnTx/>
-                <a:uFillTx/>
-                <a:cs typeface="Segoe UI" panose="020B0502040204020203" pitchFamily="34" charset="0"/>
-              </a:rPr>
-              <a:t>For information on the use of third-party copyrighted content</a:t>
-            </a:r>
-            <a:br>
-              <a:rPr kumimoji="0" lang="en-US" sz="2800" b="0" i="0" u="none" strike="noStrike" kern="0" cap="none" spc="0" normalizeH="0" baseline="0" noProof="0" dirty="0">
-                <a:ln>
-                  <a:noFill/>
-                </a:ln>
-                <a:gradFill>
-                  <a:gsLst>
-                    <a:gs pos="28319">
-                      <a:schemeClr val="tx1"/>
-                    </a:gs>
-                    <a:gs pos="71000">
-                      <a:schemeClr val="tx1"/>
-                    </a:gs>
-                  </a:gsLst>
-                  <a:lin ang="5400000" scaled="0"/>
-                </a:gradFill>
-                <a:effectLst/>
-                <a:uLnTx/>
-                <a:uFillTx/>
-                <a:cs typeface="Segoe UI" panose="020B0502040204020203" pitchFamily="34" charset="0"/>
-              </a:rPr>
-            </a:br>
-            <a:r>
-              <a:rPr kumimoji="0" lang="en-US" sz="2800" b="0" i="0" u="none" strike="noStrike" kern="0" cap="none" spc="0" normalizeH="0" baseline="0" noProof="0" dirty="0">
-                <a:ln>
-                  <a:noFill/>
-                </a:ln>
-                <a:gradFill>
-                  <a:gsLst>
-                    <a:gs pos="28319">
-                      <a:schemeClr val="tx1"/>
-                    </a:gs>
-                    <a:gs pos="71000">
-                      <a:schemeClr val="tx1"/>
-                    </a:gs>
-                  </a:gsLst>
-                  <a:lin ang="5400000" scaled="0"/>
-                </a:gradFill>
-                <a:effectLst/>
-                <a:uLnTx/>
-                <a:uFillTx/>
-                <a:cs typeface="Segoe UI" panose="020B0502040204020203" pitchFamily="34" charset="0"/>
-              </a:rPr>
-              <a:t>please contact visit this </a:t>
-            </a:r>
-            <a:r>
-              <a:rPr kumimoji="0" lang="en-US" sz="2800" b="0" i="0" u="none" strike="noStrike" kern="0" cap="none" spc="0" normalizeH="0" baseline="0" noProof="0" dirty="0">
-                <a:ln>
-                  <a:noFill/>
-                </a:ln>
-                <a:gradFill>
-                  <a:gsLst>
-                    <a:gs pos="28319">
-                      <a:schemeClr val="tx1"/>
-                    </a:gs>
-                    <a:gs pos="71000">
-                      <a:schemeClr val="tx1"/>
-                    </a:gs>
-                  </a:gsLst>
-                  <a:lin ang="5400000" scaled="0"/>
-                </a:gradFill>
-                <a:effectLst/>
-                <a:uLnTx/>
-                <a:uFillTx/>
-                <a:cs typeface="Segoe UI" panose="020B0502040204020203" pitchFamily="34" charset="0"/>
-                <a:hlinkClick r:id="rId12"/>
-              </a:rPr>
-              <a:t>site</a:t>
-            </a:r>
-            <a:r>
-              <a:rPr kumimoji="0" lang="en-US" sz="2800" b="0" i="0" u="none" strike="noStrike" kern="0" cap="none" spc="0" normalizeH="0" baseline="0" noProof="0" dirty="0">
-                <a:ln>
-                  <a:noFill/>
-                </a:ln>
-                <a:gradFill>
-                  <a:gsLst>
-                    <a:gs pos="28319">
-                      <a:schemeClr val="tx1"/>
-                    </a:gs>
-                    <a:gs pos="71000">
-                      <a:schemeClr val="tx1"/>
-                    </a:gs>
-                  </a:gsLst>
-                  <a:lin ang="5400000" scaled="0"/>
-                </a:gradFill>
-                <a:effectLst/>
-                <a:uLnTx/>
-                <a:uFillTx/>
-                <a:cs typeface="Segoe UI" panose="020B0502040204020203" pitchFamily="34" charset="0"/>
-              </a:rPr>
-              <a:t>.</a:t>
-            </a:r>
-            <a:endParaRPr kumimoji="0" lang="en-US" sz="2800" b="0" i="0" u="none" strike="noStrike" kern="0" cap="none" spc="0" normalizeH="0" baseline="0" noProof="0" dirty="0">
-              <a:ln>
-                <a:noFill/>
-              </a:ln>
-              <a:gradFill>
-                <a:gsLst>
-                  <a:gs pos="28319">
-                    <a:schemeClr val="tx1"/>
-                  </a:gs>
-                  <a:gs pos="71000">
-                    <a:schemeClr val="tx1"/>
-                  </a:gs>
-                </a:gsLst>
-                <a:lin ang="5400000" scaled="0"/>
-              </a:gradFill>
-              <a:effectLst/>
-              <a:uLnTx/>
-              <a:uFillTx/>
-              <a:latin typeface="Segoe UI Light"/>
-            </a:endParaRPr>
-          </a:p>
-        </p:txBody>
-      </p:sp>
-    </p:spTree>
-    <p:extLst>
-      <p:ext uri="{BB962C8B-B14F-4D97-AF65-F5344CB8AC3E}">
-        <p14:creationId xmlns:p14="http://schemas.microsoft.com/office/powerpoint/2010/main" val="3323481979"/>
-      </p:ext>
-    </p:extLst>
-  </p:cSld>
-  <p:clrMapOvr>
-    <a:masterClrMapping/>
-  </p:clrMapOvr>
-  <mc:AlternateContent xmlns:mc="http://schemas.openxmlformats.org/markup-compatibility/2006" xmlns:p14="http://schemas.microsoft.com/office/powerpoint/2010/main">
-    <mc:Choice Requires="p14">
-      <p:transition spd="med" p14:dur="700">
-        <p:fade/>
-      </p:transition>
-    </mc:Choice>
-    <mc:Fallback xmlns="">
-      <p:transition spd="med">
-        <p:fade/>
-      </p:transition>
-    </mc:Fallback>
-  </mc:AlternateContent>
-</p:sld>
-</file>
-
-<file path=ppt/slides/slide6.xml><?xml version="1.0" encoding="utf-8"?>
+<file path=ppt/slides/slide15.xml><?xml version="1.0" encoding="utf-8"?>
 <p:sld xmlns:a="http://schemas.openxmlformats.org/drawingml/2006/main" xmlns:r="http://schemas.openxmlformats.org/officeDocument/2006/relationships" xmlns:p="http://schemas.openxmlformats.org/presentationml/2006/main">
   <p:cSld>
     <p:spTree>
@@ -11285,7 +10565,7 @@
           <p:cNvPr id="15" name="Picture 14" descr="Image of QR Code" title="QR Code">
             <a:extLst>
               <a:ext uri="{FF2B5EF4-FFF2-40B4-BE49-F238E27FC236}">
-                <a16:creationId xmlns:a16="http://schemas.microsoft.com/office/drawing/2014/main" id="{EFC1EB45-2EB7-48CE-B3A7-5E46347BB019}"/>
+                <a16:creationId xmlns:a16="http://schemas.microsoft.com/office/drawing/2014/main" xmlns="" id="{EFC1EB45-2EB7-48CE-B3A7-5E46347BB019}"/>
               </a:ext>
             </a:extLst>
           </p:cNvPr>
@@ -11453,7 +10733,7 @@
           <p:cNvPr id="8" name="Title 7">
             <a:extLst>
               <a:ext uri="{FF2B5EF4-FFF2-40B4-BE49-F238E27FC236}">
-                <a16:creationId xmlns:a16="http://schemas.microsoft.com/office/drawing/2014/main" id="{70C823DF-EC34-41F2-A2D0-BBC3CA4A3E9A}"/>
+                <a16:creationId xmlns:a16="http://schemas.microsoft.com/office/drawing/2014/main" xmlns="" id="{70C823DF-EC34-41F2-A2D0-BBC3CA4A3E9A}"/>
               </a:ext>
             </a:extLst>
           </p:cNvPr>
@@ -11493,7 +10773,7 @@
           <p:cNvPr id="5" name="Text Placeholder 4">
             <a:extLst>
               <a:ext uri="{FF2B5EF4-FFF2-40B4-BE49-F238E27FC236}">
-                <a16:creationId xmlns:a16="http://schemas.microsoft.com/office/drawing/2014/main" id="{D2E5DC89-AD72-4374-B620-726EF1494D6A}"/>
+                <a16:creationId xmlns:a16="http://schemas.microsoft.com/office/drawing/2014/main" xmlns="" id="{D2E5DC89-AD72-4374-B620-726EF1494D6A}"/>
               </a:ext>
             </a:extLst>
           </p:cNvPr>
@@ -11551,6 +10831,1607 @@
     <p:extLst>
       <p:ext uri="{BB962C8B-B14F-4D97-AF65-F5344CB8AC3E}">
         <p14:creationId xmlns:p14="http://schemas.microsoft.com/office/powerpoint/2010/main" val="1087859616"/>
+      </p:ext>
+    </p:extLst>
+  </p:cSld>
+  <p:clrMapOvr>
+    <a:masterClrMapping/>
+  </p:clrMapOvr>
+  <mc:AlternateContent xmlns:mc="http://schemas.openxmlformats.org/markup-compatibility/2006" xmlns:p14="http://schemas.microsoft.com/office/powerpoint/2010/main">
+    <mc:Choice Requires="p14">
+      <p:transition spd="med" p14:dur="700">
+        <p:fade/>
+      </p:transition>
+    </mc:Choice>
+    <mc:Fallback xmlns="">
+      <p:transition spd="med">
+        <p:fade/>
+      </p:transition>
+    </mc:Fallback>
+  </mc:AlternateContent>
+</p:sld>
+</file>
+
+<file path=ppt/slides/slide16.xml><?xml version="1.0" encoding="utf-8"?>
+<p:sld xmlns:a="http://schemas.openxmlformats.org/drawingml/2006/main" xmlns:r="http://schemas.openxmlformats.org/officeDocument/2006/relationships" xmlns:p="http://schemas.openxmlformats.org/presentationml/2006/main">
+  <p:cSld>
+    <p:spTree>
+      <p:nvGrpSpPr>
+        <p:cNvPr id="1" name=""/>
+        <p:cNvGrpSpPr/>
+        <p:nvPr/>
+      </p:nvGrpSpPr>
+      <p:grpSpPr>
+        <a:xfrm>
+          <a:off x="0" y="0"/>
+          <a:ext cx="0" cy="0"/>
+          <a:chOff x="0" y="0"/>
+          <a:chExt cx="0" cy="0"/>
+        </a:xfrm>
+      </p:grpSpPr>
+    </p:spTree>
+    <p:extLst>
+      <p:ext uri="{BB962C8B-B14F-4D97-AF65-F5344CB8AC3E}">
+        <p14:creationId xmlns:p14="http://schemas.microsoft.com/office/powerpoint/2010/main" val="3250383161"/>
+      </p:ext>
+    </p:extLst>
+  </p:cSld>
+  <p:clrMapOvr>
+    <a:masterClrMapping/>
+  </p:clrMapOvr>
+  <mc:AlternateContent xmlns:mc="http://schemas.openxmlformats.org/markup-compatibility/2006" xmlns:p14="http://schemas.microsoft.com/office/powerpoint/2010/main">
+    <mc:Choice Requires="p14">
+      <p:transition spd="med" p14:dur="700">
+        <p:fade/>
+      </p:transition>
+    </mc:Choice>
+    <mc:Fallback xmlns="">
+      <p:transition spd="med">
+        <p:fade/>
+      </p:transition>
+    </mc:Fallback>
+  </mc:AlternateContent>
+</p:sld>
+</file>
+
+<file path=ppt/slides/slide17.xml><?xml version="1.0" encoding="utf-8"?>
+<p:sld xmlns:a="http://schemas.openxmlformats.org/drawingml/2006/main" xmlns:r="http://schemas.openxmlformats.org/officeDocument/2006/relationships" xmlns:p="http://schemas.openxmlformats.org/presentationml/2006/main">
+  <p:cSld>
+    <p:spTree>
+      <p:nvGrpSpPr>
+        <p:cNvPr id="1" name=""/>
+        <p:cNvGrpSpPr/>
+        <p:nvPr/>
+      </p:nvGrpSpPr>
+      <p:grpSpPr>
+        <a:xfrm>
+          <a:off x="0" y="0"/>
+          <a:ext cx="0" cy="0"/>
+          <a:chOff x="0" y="0"/>
+          <a:chExt cx="0" cy="0"/>
+        </a:xfrm>
+      </p:grpSpPr>
+      <p:sp>
+        <p:nvSpPr>
+          <p:cNvPr id="2" name="Title 1"/>
+          <p:cNvSpPr>
+            <a:spLocks noGrp="1"/>
+          </p:cNvSpPr>
+          <p:nvPr>
+            <p:ph type="title"/>
+          </p:nvPr>
+        </p:nvSpPr>
+        <p:spPr/>
+        <p:txBody>
+          <a:bodyPr/>
+          <a:lstStyle/>
+          <a:p>
+            <a:r>
+              <a:rPr lang="en-US" dirty="0" smtClean="0"/>
+              <a:t>Search</a:t>
+            </a:r>
+            <a:endParaRPr lang="en-US" dirty="0"/>
+          </a:p>
+        </p:txBody>
+      </p:sp>
+      <p:sp>
+        <p:nvSpPr>
+          <p:cNvPr id="3" name="Text Placeholder 2"/>
+          <p:cNvSpPr>
+            <a:spLocks noGrp="1"/>
+          </p:cNvSpPr>
+          <p:nvPr>
+            <p:ph type="body" sz="quarter" idx="10"/>
+          </p:nvPr>
+        </p:nvSpPr>
+        <p:spPr>
+          <a:xfrm>
+            <a:off x="274702" y="1211287"/>
+            <a:ext cx="11888787" cy="2714589"/>
+          </a:xfrm>
+        </p:spPr>
+        <p:txBody>
+          <a:bodyPr/>
+          <a:lstStyle/>
+          <a:p>
+            <a:r>
+              <a:rPr lang="en-US" dirty="0" smtClean="0"/>
+              <a:t>Advanced options</a:t>
+            </a:r>
+          </a:p>
+          <a:p>
+            <a:pPr lvl="1"/>
+            <a:r>
+              <a:rPr lang="en-US" dirty="0" smtClean="0"/>
+              <a:t>Include, exclude files</a:t>
+            </a:r>
+          </a:p>
+          <a:p>
+            <a:pPr lvl="1"/>
+            <a:r>
+              <a:rPr lang="en-US" dirty="0" smtClean="0"/>
+              <a:t>Settings</a:t>
+            </a:r>
+          </a:p>
+          <a:p>
+            <a:pPr lvl="1"/>
+            <a:r>
+              <a:rPr lang="en-US" dirty="0" smtClean="0"/>
+              <a:t>Ignore files</a:t>
+            </a:r>
+          </a:p>
+          <a:p>
+            <a:r>
+              <a:rPr lang="en-US" dirty="0" smtClean="0"/>
+              <a:t>Remove from results</a:t>
+            </a:r>
+            <a:endParaRPr lang="en-US" dirty="0"/>
+          </a:p>
+        </p:txBody>
+      </p:sp>
+      <p:pic>
+        <p:nvPicPr>
+          <p:cNvPr id="4" name="Picture 3"/>
+          <p:cNvPicPr>
+            <a:picLocks noChangeAspect="1"/>
+          </p:cNvPicPr>
+          <p:nvPr/>
+        </p:nvPicPr>
+        <p:blipFill>
+          <a:blip r:embed="rId2"/>
+          <a:stretch>
+            <a:fillRect/>
+          </a:stretch>
+        </p:blipFill>
+        <p:spPr>
+          <a:xfrm>
+            <a:off x="8047037" y="180975"/>
+            <a:ext cx="3078035" cy="6316662"/>
+          </a:xfrm>
+          <a:prstGeom prst="rect">
+            <a:avLst/>
+          </a:prstGeom>
+          <a:ln>
+            <a:noFill/>
+          </a:ln>
+          <a:effectLst>
+            <a:outerShdw blurRad="292100" dist="139700" dir="2700000" algn="tl" rotWithShape="0">
+              <a:srgbClr val="333333">
+                <a:alpha val="65000"/>
+              </a:srgbClr>
+            </a:outerShdw>
+          </a:effectLst>
+        </p:spPr>
+      </p:pic>
+    </p:spTree>
+    <p:extLst>
+      <p:ext uri="{BB962C8B-B14F-4D97-AF65-F5344CB8AC3E}">
+        <p14:creationId xmlns:p14="http://schemas.microsoft.com/office/powerpoint/2010/main" val="2476885699"/>
+      </p:ext>
+    </p:extLst>
+  </p:cSld>
+  <p:clrMapOvr>
+    <a:masterClrMapping/>
+  </p:clrMapOvr>
+  <mc:AlternateContent xmlns:mc="http://schemas.openxmlformats.org/markup-compatibility/2006" xmlns:p14="http://schemas.microsoft.com/office/powerpoint/2010/main">
+    <mc:Choice Requires="p14">
+      <p:transition spd="med" p14:dur="700">
+        <p:fade/>
+      </p:transition>
+    </mc:Choice>
+    <mc:Fallback xmlns="">
+      <p:transition spd="med">
+        <p:fade/>
+      </p:transition>
+    </mc:Fallback>
+  </mc:AlternateContent>
+</p:sld>
+</file>
+
+<file path=ppt/slides/slide2.xml><?xml version="1.0" encoding="utf-8"?>
+<p:sld xmlns:a="http://schemas.openxmlformats.org/drawingml/2006/main" xmlns:r="http://schemas.openxmlformats.org/officeDocument/2006/relationships" xmlns:p="http://schemas.openxmlformats.org/presentationml/2006/main">
+  <p:cSld>
+    <p:spTree>
+      <p:nvGrpSpPr>
+        <p:cNvPr id="1" name=""/>
+        <p:cNvGrpSpPr/>
+        <p:nvPr/>
+      </p:nvGrpSpPr>
+      <p:grpSpPr>
+        <a:xfrm>
+          <a:off x="0" y="0"/>
+          <a:ext cx="0" cy="0"/>
+          <a:chOff x="0" y="0"/>
+          <a:chExt cx="0" cy="0"/>
+        </a:xfrm>
+      </p:grpSpPr>
+      <p:sp>
+        <p:nvSpPr>
+          <p:cNvPr id="2" name="Title 1"/>
+          <p:cNvSpPr>
+            <a:spLocks noGrp="1"/>
+          </p:cNvSpPr>
+          <p:nvPr>
+            <p:ph type="title"/>
+          </p:nvPr>
+        </p:nvSpPr>
+        <p:spPr/>
+        <p:txBody>
+          <a:bodyPr/>
+          <a:lstStyle/>
+          <a:p>
+            <a:r>
+              <a:rPr lang="en-US" dirty="0" smtClean="0"/>
+              <a:t>This talk is about VS </a:t>
+            </a:r>
+            <a:r>
+              <a:rPr lang="en-US" b="1" dirty="0" smtClean="0"/>
+              <a:t>CODE</a:t>
+            </a:r>
+            <a:r>
+              <a:rPr lang="en-US" dirty="0" smtClean="0"/>
+              <a:t>, not</a:t>
+            </a:r>
+            <a:r>
+              <a:rPr lang="en-US" b="1" dirty="0" smtClean="0"/>
+              <a:t> </a:t>
+            </a:r>
+            <a:r>
+              <a:rPr lang="en-US" dirty="0" smtClean="0"/>
+              <a:t>the</a:t>
+            </a:r>
+            <a:r>
+              <a:rPr lang="en-US" b="1" dirty="0" smtClean="0"/>
+              <a:t> VS IDE</a:t>
+            </a:r>
+            <a:r>
+              <a:rPr lang="en-US" dirty="0" smtClean="0"/>
+              <a:t>!!</a:t>
+            </a:r>
+            <a:endParaRPr lang="en-US" dirty="0"/>
+          </a:p>
+        </p:txBody>
+      </p:sp>
+      <p:sp>
+        <p:nvSpPr>
+          <p:cNvPr id="6" name="Text Placeholder 5"/>
+          <p:cNvSpPr>
+            <a:spLocks noGrp="1"/>
+          </p:cNvSpPr>
+          <p:nvPr>
+            <p:ph type="body" sz="quarter" idx="10"/>
+          </p:nvPr>
+        </p:nvSpPr>
+        <p:spPr>
+          <a:xfrm>
+            <a:off x="646112" y="1689011"/>
+            <a:ext cx="5486399" cy="600164"/>
+          </a:xfrm>
+        </p:spPr>
+        <p:txBody>
+          <a:bodyPr/>
+          <a:lstStyle/>
+          <a:p>
+            <a:r>
+              <a:rPr lang="en-US" dirty="0" smtClean="0"/>
+              <a:t>This…</a:t>
+            </a:r>
+            <a:endParaRPr lang="en-US" dirty="0"/>
+          </a:p>
+        </p:txBody>
+      </p:sp>
+      <p:sp>
+        <p:nvSpPr>
+          <p:cNvPr id="7" name="Text Placeholder 6"/>
+          <p:cNvSpPr>
+            <a:spLocks noGrp="1"/>
+          </p:cNvSpPr>
+          <p:nvPr>
+            <p:ph type="body" sz="quarter" idx="11"/>
+          </p:nvPr>
+        </p:nvSpPr>
+        <p:spPr>
+          <a:xfrm>
+            <a:off x="6089650" y="1671547"/>
+            <a:ext cx="5486399" cy="600164"/>
+          </a:xfrm>
+        </p:spPr>
+        <p:txBody>
+          <a:bodyPr/>
+          <a:lstStyle/>
+          <a:p>
+            <a:r>
+              <a:rPr lang="en-US" b="1" dirty="0" smtClean="0"/>
+              <a:t>Not</a:t>
+            </a:r>
+            <a:r>
+              <a:rPr lang="en-US" dirty="0" smtClean="0"/>
+              <a:t> This!</a:t>
+            </a:r>
+            <a:endParaRPr lang="en-US" dirty="0"/>
+          </a:p>
+        </p:txBody>
+      </p:sp>
+      <p:pic>
+        <p:nvPicPr>
+          <p:cNvPr id="4" name="Picture 3"/>
+          <p:cNvPicPr>
+            <a:picLocks noChangeAspect="1"/>
+          </p:cNvPicPr>
+          <p:nvPr/>
+        </p:nvPicPr>
+        <p:blipFill>
+          <a:blip r:embed="rId3"/>
+          <a:stretch>
+            <a:fillRect/>
+          </a:stretch>
+        </p:blipFill>
+        <p:spPr>
+          <a:xfrm>
+            <a:off x="559594" y="2278062"/>
+            <a:ext cx="5659437" cy="3922626"/>
+          </a:xfrm>
+          <a:prstGeom prst="rect">
+            <a:avLst/>
+          </a:prstGeom>
+        </p:spPr>
+      </p:pic>
+      <p:pic>
+        <p:nvPicPr>
+          <p:cNvPr id="5" name="Picture 4">
+            <a:extLst>
+              <a:ext uri="{FF2B5EF4-FFF2-40B4-BE49-F238E27FC236}">
+                <a16:creationId xmlns:a16="http://schemas.microsoft.com/office/drawing/2014/main" xmlns="" id="{EC5F1645-A3D5-4891-A714-174611706FD6}"/>
+              </a:ext>
+            </a:extLst>
+          </p:cNvPr>
+          <p:cNvPicPr>
+            <a:picLocks noChangeAspect="1"/>
+          </p:cNvPicPr>
+          <p:nvPr/>
+        </p:nvPicPr>
+        <p:blipFill>
+          <a:blip r:embed="rId4"/>
+          <a:stretch>
+            <a:fillRect/>
+          </a:stretch>
+        </p:blipFill>
+        <p:spPr>
+          <a:xfrm>
+            <a:off x="6219031" y="2354262"/>
+            <a:ext cx="5227638" cy="3431884"/>
+          </a:xfrm>
+          <a:prstGeom prst="rect">
+            <a:avLst/>
+          </a:prstGeom>
+          <a:ln>
+            <a:noFill/>
+          </a:ln>
+          <a:effectLst>
+            <a:outerShdw blurRad="292100" dist="139700" dir="2700000" algn="tl" rotWithShape="0">
+              <a:srgbClr val="333333">
+                <a:alpha val="65000"/>
+              </a:srgbClr>
+            </a:outerShdw>
+          </a:effectLst>
+        </p:spPr>
+      </p:pic>
+      <p:sp>
+        <p:nvSpPr>
+          <p:cNvPr id="8" name="Multiply 7"/>
+          <p:cNvSpPr/>
+          <p:nvPr/>
+        </p:nvSpPr>
+        <p:spPr bwMode="auto">
+          <a:xfrm>
+            <a:off x="6853236" y="2279472"/>
+            <a:ext cx="4191001" cy="3921216"/>
+          </a:xfrm>
+          <a:prstGeom prst="mathMultiply">
+            <a:avLst/>
+          </a:prstGeom>
+          <a:ln>
+            <a:headEnd type="none" w="med" len="med"/>
+            <a:tailEnd type="none" w="med" len="med"/>
+          </a:ln>
+        </p:spPr>
+        <p:style>
+          <a:lnRef idx="0">
+            <a:schemeClr val="accent1"/>
+          </a:lnRef>
+          <a:fillRef idx="3">
+            <a:schemeClr val="accent1"/>
+          </a:fillRef>
+          <a:effectRef idx="3">
+            <a:schemeClr val="accent1"/>
+          </a:effectRef>
+          <a:fontRef idx="minor">
+            <a:schemeClr val="lt1"/>
+          </a:fontRef>
+        </p:style>
+        <p:txBody>
+          <a:bodyPr rot="0" spcFirstLastPara="0" vertOverflow="overflow" horzOverflow="overflow" vert="horz" wrap="square" lIns="182880" tIns="146304" rIns="182880" bIns="146304" numCol="1" spcCol="0" rtlCol="0" fromWordArt="0" anchor="t" anchorCtr="0" forceAA="0" compatLnSpc="1">
+            <a:prstTxWarp prst="textNoShape">
+              <a:avLst/>
+            </a:prstTxWarp>
+            <a:noAutofit/>
+          </a:bodyPr>
+          <a:lstStyle/>
+          <a:p>
+            <a:pPr algn="ctr" defTabSz="932472" fontAlgn="base">
+              <a:lnSpc>
+                <a:spcPct val="90000"/>
+              </a:lnSpc>
+              <a:spcBef>
+                <a:spcPct val="0"/>
+              </a:spcBef>
+              <a:spcAft>
+                <a:spcPct val="0"/>
+              </a:spcAft>
+            </a:pPr>
+            <a:endParaRPr lang="en-US" sz="2400" dirty="0" err="1" smtClean="0">
+              <a:gradFill>
+                <a:gsLst>
+                  <a:gs pos="0">
+                    <a:srgbClr val="FFFFFF"/>
+                  </a:gs>
+                  <a:gs pos="100000">
+                    <a:srgbClr val="FFFFFF"/>
+                  </a:gs>
+                </a:gsLst>
+                <a:lin ang="5400000" scaled="0"/>
+              </a:gradFill>
+              <a:ea typeface="Segoe UI" pitchFamily="34" charset="0"/>
+              <a:cs typeface="Segoe UI" pitchFamily="34" charset="0"/>
+            </a:endParaRPr>
+          </a:p>
+        </p:txBody>
+      </p:sp>
+      <p:grpSp>
+        <p:nvGrpSpPr>
+          <p:cNvPr id="11" name="Group 10"/>
+          <p:cNvGrpSpPr/>
+          <p:nvPr/>
+        </p:nvGrpSpPr>
+        <p:grpSpPr>
+          <a:xfrm>
+            <a:off x="1479107" y="2908388"/>
+            <a:ext cx="3820411" cy="3021012"/>
+            <a:chOff x="1526318" y="2659062"/>
+            <a:chExt cx="3820411" cy="3021012"/>
+          </a:xfrm>
+        </p:grpSpPr>
+        <p:sp>
+          <p:nvSpPr>
+            <p:cNvPr id="9" name="Diagonal Stripe 8"/>
+            <p:cNvSpPr/>
+            <p:nvPr/>
+          </p:nvSpPr>
+          <p:spPr bwMode="auto">
+            <a:xfrm>
+              <a:off x="3017838" y="2659062"/>
+              <a:ext cx="2328891" cy="3021012"/>
+            </a:xfrm>
+            <a:prstGeom prst="diagStripe">
+              <a:avLst>
+                <a:gd name="adj" fmla="val 56116"/>
+              </a:avLst>
+            </a:prstGeom>
+            <a:solidFill>
+              <a:srgbClr val="00B050"/>
+            </a:solidFill>
+            <a:ln>
+              <a:noFill/>
+              <a:headEnd type="none" w="med" len="med"/>
+              <a:tailEnd type="none" w="med" len="med"/>
+            </a:ln>
+            <a:effectLst/>
+          </p:spPr>
+          <p:style>
+            <a:lnRef idx="1">
+              <a:schemeClr val="accent2"/>
+            </a:lnRef>
+            <a:fillRef idx="3">
+              <a:schemeClr val="accent2"/>
+            </a:fillRef>
+            <a:effectRef idx="2">
+              <a:schemeClr val="accent2"/>
+            </a:effectRef>
+            <a:fontRef idx="minor">
+              <a:schemeClr val="lt1"/>
+            </a:fontRef>
+          </p:style>
+          <p:txBody>
+            <a:bodyPr rot="0" spcFirstLastPara="0" vertOverflow="overflow" horzOverflow="overflow" vert="horz" wrap="square" lIns="182880" tIns="146304" rIns="182880" bIns="146304" numCol="1" spcCol="0" rtlCol="0" fromWordArt="0" anchor="t" anchorCtr="0" forceAA="0" compatLnSpc="1">
+              <a:prstTxWarp prst="textNoShape">
+                <a:avLst/>
+              </a:prstTxWarp>
+              <a:noAutofit/>
+            </a:bodyPr>
+            <a:lstStyle/>
+            <a:p>
+              <a:pPr algn="ctr" defTabSz="932472" fontAlgn="base">
+                <a:lnSpc>
+                  <a:spcPct val="90000"/>
+                </a:lnSpc>
+                <a:spcBef>
+                  <a:spcPct val="0"/>
+                </a:spcBef>
+                <a:spcAft>
+                  <a:spcPct val="0"/>
+                </a:spcAft>
+              </a:pPr>
+              <a:endParaRPr lang="en-US" sz="2400" dirty="0" err="1" smtClean="0">
+                <a:gradFill>
+                  <a:gsLst>
+                    <a:gs pos="0">
+                      <a:srgbClr val="FFFFFF"/>
+                    </a:gs>
+                    <a:gs pos="100000">
+                      <a:srgbClr val="FFFFFF"/>
+                    </a:gs>
+                  </a:gsLst>
+                  <a:lin ang="5400000" scaled="0"/>
+                </a:gradFill>
+                <a:ea typeface="Segoe UI" pitchFamily="34" charset="0"/>
+                <a:cs typeface="Segoe UI" pitchFamily="34" charset="0"/>
+              </a:endParaRPr>
+            </a:p>
+          </p:txBody>
+        </p:sp>
+        <p:sp>
+          <p:nvSpPr>
+            <p:cNvPr id="10" name="Diagonal Stripe 9"/>
+            <p:cNvSpPr/>
+            <p:nvPr/>
+          </p:nvSpPr>
+          <p:spPr bwMode="auto">
+            <a:xfrm rot="5400000">
+              <a:off x="1347936" y="3980446"/>
+              <a:ext cx="1848284" cy="1491519"/>
+            </a:xfrm>
+            <a:prstGeom prst="diagStripe">
+              <a:avLst>
+                <a:gd name="adj" fmla="val 29566"/>
+              </a:avLst>
+            </a:prstGeom>
+            <a:solidFill>
+              <a:srgbClr val="00B050"/>
+            </a:solidFill>
+            <a:ln>
+              <a:noFill/>
+              <a:headEnd type="none" w="med" len="med"/>
+              <a:tailEnd type="none" w="med" len="med"/>
+            </a:ln>
+            <a:effectLst/>
+          </p:spPr>
+          <p:style>
+            <a:lnRef idx="1">
+              <a:schemeClr val="accent2"/>
+            </a:lnRef>
+            <a:fillRef idx="3">
+              <a:schemeClr val="accent2"/>
+            </a:fillRef>
+            <a:effectRef idx="2">
+              <a:schemeClr val="accent2"/>
+            </a:effectRef>
+            <a:fontRef idx="minor">
+              <a:schemeClr val="lt1"/>
+            </a:fontRef>
+          </p:style>
+          <p:txBody>
+            <a:bodyPr rot="0" spcFirstLastPara="0" vertOverflow="overflow" horzOverflow="overflow" vert="horz" wrap="square" lIns="182880" tIns="146304" rIns="182880" bIns="146304" numCol="1" spcCol="0" rtlCol="0" fromWordArt="0" anchor="t" anchorCtr="0" forceAA="0" compatLnSpc="1">
+              <a:prstTxWarp prst="textNoShape">
+                <a:avLst/>
+              </a:prstTxWarp>
+              <a:noAutofit/>
+            </a:bodyPr>
+            <a:lstStyle/>
+            <a:p>
+              <a:pPr algn="ctr" defTabSz="932472" fontAlgn="base">
+                <a:lnSpc>
+                  <a:spcPct val="90000"/>
+                </a:lnSpc>
+                <a:spcBef>
+                  <a:spcPct val="0"/>
+                </a:spcBef>
+                <a:spcAft>
+                  <a:spcPct val="0"/>
+                </a:spcAft>
+              </a:pPr>
+              <a:endParaRPr lang="en-US" sz="2400" dirty="0" err="1" smtClean="0">
+                <a:gradFill>
+                  <a:gsLst>
+                    <a:gs pos="0">
+                      <a:srgbClr val="FFFFFF"/>
+                    </a:gs>
+                    <a:gs pos="100000">
+                      <a:srgbClr val="FFFFFF"/>
+                    </a:gs>
+                  </a:gsLst>
+                  <a:lin ang="5400000" scaled="0"/>
+                </a:gradFill>
+                <a:ea typeface="Segoe UI" pitchFamily="34" charset="0"/>
+                <a:cs typeface="Segoe UI" pitchFamily="34" charset="0"/>
+              </a:endParaRPr>
+            </a:p>
+          </p:txBody>
+        </p:sp>
+      </p:grpSp>
+      <p:sp>
+        <p:nvSpPr>
+          <p:cNvPr id="12" name="TextBox 11"/>
+          <p:cNvSpPr txBox="1"/>
+          <p:nvPr/>
+        </p:nvSpPr>
+        <p:spPr>
+          <a:xfrm>
+            <a:off x="4288823" y="6050852"/>
+            <a:ext cx="4039952" cy="738664"/>
+          </a:xfrm>
+          <a:prstGeom prst="rect">
+            <a:avLst/>
+          </a:prstGeom>
+          <a:noFill/>
+        </p:spPr>
+        <p:txBody>
+          <a:bodyPr wrap="none" lIns="182880" tIns="146304" rIns="182880" bIns="146304" rtlCol="0">
+            <a:spAutoFit/>
+          </a:bodyPr>
+          <a:lstStyle/>
+          <a:p>
+            <a:pPr>
+              <a:lnSpc>
+                <a:spcPct val="90000"/>
+              </a:lnSpc>
+              <a:spcAft>
+                <a:spcPts val="600"/>
+              </a:spcAft>
+            </a:pPr>
+            <a:r>
+              <a:rPr lang="en-US" sz="3200" dirty="0" smtClean="0">
+                <a:gradFill>
+                  <a:gsLst>
+                    <a:gs pos="2917">
+                      <a:schemeClr val="tx1"/>
+                    </a:gs>
+                    <a:gs pos="30000">
+                      <a:schemeClr val="tx1"/>
+                    </a:gs>
+                  </a:gsLst>
+                  <a:lin ang="5400000" scaled="0"/>
+                </a:gradFill>
+              </a:rPr>
+              <a:t>(So… it’s OK to leave)</a:t>
+            </a:r>
+            <a:endParaRPr lang="en-US" sz="3200" dirty="0" smtClean="0">
+              <a:gradFill>
+                <a:gsLst>
+                  <a:gs pos="2917">
+                    <a:schemeClr val="tx1"/>
+                  </a:gs>
+                  <a:gs pos="30000">
+                    <a:schemeClr val="tx1"/>
+                  </a:gs>
+                </a:gsLst>
+                <a:lin ang="5400000" scaled="0"/>
+              </a:gradFill>
+            </a:endParaRPr>
+          </a:p>
+        </p:txBody>
+      </p:sp>
+    </p:spTree>
+    <p:extLst>
+      <p:ext uri="{BB962C8B-B14F-4D97-AF65-F5344CB8AC3E}">
+        <p14:creationId xmlns:p14="http://schemas.microsoft.com/office/powerpoint/2010/main" val="1595403809"/>
+      </p:ext>
+    </p:extLst>
+  </p:cSld>
+  <p:clrMapOvr>
+    <a:masterClrMapping/>
+  </p:clrMapOvr>
+  <mc:AlternateContent xmlns:mc="http://schemas.openxmlformats.org/markup-compatibility/2006" xmlns:p14="http://schemas.microsoft.com/office/powerpoint/2010/main">
+    <mc:Choice Requires="p14">
+      <p:transition spd="med" p14:dur="700">
+        <p:fade/>
+      </p:transition>
+    </mc:Choice>
+    <mc:Fallback xmlns="">
+      <p:transition spd="med">
+        <p:fade/>
+      </p:transition>
+    </mc:Fallback>
+  </mc:AlternateContent>
+  <p:timing>
+    <p:tnLst>
+      <p:par>
+        <p:cTn id="1" dur="indefinite" restart="never" nodeType="tmRoot"/>
+      </p:par>
+    </p:tnLst>
+  </p:timing>
+</p:sld>
+</file>
+
+<file path=ppt/slides/slide3.xml><?xml version="1.0" encoding="utf-8"?>
+<p:sld xmlns:a="http://schemas.openxmlformats.org/drawingml/2006/main" xmlns:r="http://schemas.openxmlformats.org/officeDocument/2006/relationships" xmlns:p="http://schemas.openxmlformats.org/presentationml/2006/main">
+  <p:cSld>
+    <p:spTree>
+      <p:nvGrpSpPr>
+        <p:cNvPr id="1" name=""/>
+        <p:cNvGrpSpPr/>
+        <p:nvPr/>
+      </p:nvGrpSpPr>
+      <p:grpSpPr>
+        <a:xfrm>
+          <a:off x="0" y="0"/>
+          <a:ext cx="0" cy="0"/>
+          <a:chOff x="0" y="0"/>
+          <a:chExt cx="0" cy="0"/>
+        </a:xfrm>
+      </p:grpSpPr>
+      <p:sp>
+        <p:nvSpPr>
+          <p:cNvPr id="2" name="Title 1"/>
+          <p:cNvSpPr>
+            <a:spLocks noGrp="1"/>
+          </p:cNvSpPr>
+          <p:nvPr>
+            <p:ph type="title"/>
+          </p:nvPr>
+        </p:nvSpPr>
+        <p:spPr/>
+        <p:txBody>
+          <a:bodyPr/>
+          <a:lstStyle/>
+          <a:p>
+            <a:r>
+              <a:rPr lang="en-US" smtClean="0"/>
+              <a:t>Tips and Tricks…</a:t>
+            </a:r>
+            <a:endParaRPr lang="en-US" dirty="0"/>
+          </a:p>
+        </p:txBody>
+      </p:sp>
+      <p:sp>
+        <p:nvSpPr>
+          <p:cNvPr id="3" name="Text Placeholder 2"/>
+          <p:cNvSpPr>
+            <a:spLocks noGrp="1"/>
+          </p:cNvSpPr>
+          <p:nvPr>
+            <p:ph type="body" sz="quarter" idx="10"/>
+          </p:nvPr>
+        </p:nvSpPr>
+        <p:spPr>
+          <a:xfrm>
+            <a:off x="274639" y="1668462"/>
+            <a:ext cx="5486399" cy="2877711"/>
+          </a:xfrm>
+        </p:spPr>
+        <p:txBody>
+          <a:bodyPr/>
+          <a:lstStyle/>
+          <a:p>
+            <a:r>
+              <a:rPr lang="en-US" dirty="0" smtClean="0"/>
+              <a:t>Setup</a:t>
+            </a:r>
+          </a:p>
+          <a:p>
+            <a:r>
+              <a:rPr lang="en-US" dirty="0" smtClean="0"/>
+              <a:t>Customization</a:t>
+            </a:r>
+          </a:p>
+          <a:p>
+            <a:r>
+              <a:rPr lang="en-US" dirty="0" smtClean="0"/>
+              <a:t>Keyboard shortcuts</a:t>
+            </a:r>
+          </a:p>
+          <a:p>
+            <a:r>
+              <a:rPr lang="en-US" dirty="0" smtClean="0"/>
+              <a:t>Editing and Code Navigation</a:t>
+            </a:r>
+          </a:p>
+          <a:p>
+            <a:r>
+              <a:rPr lang="en-US" dirty="0" smtClean="0"/>
+              <a:t>Code Style and Correctness</a:t>
+            </a:r>
+            <a:endParaRPr lang="en-US" dirty="0"/>
+          </a:p>
+        </p:txBody>
+      </p:sp>
+      <p:sp>
+        <p:nvSpPr>
+          <p:cNvPr id="4" name="Text Placeholder 3"/>
+          <p:cNvSpPr>
+            <a:spLocks noGrp="1"/>
+          </p:cNvSpPr>
+          <p:nvPr>
+            <p:ph type="body" sz="quarter" idx="11"/>
+          </p:nvPr>
+        </p:nvSpPr>
+        <p:spPr>
+          <a:xfrm>
+            <a:off x="6675439" y="1668462"/>
+            <a:ext cx="5486399" cy="2877711"/>
+          </a:xfrm>
+        </p:spPr>
+        <p:txBody>
+          <a:bodyPr/>
+          <a:lstStyle/>
+          <a:p>
+            <a:r>
+              <a:rPr lang="en-US" dirty="0" smtClean="0"/>
+              <a:t>Debugging</a:t>
+            </a:r>
+          </a:p>
+          <a:p>
+            <a:r>
+              <a:rPr lang="en-US" dirty="0" smtClean="0"/>
+              <a:t>Tasks</a:t>
+            </a:r>
+          </a:p>
+          <a:p>
+            <a:r>
+              <a:rPr lang="en-US" dirty="0" smtClean="0"/>
+              <a:t>Integrated Terminal</a:t>
+            </a:r>
+          </a:p>
+          <a:p>
+            <a:r>
+              <a:rPr lang="en-US" dirty="0" smtClean="0"/>
+              <a:t>Source Code Control</a:t>
+            </a:r>
+          </a:p>
+          <a:p>
+            <a:r>
+              <a:rPr lang="en-US" dirty="0" smtClean="0"/>
+              <a:t>Extensions, Marketplace</a:t>
+            </a:r>
+            <a:endParaRPr lang="en-US" dirty="0"/>
+          </a:p>
+        </p:txBody>
+      </p:sp>
+      <p:sp>
+        <p:nvSpPr>
+          <p:cNvPr id="8" name="TextBox 7"/>
+          <p:cNvSpPr txBox="1"/>
+          <p:nvPr/>
+        </p:nvSpPr>
+        <p:spPr>
+          <a:xfrm>
+            <a:off x="428829" y="5249862"/>
+            <a:ext cx="11581184" cy="738664"/>
+          </a:xfrm>
+          <a:prstGeom prst="rect">
+            <a:avLst/>
+          </a:prstGeom>
+          <a:noFill/>
+        </p:spPr>
+        <p:txBody>
+          <a:bodyPr wrap="none" lIns="182880" tIns="146304" rIns="182880" bIns="146304" rtlCol="0">
+            <a:spAutoFit/>
+          </a:bodyPr>
+          <a:lstStyle/>
+          <a:p>
+            <a:pPr>
+              <a:lnSpc>
+                <a:spcPct val="90000"/>
+              </a:lnSpc>
+              <a:spcAft>
+                <a:spcPts val="600"/>
+              </a:spcAft>
+            </a:pPr>
+            <a:r>
+              <a:rPr lang="en-US" sz="3200" dirty="0" smtClean="0">
+                <a:gradFill>
+                  <a:gsLst>
+                    <a:gs pos="2917">
+                      <a:schemeClr val="tx1"/>
+                    </a:gs>
+                    <a:gs pos="30000">
+                      <a:schemeClr val="tx1"/>
+                    </a:gs>
+                  </a:gsLst>
+                  <a:lin ang="5400000" scaled="0"/>
+                </a:gradFill>
+              </a:rPr>
+              <a:t>More at </a:t>
+            </a:r>
+            <a:r>
+              <a:rPr lang="en-US" sz="3200" dirty="0" smtClean="0">
+                <a:gradFill>
+                  <a:gsLst>
+                    <a:gs pos="2917">
+                      <a:schemeClr val="tx1"/>
+                    </a:gs>
+                    <a:gs pos="30000">
+                      <a:schemeClr val="tx1"/>
+                    </a:gs>
+                  </a:gsLst>
+                  <a:lin ang="5400000" scaled="0"/>
+                </a:gradFill>
+                <a:hlinkClick r:id="rId3"/>
+              </a:rPr>
+              <a:t>https://github.com/Microsoft/vscode-tips-and-tricks.git</a:t>
+            </a:r>
+            <a:endParaRPr lang="en-US" sz="3200" dirty="0" smtClean="0">
+              <a:gradFill>
+                <a:gsLst>
+                  <a:gs pos="2917">
+                    <a:schemeClr val="tx1"/>
+                  </a:gs>
+                  <a:gs pos="30000">
+                    <a:schemeClr val="tx1"/>
+                  </a:gs>
+                </a:gsLst>
+                <a:lin ang="5400000" scaled="0"/>
+              </a:gradFill>
+            </a:endParaRPr>
+          </a:p>
+        </p:txBody>
+      </p:sp>
+    </p:spTree>
+    <p:extLst>
+      <p:ext uri="{BB962C8B-B14F-4D97-AF65-F5344CB8AC3E}">
+        <p14:creationId xmlns:p14="http://schemas.microsoft.com/office/powerpoint/2010/main" val="975335359"/>
+      </p:ext>
+    </p:extLst>
+  </p:cSld>
+  <p:clrMapOvr>
+    <a:masterClrMapping/>
+  </p:clrMapOvr>
+  <mc:AlternateContent xmlns:mc="http://schemas.openxmlformats.org/markup-compatibility/2006" xmlns:p14="http://schemas.microsoft.com/office/powerpoint/2010/main">
+    <mc:Choice Requires="p14">
+      <p:transition spd="med" p14:dur="700">
+        <p:fade/>
+      </p:transition>
+    </mc:Choice>
+    <mc:Fallback xmlns="">
+      <p:transition spd="med">
+        <p:fade/>
+      </p:transition>
+    </mc:Fallback>
+  </mc:AlternateContent>
+  <p:timing>
+    <p:tnLst>
+      <p:par>
+        <p:cTn id="1" dur="indefinite" restart="never" nodeType="tmRoot"/>
+      </p:par>
+    </p:tnLst>
+  </p:timing>
+</p:sld>
+</file>
+
+<file path=ppt/slides/slide4.xml><?xml version="1.0" encoding="utf-8"?>
+<p:sld xmlns:a="http://schemas.openxmlformats.org/drawingml/2006/main" xmlns:r="http://schemas.openxmlformats.org/officeDocument/2006/relationships" xmlns:p="http://schemas.openxmlformats.org/presentationml/2006/main">
+  <p:cSld>
+    <p:spTree>
+      <p:nvGrpSpPr>
+        <p:cNvPr id="1" name=""/>
+        <p:cNvGrpSpPr/>
+        <p:nvPr/>
+      </p:nvGrpSpPr>
+      <p:grpSpPr>
+        <a:xfrm>
+          <a:off x="0" y="0"/>
+          <a:ext cx="0" cy="0"/>
+          <a:chOff x="0" y="0"/>
+          <a:chExt cx="0" cy="0"/>
+        </a:xfrm>
+      </p:grpSpPr>
+      <p:sp>
+        <p:nvSpPr>
+          <p:cNvPr id="5" name="Title 4"/>
+          <p:cNvSpPr>
+            <a:spLocks noGrp="1"/>
+          </p:cNvSpPr>
+          <p:nvPr>
+            <p:ph type="title"/>
+          </p:nvPr>
+        </p:nvSpPr>
+        <p:spPr/>
+        <p:txBody>
+          <a:bodyPr/>
+          <a:lstStyle/>
+          <a:p>
+            <a:r>
+              <a:rPr lang="en-US" dirty="0" smtClean="0"/>
+              <a:t>Setup</a:t>
+            </a:r>
+            <a:endParaRPr lang="en-US" dirty="0"/>
+          </a:p>
+        </p:txBody>
+      </p:sp>
+      <p:pic>
+        <p:nvPicPr>
+          <p:cNvPr id="7" name="Picture 6"/>
+          <p:cNvPicPr>
+            <a:picLocks noChangeAspect="1"/>
+          </p:cNvPicPr>
+          <p:nvPr/>
+        </p:nvPicPr>
+        <p:blipFill>
+          <a:blip r:embed="rId2"/>
+          <a:stretch>
+            <a:fillRect/>
+          </a:stretch>
+        </p:blipFill>
+        <p:spPr>
+          <a:xfrm>
+            <a:off x="6827837" y="120467"/>
+            <a:ext cx="6666384" cy="6394633"/>
+          </a:xfrm>
+          <a:prstGeom prst="rect">
+            <a:avLst/>
+          </a:prstGeom>
+        </p:spPr>
+      </p:pic>
+      <p:sp>
+        <p:nvSpPr>
+          <p:cNvPr id="6" name="Text Placeholder 5"/>
+          <p:cNvSpPr>
+            <a:spLocks noGrp="1"/>
+          </p:cNvSpPr>
+          <p:nvPr>
+            <p:ph type="body" sz="quarter" idx="10"/>
+          </p:nvPr>
+        </p:nvSpPr>
+        <p:spPr>
+          <a:xfrm>
+            <a:off x="274702" y="1211287"/>
+            <a:ext cx="11888787" cy="5152180"/>
+          </a:xfrm>
+        </p:spPr>
+        <p:txBody>
+          <a:bodyPr/>
+          <a:lstStyle/>
+          <a:p>
+            <a:r>
+              <a:rPr lang="en-US" dirty="0" smtClean="0"/>
+              <a:t>Get the </a:t>
+            </a:r>
+            <a:r>
+              <a:rPr lang="en-US" b="1" dirty="0" smtClean="0"/>
+              <a:t>Insiders</a:t>
+            </a:r>
+            <a:r>
+              <a:rPr lang="en-US" dirty="0" smtClean="0"/>
+              <a:t> build</a:t>
+            </a:r>
+          </a:p>
+          <a:p>
+            <a:pPr lvl="1"/>
+            <a:r>
+              <a:rPr lang="en-US" dirty="0" smtClean="0"/>
+              <a:t>Exact same builds we use</a:t>
+            </a:r>
+          </a:p>
+          <a:p>
+            <a:pPr lvl="1"/>
+            <a:r>
+              <a:rPr lang="en-US" dirty="0" smtClean="0"/>
+              <a:t>Releases daily, installs side by side</a:t>
+            </a:r>
+          </a:p>
+          <a:p>
+            <a:pPr lvl="1"/>
+            <a:r>
+              <a:rPr lang="en-US" dirty="0" smtClean="0"/>
+              <a:t>Early access to new features</a:t>
+            </a:r>
+          </a:p>
+          <a:p>
+            <a:r>
+              <a:rPr lang="en-US" dirty="0" smtClean="0"/>
+              <a:t>Update on </a:t>
+            </a:r>
+            <a:r>
+              <a:rPr lang="en-US" b="1" dirty="0" smtClean="0"/>
+              <a:t>your</a:t>
+            </a:r>
+            <a:r>
+              <a:rPr lang="en-US" dirty="0" smtClean="0"/>
+              <a:t> </a:t>
+            </a:r>
+            <a:r>
+              <a:rPr lang="en-US" b="1" dirty="0" smtClean="0"/>
+              <a:t>schedule</a:t>
+            </a:r>
+          </a:p>
+          <a:p>
+            <a:r>
+              <a:rPr lang="en-US" dirty="0" smtClean="0"/>
+              <a:t>Add </a:t>
+            </a:r>
+            <a:r>
+              <a:rPr lang="en-US" b="1" dirty="0" smtClean="0"/>
+              <a:t>shortcut</a:t>
+            </a:r>
+            <a:r>
+              <a:rPr lang="en-US" dirty="0" smtClean="0"/>
+              <a:t> to PATH</a:t>
+            </a:r>
+            <a:endParaRPr lang="en-US" dirty="0"/>
+          </a:p>
+          <a:p>
+            <a:endParaRPr lang="en-US" dirty="0" smtClean="0"/>
+          </a:p>
+          <a:p>
+            <a:endParaRPr lang="en-US" dirty="0"/>
+          </a:p>
+          <a:p>
+            <a:r>
+              <a:rPr lang="en-US" dirty="0" smtClean="0"/>
+              <a:t>Launch in </a:t>
+            </a:r>
+            <a:r>
+              <a:rPr lang="en-US" b="1" dirty="0" smtClean="0"/>
+              <a:t>9+ Languages</a:t>
+            </a:r>
+          </a:p>
+        </p:txBody>
+      </p:sp>
+      <p:pic>
+        <p:nvPicPr>
+          <p:cNvPr id="14" name="Picture 13"/>
+          <p:cNvPicPr>
+            <a:picLocks noChangeAspect="1"/>
+          </p:cNvPicPr>
+          <p:nvPr/>
+        </p:nvPicPr>
+        <p:blipFill rotWithShape="1">
+          <a:blip r:embed="rId3">
+            <a:extLst>
+              <a:ext uri="{28A0092B-C50C-407E-A947-70E740481C1C}">
+                <a14:useLocalDpi xmlns:a14="http://schemas.microsoft.com/office/drawing/2010/main" val="0"/>
+              </a:ext>
+            </a:extLst>
+          </a:blip>
+          <a:srcRect r="26471" b="14310"/>
+          <a:stretch/>
+        </p:blipFill>
+        <p:spPr>
+          <a:xfrm>
+            <a:off x="655638" y="4485205"/>
+            <a:ext cx="5715000" cy="1054536"/>
+          </a:xfrm>
+          <a:prstGeom prst="rect">
+            <a:avLst/>
+          </a:prstGeom>
+        </p:spPr>
+      </p:pic>
+    </p:spTree>
+    <p:extLst>
+      <p:ext uri="{BB962C8B-B14F-4D97-AF65-F5344CB8AC3E}">
+        <p14:creationId xmlns:p14="http://schemas.microsoft.com/office/powerpoint/2010/main" val="2128322641"/>
+      </p:ext>
+    </p:extLst>
+  </p:cSld>
+  <p:clrMapOvr>
+    <a:masterClrMapping/>
+  </p:clrMapOvr>
+  <mc:AlternateContent xmlns:mc="http://schemas.openxmlformats.org/markup-compatibility/2006" xmlns:p14="http://schemas.microsoft.com/office/powerpoint/2010/main">
+    <mc:Choice Requires="p14">
+      <p:transition spd="med" p14:dur="700">
+        <p:fade/>
+      </p:transition>
+    </mc:Choice>
+    <mc:Fallback xmlns="">
+      <p:transition spd="med">
+        <p:fade/>
+      </p:transition>
+    </mc:Fallback>
+  </mc:AlternateContent>
+  <p:timing>
+    <p:tnLst>
+      <p:par>
+        <p:cTn id="1" dur="indefinite" restart="never" nodeType="tmRoot"/>
+      </p:par>
+    </p:tnLst>
+  </p:timing>
+</p:sld>
+</file>
+
+<file path=ppt/slides/slide5.xml><?xml version="1.0" encoding="utf-8"?>
+<p:sld xmlns:a="http://schemas.openxmlformats.org/drawingml/2006/main" xmlns:r="http://schemas.openxmlformats.org/officeDocument/2006/relationships" xmlns:p="http://schemas.openxmlformats.org/presentationml/2006/main">
+  <p:cSld>
+    <p:spTree>
+      <p:nvGrpSpPr>
+        <p:cNvPr id="1" name=""/>
+        <p:cNvGrpSpPr/>
+        <p:nvPr/>
+      </p:nvGrpSpPr>
+      <p:grpSpPr>
+        <a:xfrm>
+          <a:off x="0" y="0"/>
+          <a:ext cx="0" cy="0"/>
+          <a:chOff x="0" y="0"/>
+          <a:chExt cx="0" cy="0"/>
+        </a:xfrm>
+      </p:grpSpPr>
+      <p:sp>
+        <p:nvSpPr>
+          <p:cNvPr id="2" name="Title 1"/>
+          <p:cNvSpPr>
+            <a:spLocks noGrp="1"/>
+          </p:cNvSpPr>
+          <p:nvPr>
+            <p:ph type="title"/>
+          </p:nvPr>
+        </p:nvSpPr>
+        <p:spPr/>
+        <p:txBody>
+          <a:bodyPr/>
+          <a:lstStyle/>
+          <a:p>
+            <a:r>
+              <a:rPr lang="en-US" dirty="0" smtClean="0"/>
+              <a:t>Customization – Make it Yours</a:t>
+            </a:r>
+            <a:endParaRPr lang="en-US" dirty="0"/>
+          </a:p>
+        </p:txBody>
+      </p:sp>
+      <p:sp>
+        <p:nvSpPr>
+          <p:cNvPr id="3" name="Text Placeholder 2"/>
+          <p:cNvSpPr>
+            <a:spLocks noGrp="1"/>
+          </p:cNvSpPr>
+          <p:nvPr>
+            <p:ph type="body" sz="quarter" idx="10"/>
+          </p:nvPr>
+        </p:nvSpPr>
+        <p:spPr>
+          <a:xfrm>
+            <a:off x="274702" y="1211287"/>
+            <a:ext cx="11888787" cy="5355312"/>
+          </a:xfrm>
+        </p:spPr>
+        <p:txBody>
+          <a:bodyPr/>
+          <a:lstStyle/>
+          <a:p>
+            <a:pPr fontAlgn="ctr"/>
+            <a:r>
+              <a:rPr lang="en-US" dirty="0" smtClean="0"/>
+              <a:t>Themes, Icons</a:t>
+            </a:r>
+          </a:p>
+          <a:p>
+            <a:pPr fontAlgn="ctr"/>
+            <a:r>
+              <a:rPr lang="en-US" dirty="0" smtClean="0"/>
+              <a:t>Settings – CMD+,</a:t>
+            </a:r>
+          </a:p>
+          <a:p>
+            <a:pPr lvl="1" fontAlgn="ctr"/>
+            <a:r>
+              <a:rPr lang="en-US" dirty="0" smtClean="0"/>
+              <a:t>IntelliSense, validation</a:t>
+            </a:r>
+            <a:endParaRPr lang="en-US" dirty="0"/>
+          </a:p>
+          <a:p>
+            <a:pPr lvl="1" fontAlgn="ctr"/>
+            <a:r>
+              <a:rPr lang="en-US" dirty="0" smtClean="0"/>
+              <a:t>User, Workspace settings</a:t>
+            </a:r>
+            <a:endParaRPr lang="en-US" sz="3600" dirty="0" smtClean="0"/>
+          </a:p>
+          <a:p>
+            <a:pPr fontAlgn="ctr"/>
+            <a:r>
+              <a:rPr lang="en-US" dirty="0" smtClean="0"/>
+              <a:t>My favorites</a:t>
+            </a:r>
+          </a:p>
+          <a:p>
+            <a:pPr lvl="1" fontAlgn="ctr"/>
+            <a:r>
+              <a:rPr lang="en-US" dirty="0" smtClean="0"/>
+              <a:t>AutoSave</a:t>
+            </a:r>
+          </a:p>
+          <a:p>
+            <a:pPr lvl="1" fontAlgn="ctr"/>
+            <a:r>
+              <a:rPr lang="en-US" dirty="0" smtClean="0"/>
+              <a:t>Font ligatures</a:t>
+            </a:r>
+          </a:p>
+          <a:p>
+            <a:pPr lvl="1" fontAlgn="ctr"/>
+            <a:r>
+              <a:rPr lang="en-US" dirty="0" smtClean="0"/>
+              <a:t>Workbench tips</a:t>
+            </a:r>
+            <a:endParaRPr lang="en-US" dirty="0"/>
+          </a:p>
+          <a:p>
+            <a:pPr lvl="1" fontAlgn="ctr"/>
+            <a:r>
+              <a:rPr lang="en-US" dirty="0" smtClean="0"/>
+              <a:t>Remove </a:t>
+            </a:r>
+            <a:r>
+              <a:rPr lang="en-US" dirty="0"/>
+              <a:t>files/folders from </a:t>
+            </a:r>
+            <a:r>
+              <a:rPr lang="en-US" dirty="0" smtClean="0"/>
+              <a:t>explorer</a:t>
+            </a:r>
+            <a:endParaRPr lang="en-US" dirty="0"/>
+          </a:p>
+          <a:p>
+            <a:pPr lvl="1"/>
+            <a:r>
+              <a:rPr lang="en-US" dirty="0" smtClean="0"/>
+              <a:t>…</a:t>
+            </a:r>
+            <a:endParaRPr lang="en-US" dirty="0"/>
+          </a:p>
+        </p:txBody>
+      </p:sp>
+      <p:pic>
+        <p:nvPicPr>
+          <p:cNvPr id="5" name="Picture 4"/>
+          <p:cNvPicPr>
+            <a:picLocks noChangeAspect="1"/>
+          </p:cNvPicPr>
+          <p:nvPr/>
+        </p:nvPicPr>
+        <p:blipFill>
+          <a:blip r:embed="rId2"/>
+          <a:stretch>
+            <a:fillRect/>
+          </a:stretch>
+        </p:blipFill>
+        <p:spPr>
+          <a:xfrm>
+            <a:off x="6370637" y="1135062"/>
+            <a:ext cx="9283141" cy="6994525"/>
+          </a:xfrm>
+          <a:prstGeom prst="rect">
+            <a:avLst/>
+          </a:prstGeom>
+        </p:spPr>
+      </p:pic>
+    </p:spTree>
+    <p:extLst>
+      <p:ext uri="{BB962C8B-B14F-4D97-AF65-F5344CB8AC3E}">
+        <p14:creationId xmlns:p14="http://schemas.microsoft.com/office/powerpoint/2010/main" val="1095316176"/>
+      </p:ext>
+    </p:extLst>
+  </p:cSld>
+  <p:clrMapOvr>
+    <a:masterClrMapping/>
+  </p:clrMapOvr>
+  <mc:AlternateContent xmlns:mc="http://schemas.openxmlformats.org/markup-compatibility/2006" xmlns:p14="http://schemas.microsoft.com/office/powerpoint/2010/main">
+    <mc:Choice Requires="p14">
+      <p:transition spd="med" p14:dur="700">
+        <p:fade/>
+      </p:transition>
+    </mc:Choice>
+    <mc:Fallback xmlns="">
+      <p:transition spd="med">
+        <p:fade/>
+      </p:transition>
+    </mc:Fallback>
+  </mc:AlternateContent>
+  <p:timing>
+    <p:tnLst>
+      <p:par>
+        <p:cTn id="1" dur="indefinite" restart="never" nodeType="tmRoot"/>
+      </p:par>
+    </p:tnLst>
+  </p:timing>
+</p:sld>
+</file>
+
+<file path=ppt/slides/slide6.xml><?xml version="1.0" encoding="utf-8"?>
+<p:sld xmlns:a="http://schemas.openxmlformats.org/drawingml/2006/main" xmlns:r="http://schemas.openxmlformats.org/officeDocument/2006/relationships" xmlns:p="http://schemas.openxmlformats.org/presentationml/2006/main">
+  <p:cSld>
+    <p:spTree>
+      <p:nvGrpSpPr>
+        <p:cNvPr id="1" name=""/>
+        <p:cNvGrpSpPr/>
+        <p:nvPr/>
+      </p:nvGrpSpPr>
+      <p:grpSpPr>
+        <a:xfrm>
+          <a:off x="0" y="0"/>
+          <a:ext cx="0" cy="0"/>
+          <a:chOff x="0" y="0"/>
+          <a:chExt cx="0" cy="0"/>
+        </a:xfrm>
+      </p:grpSpPr>
+      <p:sp>
+        <p:nvSpPr>
+          <p:cNvPr id="2" name="Title 1"/>
+          <p:cNvSpPr>
+            <a:spLocks noGrp="1"/>
+          </p:cNvSpPr>
+          <p:nvPr>
+            <p:ph type="title"/>
+          </p:nvPr>
+        </p:nvSpPr>
+        <p:spPr/>
+        <p:txBody>
+          <a:bodyPr/>
+          <a:lstStyle/>
+          <a:p>
+            <a:r>
+              <a:rPr lang="en-US" smtClean="0"/>
+              <a:t>Keyboard Shortcuts</a:t>
+            </a:r>
+            <a:endParaRPr lang="en-US" dirty="0"/>
+          </a:p>
+        </p:txBody>
+      </p:sp>
+      <p:sp>
+        <p:nvSpPr>
+          <p:cNvPr id="3" name="Text Placeholder 2"/>
+          <p:cNvSpPr>
+            <a:spLocks noGrp="1"/>
+          </p:cNvSpPr>
+          <p:nvPr>
+            <p:ph type="body" sz="quarter" idx="10"/>
+          </p:nvPr>
+        </p:nvSpPr>
+        <p:spPr>
+          <a:xfrm>
+            <a:off x="274702" y="1211287"/>
+            <a:ext cx="11888787" cy="5152180"/>
+          </a:xfrm>
+        </p:spPr>
+        <p:txBody>
+          <a:bodyPr/>
+          <a:lstStyle/>
+          <a:p>
+            <a:r>
+              <a:rPr lang="en-US" dirty="0" smtClean="0"/>
+              <a:t>Help | Keyboard Shortcut Reference</a:t>
+            </a:r>
+          </a:p>
+          <a:p>
+            <a:r>
+              <a:rPr lang="en-US" dirty="0" err="1" smtClean="0"/>
+              <a:t>Keymap</a:t>
+            </a:r>
+            <a:r>
+              <a:rPr lang="en-US" dirty="0" smtClean="0"/>
+              <a:t> Extensions</a:t>
+            </a:r>
+          </a:p>
+          <a:p>
+            <a:pPr lvl="1"/>
+            <a:r>
+              <a:rPr lang="en-US" dirty="0" smtClean="0"/>
+              <a:t>Sublime, VIM, Atom, …</a:t>
+            </a:r>
+          </a:p>
+          <a:p>
+            <a:r>
+              <a:rPr lang="en-US" dirty="0" smtClean="0"/>
+              <a:t>Customize shortcuts</a:t>
+            </a:r>
+          </a:p>
+          <a:p>
+            <a:pPr lvl="1"/>
+            <a:r>
+              <a:rPr lang="en-US" dirty="0" smtClean="0"/>
+              <a:t>Quick Outline</a:t>
+            </a:r>
+          </a:p>
+          <a:p>
+            <a:pPr lvl="1"/>
+            <a:r>
+              <a:rPr lang="en-US" dirty="0" smtClean="0"/>
+              <a:t>The “when” clause</a:t>
+            </a:r>
+          </a:p>
+          <a:p>
+            <a:pPr lvl="1"/>
+            <a:r>
+              <a:rPr lang="en-US" dirty="0" smtClean="0"/>
+              <a:t>Resolve conflicts</a:t>
+            </a:r>
+          </a:p>
+          <a:p>
+            <a:r>
+              <a:rPr lang="en-US" dirty="0" smtClean="0">
+                <a:hlinkClick r:id="rId2"/>
+              </a:rPr>
+              <a:t>Advanced Customization</a:t>
+            </a:r>
+            <a:endParaRPr lang="en-US" dirty="0" smtClean="0"/>
+          </a:p>
+          <a:p>
+            <a:endParaRPr lang="en-US" dirty="0"/>
+          </a:p>
+        </p:txBody>
+      </p:sp>
+      <p:pic>
+        <p:nvPicPr>
+          <p:cNvPr id="7" name="Picture 6"/>
+          <p:cNvPicPr>
+            <a:picLocks noChangeAspect="1"/>
+          </p:cNvPicPr>
+          <p:nvPr/>
+        </p:nvPicPr>
+        <p:blipFill>
+          <a:blip r:embed="rId3"/>
+          <a:stretch>
+            <a:fillRect/>
+          </a:stretch>
+        </p:blipFill>
+        <p:spPr>
+          <a:xfrm>
+            <a:off x="7626350" y="138112"/>
+            <a:ext cx="6572250" cy="4295775"/>
+          </a:xfrm>
+          <a:prstGeom prst="rect">
+            <a:avLst/>
+          </a:prstGeom>
+        </p:spPr>
+      </p:pic>
+      <p:pic>
+        <p:nvPicPr>
+          <p:cNvPr id="6" name="Picture 5"/>
+          <p:cNvPicPr>
+            <a:picLocks noChangeAspect="1"/>
+          </p:cNvPicPr>
+          <p:nvPr/>
+        </p:nvPicPr>
+        <p:blipFill>
+          <a:blip r:embed="rId4"/>
+          <a:stretch>
+            <a:fillRect/>
+          </a:stretch>
+        </p:blipFill>
+        <p:spPr>
+          <a:xfrm>
+            <a:off x="6065837" y="2866204"/>
+            <a:ext cx="9283141" cy="6994525"/>
+          </a:xfrm>
+          <a:prstGeom prst="rect">
+            <a:avLst/>
+          </a:prstGeom>
+        </p:spPr>
+      </p:pic>
+    </p:spTree>
+    <p:extLst>
+      <p:ext uri="{BB962C8B-B14F-4D97-AF65-F5344CB8AC3E}">
+        <p14:creationId xmlns:p14="http://schemas.microsoft.com/office/powerpoint/2010/main" val="1878143740"/>
       </p:ext>
     </p:extLst>
   </p:cSld>
@@ -11589,10 +12470,577 @@
           <a:chExt cx="0" cy="0"/>
         </a:xfrm>
       </p:grpSpPr>
+      <p:sp>
+        <p:nvSpPr>
+          <p:cNvPr id="2" name="Title 1"/>
+          <p:cNvSpPr>
+            <a:spLocks noGrp="1"/>
+          </p:cNvSpPr>
+          <p:nvPr>
+            <p:ph type="title"/>
+          </p:nvPr>
+        </p:nvSpPr>
+        <p:spPr/>
+        <p:txBody>
+          <a:bodyPr/>
+          <a:lstStyle/>
+          <a:p>
+            <a:r>
+              <a:rPr lang="en-US" dirty="0" smtClean="0"/>
+              <a:t>Navigation and Editing</a:t>
+            </a:r>
+            <a:endParaRPr lang="en-US" dirty="0"/>
+          </a:p>
+        </p:txBody>
+      </p:sp>
+      <p:sp>
+        <p:nvSpPr>
+          <p:cNvPr id="3" name="Text Placeholder 2"/>
+          <p:cNvSpPr>
+            <a:spLocks noGrp="1"/>
+          </p:cNvSpPr>
+          <p:nvPr>
+            <p:ph type="body" sz="quarter" idx="10"/>
+          </p:nvPr>
+        </p:nvSpPr>
+        <p:spPr>
+          <a:xfrm>
+            <a:off x="274702" y="1211287"/>
+            <a:ext cx="11888787" cy="5367623"/>
+          </a:xfrm>
+        </p:spPr>
+        <p:txBody>
+          <a:bodyPr/>
+          <a:lstStyle/>
+          <a:p>
+            <a:r>
+              <a:rPr lang="en-US" sz="3200" dirty="0" smtClean="0"/>
+              <a:t>Remember one thing: </a:t>
+            </a:r>
+            <a:r>
+              <a:rPr lang="en-US" sz="3200" b="1" dirty="0" smtClean="0"/>
+              <a:t>F1</a:t>
+            </a:r>
+          </a:p>
+          <a:p>
+            <a:pPr lvl="1"/>
+            <a:r>
+              <a:rPr lang="en-US" sz="2400" dirty="0" smtClean="0"/>
+              <a:t>Navigate: CMD+P, Right Arrow to open files</a:t>
+            </a:r>
+          </a:p>
+          <a:p>
+            <a:pPr lvl="1"/>
+            <a:r>
+              <a:rPr lang="en-US" sz="2400" dirty="0" smtClean="0"/>
+              <a:t>Switch Project: CMD+R</a:t>
+            </a:r>
+          </a:p>
+          <a:p>
+            <a:pPr lvl="1"/>
+            <a:r>
+              <a:rPr lang="en-US" sz="2400" dirty="0" smtClean="0"/>
+              <a:t>Outline: CMD+SHIFT+O</a:t>
+            </a:r>
+          </a:p>
+          <a:p>
+            <a:r>
+              <a:rPr lang="en-US" sz="3200" dirty="0" smtClean="0"/>
+              <a:t>Help | Interactive Editor Playground</a:t>
+            </a:r>
+          </a:p>
+          <a:p>
+            <a:pPr lvl="1"/>
+            <a:r>
+              <a:rPr lang="en-US" sz="2400" dirty="0" smtClean="0"/>
+              <a:t>Multi Cursor, Line Actions, Snippets, more…</a:t>
+            </a:r>
+          </a:p>
+          <a:p>
+            <a:pPr lvl="1"/>
+            <a:r>
+              <a:rPr lang="en-US" sz="2400" dirty="0" smtClean="0"/>
+              <a:t>Emmet Cheat </a:t>
+            </a:r>
+            <a:r>
+              <a:rPr lang="en-US" sz="2400" dirty="0"/>
+              <a:t>Sheet: </a:t>
+            </a:r>
+            <a:r>
+              <a:rPr lang="en-US" sz="2400" dirty="0">
+                <a:hlinkClick r:id="rId2"/>
+              </a:rPr>
+              <a:t>https://docs.emmet.io/cheat-sheet</a:t>
+            </a:r>
+            <a:r>
+              <a:rPr lang="en-US" sz="2400" dirty="0" smtClean="0">
+                <a:hlinkClick r:id="rId2"/>
+              </a:rPr>
+              <a:t>/</a:t>
+            </a:r>
+            <a:endParaRPr lang="en-US" sz="2400" dirty="0" smtClean="0"/>
+          </a:p>
+          <a:p>
+            <a:r>
+              <a:rPr lang="en-US" sz="3200" dirty="0" smtClean="0"/>
+              <a:t>My Favorites</a:t>
+            </a:r>
+          </a:p>
+          <a:p>
+            <a:pPr lvl="1"/>
+            <a:r>
+              <a:rPr lang="en-US" sz="2400" dirty="0" smtClean="0"/>
+              <a:t>Multi Cursors: CMD+D, CMD+SHIFT+L</a:t>
+            </a:r>
+          </a:p>
+          <a:p>
+            <a:pPr lvl="1"/>
+            <a:r>
+              <a:rPr lang="en-US" sz="2400" dirty="0" err="1" smtClean="0"/>
+              <a:t>GoTo</a:t>
+            </a:r>
+            <a:r>
+              <a:rPr lang="en-US" sz="2400" dirty="0" smtClean="0"/>
+              <a:t> Definition: </a:t>
+            </a:r>
+            <a:r>
+              <a:rPr lang="en-US" sz="2400" dirty="0" err="1" smtClean="0"/>
+              <a:t>CMD+Click</a:t>
+            </a:r>
+            <a:r>
+              <a:rPr lang="en-US" sz="2400" dirty="0" smtClean="0"/>
+              <a:t>, Go Back: </a:t>
+            </a:r>
+            <a:r>
+              <a:rPr lang="en-US" sz="2400" dirty="0" err="1" smtClean="0"/>
+              <a:t>ALT+Left</a:t>
+            </a:r>
+            <a:r>
+              <a:rPr lang="en-US" sz="2400" dirty="0" smtClean="0"/>
+              <a:t> Arrow</a:t>
+            </a:r>
+          </a:p>
+          <a:p>
+            <a:pPr lvl="1"/>
+            <a:r>
+              <a:rPr lang="en-US" sz="2400" dirty="0" smtClean="0"/>
+              <a:t>Peek: ALT+F12</a:t>
+            </a:r>
+          </a:p>
+          <a:p>
+            <a:pPr lvl="1"/>
+            <a:r>
+              <a:rPr lang="en-US" sz="2400" dirty="0" smtClean="0"/>
+              <a:t>Navigate Errors and Warnings: F8</a:t>
+            </a:r>
+          </a:p>
+        </p:txBody>
+      </p:sp>
+      <p:pic>
+        <p:nvPicPr>
+          <p:cNvPr id="4" name="Picture 3"/>
+          <p:cNvPicPr>
+            <a:picLocks noChangeAspect="1"/>
+          </p:cNvPicPr>
+          <p:nvPr/>
+        </p:nvPicPr>
+        <p:blipFill>
+          <a:blip r:embed="rId3"/>
+          <a:stretch>
+            <a:fillRect/>
+          </a:stretch>
+        </p:blipFill>
+        <p:spPr>
+          <a:xfrm>
+            <a:off x="8504238" y="677862"/>
+            <a:ext cx="9283141" cy="6994525"/>
+          </a:xfrm>
+          <a:prstGeom prst="rect">
+            <a:avLst/>
+          </a:prstGeom>
+        </p:spPr>
+      </p:pic>
     </p:spTree>
     <p:extLst>
       <p:ext uri="{BB962C8B-B14F-4D97-AF65-F5344CB8AC3E}">
-        <p14:creationId xmlns:p14="http://schemas.microsoft.com/office/powerpoint/2010/main" val="3250383161"/>
+        <p14:creationId xmlns:p14="http://schemas.microsoft.com/office/powerpoint/2010/main" val="3705811264"/>
+      </p:ext>
+    </p:extLst>
+  </p:cSld>
+  <p:clrMapOvr>
+    <a:masterClrMapping/>
+  </p:clrMapOvr>
+  <mc:AlternateContent xmlns:mc="http://schemas.openxmlformats.org/markup-compatibility/2006" xmlns:p14="http://schemas.microsoft.com/office/powerpoint/2010/main">
+    <mc:Choice Requires="p14">
+      <p:transition spd="med" p14:dur="700">
+        <p:fade/>
+      </p:transition>
+    </mc:Choice>
+    <mc:Fallback xmlns="">
+      <p:transition spd="med">
+        <p:fade/>
+      </p:transition>
+    </mc:Fallback>
+  </mc:AlternateContent>
+</p:sld>
+</file>
+
+<file path=ppt/slides/slide8.xml><?xml version="1.0" encoding="utf-8"?>
+<p:sld xmlns:a="http://schemas.openxmlformats.org/drawingml/2006/main" xmlns:r="http://schemas.openxmlformats.org/officeDocument/2006/relationships" xmlns:p="http://schemas.openxmlformats.org/presentationml/2006/main">
+  <p:cSld>
+    <p:spTree>
+      <p:nvGrpSpPr>
+        <p:cNvPr id="1" name=""/>
+        <p:cNvGrpSpPr/>
+        <p:nvPr/>
+      </p:nvGrpSpPr>
+      <p:grpSpPr>
+        <a:xfrm>
+          <a:off x="0" y="0"/>
+          <a:ext cx="0" cy="0"/>
+          <a:chOff x="0" y="0"/>
+          <a:chExt cx="0" cy="0"/>
+        </a:xfrm>
+      </p:grpSpPr>
+      <p:pic>
+        <p:nvPicPr>
+          <p:cNvPr id="4" name="Picture 3"/>
+          <p:cNvPicPr>
+            <a:picLocks noChangeAspect="1"/>
+          </p:cNvPicPr>
+          <p:nvPr/>
+        </p:nvPicPr>
+        <p:blipFill>
+          <a:blip r:embed="rId2"/>
+          <a:stretch>
+            <a:fillRect/>
+          </a:stretch>
+        </p:blipFill>
+        <p:spPr>
+          <a:xfrm>
+            <a:off x="8210551" y="1193800"/>
+            <a:ext cx="4225924" cy="4610099"/>
+          </a:xfrm>
+          <a:prstGeom prst="rect">
+            <a:avLst/>
+          </a:prstGeom>
+        </p:spPr>
+      </p:pic>
+      <p:sp>
+        <p:nvSpPr>
+          <p:cNvPr id="2" name="Title 1"/>
+          <p:cNvSpPr>
+            <a:spLocks noGrp="1"/>
+          </p:cNvSpPr>
+          <p:nvPr>
+            <p:ph type="title"/>
+          </p:nvPr>
+        </p:nvSpPr>
+        <p:spPr/>
+        <p:txBody>
+          <a:bodyPr/>
+          <a:lstStyle/>
+          <a:p>
+            <a:r>
+              <a:rPr lang="en-US" dirty="0" smtClean="0"/>
+              <a:t>Code Style and Correctness</a:t>
+            </a:r>
+            <a:endParaRPr lang="en-US" dirty="0"/>
+          </a:p>
+        </p:txBody>
+      </p:sp>
+      <p:sp>
+        <p:nvSpPr>
+          <p:cNvPr id="3" name="Text Placeholder 2"/>
+          <p:cNvSpPr>
+            <a:spLocks noGrp="1"/>
+          </p:cNvSpPr>
+          <p:nvPr>
+            <p:ph type="body" sz="quarter" idx="10"/>
+          </p:nvPr>
+        </p:nvSpPr>
+        <p:spPr>
+          <a:xfrm>
+            <a:off x="274702" y="1211287"/>
+            <a:ext cx="11888787" cy="5379934"/>
+          </a:xfrm>
+        </p:spPr>
+        <p:txBody>
+          <a:bodyPr/>
+          <a:lstStyle/>
+          <a:p>
+            <a:r>
+              <a:rPr lang="en-US" dirty="0" smtClean="0"/>
+              <a:t>If you do JavaScript, remember </a:t>
+            </a:r>
+            <a:br>
+              <a:rPr lang="en-US" dirty="0" smtClean="0"/>
+            </a:br>
+            <a:r>
+              <a:rPr lang="en-US" dirty="0" smtClean="0"/>
+              <a:t>a second thing: </a:t>
+            </a:r>
+            <a:r>
+              <a:rPr lang="en-US" b="1" dirty="0" smtClean="0"/>
+              <a:t>TypeScript</a:t>
+            </a:r>
+            <a:r>
+              <a:rPr lang="en-US" dirty="0" smtClean="0"/>
+              <a:t>!</a:t>
+            </a:r>
+          </a:p>
+          <a:p>
+            <a:pPr lvl="1"/>
+            <a:r>
+              <a:rPr lang="en-US" dirty="0" smtClean="0"/>
+              <a:t>JavaScript type checking: @</a:t>
+            </a:r>
+            <a:r>
+              <a:rPr lang="en-US" dirty="0" err="1" smtClean="0"/>
+              <a:t>ts</a:t>
+            </a:r>
+            <a:r>
+              <a:rPr lang="en-US" dirty="0" smtClean="0"/>
+              <a:t>-check, </a:t>
+            </a:r>
+            <a:r>
+              <a:rPr lang="en-US" dirty="0" err="1" smtClean="0"/>
+              <a:t>jsconfig.json</a:t>
+            </a:r>
+            <a:endParaRPr lang="en-US" dirty="0" smtClean="0"/>
+          </a:p>
+          <a:p>
+            <a:endParaRPr lang="en-US" dirty="0" smtClean="0"/>
+          </a:p>
+          <a:p>
+            <a:r>
+              <a:rPr lang="en-US" dirty="0" smtClean="0">
+                <a:hlinkClick r:id="rId3"/>
+              </a:rPr>
+              <a:t>Linters</a:t>
+            </a:r>
+            <a:r>
+              <a:rPr lang="en-US" dirty="0" smtClean="0"/>
+              <a:t> enforce style</a:t>
+            </a:r>
+          </a:p>
+          <a:p>
+            <a:pPr lvl="1"/>
+            <a:r>
+              <a:rPr lang="en-US" dirty="0" err="1" smtClean="0"/>
+              <a:t>ESLint</a:t>
+            </a:r>
+            <a:r>
+              <a:rPr lang="en-US" dirty="0" smtClean="0"/>
+              <a:t> plus 190 more …</a:t>
+            </a:r>
+          </a:p>
+          <a:p>
+            <a:pPr lvl="1"/>
+            <a:r>
+              <a:rPr lang="en-US" dirty="0" smtClean="0"/>
+              <a:t>Lightbulbs</a:t>
+            </a:r>
+          </a:p>
+          <a:p>
+            <a:pPr lvl="1"/>
+            <a:endParaRPr lang="en-US" dirty="0" smtClean="0"/>
+          </a:p>
+          <a:p>
+            <a:r>
+              <a:rPr lang="en-US" dirty="0" smtClean="0">
+                <a:hlinkClick r:id="rId4"/>
+              </a:rPr>
+              <a:t>Formatters</a:t>
+            </a:r>
+            <a:r>
+              <a:rPr lang="en-US" dirty="0" smtClean="0"/>
+              <a:t> make it readable</a:t>
+            </a:r>
+          </a:p>
+          <a:p>
+            <a:pPr lvl="1"/>
+            <a:r>
+              <a:rPr lang="en-US" dirty="0" smtClean="0"/>
+              <a:t>XML is my favorite, 121 more in Marketplace</a:t>
+            </a:r>
+          </a:p>
+        </p:txBody>
+      </p:sp>
+    </p:spTree>
+    <p:extLst>
+      <p:ext uri="{BB962C8B-B14F-4D97-AF65-F5344CB8AC3E}">
+        <p14:creationId xmlns:p14="http://schemas.microsoft.com/office/powerpoint/2010/main" val="510163288"/>
+      </p:ext>
+    </p:extLst>
+  </p:cSld>
+  <p:clrMapOvr>
+    <a:masterClrMapping/>
+  </p:clrMapOvr>
+  <mc:AlternateContent xmlns:mc="http://schemas.openxmlformats.org/markup-compatibility/2006" xmlns:p14="http://schemas.microsoft.com/office/powerpoint/2010/main">
+    <mc:Choice Requires="p14">
+      <p:transition spd="med" p14:dur="700">
+        <p:fade/>
+      </p:transition>
+    </mc:Choice>
+    <mc:Fallback xmlns="">
+      <p:transition spd="med">
+        <p:fade/>
+      </p:transition>
+    </mc:Fallback>
+  </mc:AlternateContent>
+</p:sld>
+</file>
+
+<file path=ppt/slides/slide9.xml><?xml version="1.0" encoding="utf-8"?>
+<p:sld xmlns:a="http://schemas.openxmlformats.org/drawingml/2006/main" xmlns:r="http://schemas.openxmlformats.org/officeDocument/2006/relationships" xmlns:p="http://schemas.openxmlformats.org/presentationml/2006/main">
+  <p:cSld>
+    <p:spTree>
+      <p:nvGrpSpPr>
+        <p:cNvPr id="1" name=""/>
+        <p:cNvGrpSpPr/>
+        <p:nvPr/>
+      </p:nvGrpSpPr>
+      <p:grpSpPr>
+        <a:xfrm>
+          <a:off x="0" y="0"/>
+          <a:ext cx="0" cy="0"/>
+          <a:chOff x="0" y="0"/>
+          <a:chExt cx="0" cy="0"/>
+        </a:xfrm>
+      </p:grpSpPr>
+      <p:sp>
+        <p:nvSpPr>
+          <p:cNvPr id="2" name="Title 1"/>
+          <p:cNvSpPr>
+            <a:spLocks noGrp="1"/>
+          </p:cNvSpPr>
+          <p:nvPr>
+            <p:ph type="title"/>
+          </p:nvPr>
+        </p:nvSpPr>
+        <p:spPr/>
+        <p:txBody>
+          <a:bodyPr/>
+          <a:lstStyle/>
+          <a:p>
+            <a:r>
+              <a:rPr lang="en-US" dirty="0" smtClean="0"/>
+              <a:t>Debugging</a:t>
+            </a:r>
+            <a:endParaRPr lang="en-US" dirty="0"/>
+          </a:p>
+        </p:txBody>
+      </p:sp>
+      <p:sp>
+        <p:nvSpPr>
+          <p:cNvPr id="3" name="Text Placeholder 2"/>
+          <p:cNvSpPr>
+            <a:spLocks noGrp="1"/>
+          </p:cNvSpPr>
+          <p:nvPr>
+            <p:ph type="body" sz="quarter" idx="10"/>
+          </p:nvPr>
+        </p:nvSpPr>
+        <p:spPr>
+          <a:xfrm>
+            <a:off x="274702" y="1211287"/>
+            <a:ext cx="11888787" cy="4353499"/>
+          </a:xfrm>
+        </p:spPr>
+        <p:txBody>
+          <a:bodyPr/>
+          <a:lstStyle/>
+          <a:p>
+            <a:pPr fontAlgn="ctr"/>
+            <a:r>
+              <a:rPr lang="en-US" dirty="0"/>
+              <a:t>Single file debugging</a:t>
+            </a:r>
+          </a:p>
+          <a:p>
+            <a:pPr fontAlgn="ctr"/>
+            <a:r>
+              <a:rPr lang="en-US" dirty="0" smtClean="0"/>
+              <a:t>Client, Server Debugging</a:t>
+            </a:r>
+            <a:endParaRPr lang="en-US" dirty="0"/>
+          </a:p>
+          <a:p>
+            <a:pPr fontAlgn="ctr"/>
+            <a:r>
+              <a:rPr lang="en-US" dirty="0" err="1" smtClean="0"/>
+              <a:t>launch.json</a:t>
+            </a:r>
+            <a:endParaRPr lang="en-US" dirty="0"/>
+          </a:p>
+          <a:p>
+            <a:pPr fontAlgn="ctr"/>
+            <a:r>
+              <a:rPr lang="en-US" dirty="0" smtClean="0"/>
+              <a:t>Debug Console, REPL</a:t>
+            </a:r>
+            <a:endParaRPr lang="en-US" dirty="0"/>
+          </a:p>
+          <a:p>
+            <a:pPr fontAlgn="ctr"/>
+            <a:r>
+              <a:rPr lang="en-US" dirty="0"/>
+              <a:t>Inline debug </a:t>
+            </a:r>
+            <a:r>
+              <a:rPr lang="en-US" dirty="0" smtClean="0"/>
+              <a:t>values</a:t>
+            </a:r>
+            <a:endParaRPr lang="en-US" dirty="0"/>
+          </a:p>
+          <a:p>
+            <a:pPr fontAlgn="ctr"/>
+            <a:r>
+              <a:rPr lang="en-US" dirty="0"/>
+              <a:t>Docker debugging</a:t>
+            </a:r>
+          </a:p>
+          <a:p>
+            <a:pPr fontAlgn="ctr"/>
+            <a:r>
+              <a:rPr lang="en-US" dirty="0">
+                <a:hlinkClick r:id="rId2"/>
+              </a:rPr>
+              <a:t>Recipes</a:t>
+            </a:r>
+            <a:endParaRPr lang="en-US" dirty="0"/>
+          </a:p>
+        </p:txBody>
+      </p:sp>
+      <p:pic>
+        <p:nvPicPr>
+          <p:cNvPr id="4" name="Picture 3"/>
+          <p:cNvPicPr>
+            <a:picLocks noChangeAspect="1"/>
+          </p:cNvPicPr>
+          <p:nvPr/>
+        </p:nvPicPr>
+        <p:blipFill>
+          <a:blip r:embed="rId3"/>
+          <a:stretch>
+            <a:fillRect/>
+          </a:stretch>
+        </p:blipFill>
+        <p:spPr>
+          <a:xfrm>
+            <a:off x="6219095" y="258761"/>
+            <a:ext cx="9283141" cy="6994525"/>
+          </a:xfrm>
+          <a:prstGeom prst="rect">
+            <a:avLst/>
+          </a:prstGeom>
+        </p:spPr>
+      </p:pic>
+    </p:spTree>
+    <p:extLst>
+      <p:ext uri="{BB962C8B-B14F-4D97-AF65-F5344CB8AC3E}">
+        <p14:creationId xmlns:p14="http://schemas.microsoft.com/office/powerpoint/2010/main" val="10415077"/>
       </p:ext>
     </p:extLst>
   </p:cSld>
@@ -12785,12 +14233,87 @@
 </file>
 
 <file path=customXml/item1.xml><?xml version="1.0" encoding="utf-8"?>
-<?mso-contentType ?>
-<FormTemplates xmlns="http://schemas.microsoft.com/sharepoint/v3/contenttype/forms">
-  <Display>DocumentLibraryForm</Display>
-  <Edit>DocumentLibraryForm</Edit>
-  <New>DocumentLibraryForm</New>
-</FormTemplates>
+<p:properties xmlns:p="http://schemas.microsoft.com/office/2006/metadata/properties" xmlns:xsi="http://www.w3.org/2001/XMLSchema-instance" xmlns:pc="http://schemas.microsoft.com/office/infopath/2007/PartnerControls">
+  <documentManagement>
+    <Session_x0020_Code xmlns="04e01bb1-6d80-42e9-ae53-416b1e8aa845" xsi:nil="true"/>
+    <LikesCount xmlns="http://schemas.microsoft.com/sharepoint/v3" xsi:nil="true"/>
+    <_x0062_bc8 xmlns="e889e55c-35cf-43c7-aaf4-cf2500919dd8">
+      <UserInfo>
+        <DisplayName/>
+        <AccountId xsi:nil="true"/>
+        <AccountType/>
+      </UserInfo>
+    </_x0062_bc8>
+    <External_x0020_Speaker xmlns="04e01bb1-6d80-42e9-ae53-416b1e8aa845" xsi:nil="true"/>
+    <fb4e50409e3b4517bb965b3c7125e153 xmlns="04e01bb1-6d80-42e9-ae53-416b1e8aa845">
+      <Terms xmlns="http://schemas.microsoft.com/office/infopath/2007/PartnerControls"/>
+    </fb4e50409e3b4517bb965b3c7125e153>
+    <MS_x0020_Content_x0020_Owner xmlns="04e01bb1-6d80-42e9-ae53-416b1e8aa845">
+      <UserInfo>
+        <DisplayName/>
+        <AccountId xsi:nil="true"/>
+        <AccountType/>
+      </UserInfo>
+    </MS_x0020_Content_x0020_Owner>
+    <l61c8586195b4657a1f710a539f9bc3a xmlns="04e01bb1-6d80-42e9-ae53-416b1e8aa845">
+      <Terms xmlns="http://schemas.microsoft.com/office/infopath/2007/PartnerControls">
+        <TermInfo xmlns="http://schemas.microsoft.com/office/infopath/2007/PartnerControls">
+          <TermName xmlns="http://schemas.microsoft.com/office/infopath/2007/PartnerControls">Orange County Convention Center</TermName>
+          <TermId xmlns="http://schemas.microsoft.com/office/infopath/2007/PartnerControls">bd993e89-aa48-4695-84e0-3b53e88b1a79</TermId>
+        </TermInfo>
+      </Terms>
+    </l61c8586195b4657a1f710a539f9bc3a>
+    <a645af38eebb4a1ea4744f163c56ea26 xmlns="04e01bb1-6d80-42e9-ae53-416b1e8aa845">
+      <Terms xmlns="http://schemas.microsoft.com/office/infopath/2007/PartnerControls"/>
+    </a645af38eebb4a1ea4744f163c56ea26>
+    <g60601ae6c3e4c409eb6a70077dda16d xmlns="04e01bb1-6d80-42e9-ae53-416b1e8aa845">
+      <Terms xmlns="http://schemas.microsoft.com/office/infopath/2007/PartnerControls">
+        <TermInfo xmlns="http://schemas.microsoft.com/office/infopath/2007/PartnerControls">
+          <TermName xmlns="http://schemas.microsoft.com/office/infopath/2007/PartnerControls">Orlando</TermName>
+          <TermId xmlns="http://schemas.microsoft.com/office/infopath/2007/PartnerControls">8cc4ed56-1866-4501-a22c-89aafde6f59b</TermId>
+        </TermInfo>
+      </Terms>
+    </g60601ae6c3e4c409eb6a70077dda16d>
+    <e6bd9c8ce3ed4fe68161c78952f36fbc xmlns="04e01bb1-6d80-42e9-ae53-416b1e8aa845">
+      <Terms xmlns="http://schemas.microsoft.com/office/infopath/2007/PartnerControls"/>
+    </e6bd9c8ce3ed4fe68161c78952f36fbc>
+    <MS_x0020_Speaker xmlns="04e01bb1-6d80-42e9-ae53-416b1e8aa845">
+      <UserInfo>
+        <DisplayName/>
+        <AccountId xsi:nil="true"/>
+        <AccountType/>
+      </UserInfo>
+    </MS_x0020_Speaker>
+    <Presentation_x0020_Date xmlns="04e01bb1-6d80-42e9-ae53-416b1e8aa845" xsi:nil="true"/>
+    <Event_x0020_Start_x0020_Date xmlns="04e01bb1-6d80-42e9-ae53-416b1e8aa845">2017-09-25T00:00:00+00:00</Event_x0020_Start_x0020_Date>
+    <TaxKeywordTaxHTField xmlns="230e9df3-be65-4c73-a93b-d1236ebd677e">
+      <Terms xmlns="http://schemas.microsoft.com/office/infopath/2007/PartnerControls">
+        <TermInfo xmlns="http://schemas.microsoft.com/office/infopath/2007/PartnerControls">
+          <TermName xmlns="http://schemas.microsoft.com/office/infopath/2007/PartnerControls">Microsoft Ignite 2017</TermName>
+          <TermId xmlns="http://schemas.microsoft.com/office/infopath/2007/PartnerControls">21d30605-03f6-4b08-a63a-5a553eb19f84</TermId>
+        </TermInfo>
+      </Terms>
+    </TaxKeywordTaxHTField>
+    <e349cd3f156b4e7d8653c9cd4f2d8fb4 xmlns="04e01bb1-6d80-42e9-ae53-416b1e8aa845">
+      <Terms xmlns="http://schemas.microsoft.com/office/infopath/2007/PartnerControls">
+        <TermInfo xmlns="http://schemas.microsoft.com/office/infopath/2007/PartnerControls">
+          <TermName xmlns="http://schemas.microsoft.com/office/infopath/2007/PartnerControls">Microsoft Ignite</TermName>
+          <TermId xmlns="http://schemas.microsoft.com/office/infopath/2007/PartnerControls">9323c522-fe4b-4922-816b-10a1920d7afb</TermId>
+        </TermInfo>
+      </Terms>
+    </e349cd3f156b4e7d8653c9cd4f2d8fb4>
+    <TaxCatchAll xmlns="230e9df3-be65-4c73-a93b-d1236ebd677e">
+      <Value>55</Value>
+      <Value>54</Value>
+      <Value>53</Value>
+      <Value>16</Value>
+    </TaxCatchAll>
+    <Event_x0020_End_x0020_Date xmlns="04e01bb1-6d80-42e9-ae53-416b1e8aa845">2017-09-29T00:00:00+00:00</Event_x0020_End_x0020_Date>
+    <c2f1b796fca04ddbb48af271e99c8750 xmlns="04e01bb1-6d80-42e9-ae53-416b1e8aa845">
+      <Terms xmlns="http://schemas.microsoft.com/office/infopath/2007/PartnerControls"/>
+    </c2f1b796fca04ddbb48af271e99c8750>
+  </documentManagement>
+</p:properties>
 </file>
 
 <file path=customXml/item2.xml><?xml version="1.0" encoding="utf-8"?>
@@ -13181,93 +14704,29 @@
 </file>
 
 <file path=customXml/item3.xml><?xml version="1.0" encoding="utf-8"?>
-<p:properties xmlns:p="http://schemas.microsoft.com/office/2006/metadata/properties" xmlns:xsi="http://www.w3.org/2001/XMLSchema-instance" xmlns:pc="http://schemas.microsoft.com/office/infopath/2007/PartnerControls">
-  <documentManagement>
-    <Session_x0020_Code xmlns="04e01bb1-6d80-42e9-ae53-416b1e8aa845" xsi:nil="true"/>
-    <LikesCount xmlns="http://schemas.microsoft.com/sharepoint/v3" xsi:nil="true"/>
-    <_x0062_bc8 xmlns="e889e55c-35cf-43c7-aaf4-cf2500919dd8">
-      <UserInfo>
-        <DisplayName/>
-        <AccountId xsi:nil="true"/>
-        <AccountType/>
-      </UserInfo>
-    </_x0062_bc8>
-    <External_x0020_Speaker xmlns="04e01bb1-6d80-42e9-ae53-416b1e8aa845" xsi:nil="true"/>
-    <fb4e50409e3b4517bb965b3c7125e153 xmlns="04e01bb1-6d80-42e9-ae53-416b1e8aa845">
-      <Terms xmlns="http://schemas.microsoft.com/office/infopath/2007/PartnerControls"/>
-    </fb4e50409e3b4517bb965b3c7125e153>
-    <MS_x0020_Content_x0020_Owner xmlns="04e01bb1-6d80-42e9-ae53-416b1e8aa845">
-      <UserInfo>
-        <DisplayName/>
-        <AccountId xsi:nil="true"/>
-        <AccountType/>
-      </UserInfo>
-    </MS_x0020_Content_x0020_Owner>
-    <l61c8586195b4657a1f710a539f9bc3a xmlns="04e01bb1-6d80-42e9-ae53-416b1e8aa845">
-      <Terms xmlns="http://schemas.microsoft.com/office/infopath/2007/PartnerControls">
-        <TermInfo xmlns="http://schemas.microsoft.com/office/infopath/2007/PartnerControls">
-          <TermName xmlns="http://schemas.microsoft.com/office/infopath/2007/PartnerControls">Orange County Convention Center</TermName>
-          <TermId xmlns="http://schemas.microsoft.com/office/infopath/2007/PartnerControls">bd993e89-aa48-4695-84e0-3b53e88b1a79</TermId>
-        </TermInfo>
-      </Terms>
-    </l61c8586195b4657a1f710a539f9bc3a>
-    <a645af38eebb4a1ea4744f163c56ea26 xmlns="04e01bb1-6d80-42e9-ae53-416b1e8aa845">
-      <Terms xmlns="http://schemas.microsoft.com/office/infopath/2007/PartnerControls"/>
-    </a645af38eebb4a1ea4744f163c56ea26>
-    <g60601ae6c3e4c409eb6a70077dda16d xmlns="04e01bb1-6d80-42e9-ae53-416b1e8aa845">
-      <Terms xmlns="http://schemas.microsoft.com/office/infopath/2007/PartnerControls">
-        <TermInfo xmlns="http://schemas.microsoft.com/office/infopath/2007/PartnerControls">
-          <TermName xmlns="http://schemas.microsoft.com/office/infopath/2007/PartnerControls">Orlando</TermName>
-          <TermId xmlns="http://schemas.microsoft.com/office/infopath/2007/PartnerControls">8cc4ed56-1866-4501-a22c-89aafde6f59b</TermId>
-        </TermInfo>
-      </Terms>
-    </g60601ae6c3e4c409eb6a70077dda16d>
-    <e6bd9c8ce3ed4fe68161c78952f36fbc xmlns="04e01bb1-6d80-42e9-ae53-416b1e8aa845">
-      <Terms xmlns="http://schemas.microsoft.com/office/infopath/2007/PartnerControls"/>
-    </e6bd9c8ce3ed4fe68161c78952f36fbc>
-    <MS_x0020_Speaker xmlns="04e01bb1-6d80-42e9-ae53-416b1e8aa845">
-      <UserInfo>
-        <DisplayName/>
-        <AccountId xsi:nil="true"/>
-        <AccountType/>
-      </UserInfo>
-    </MS_x0020_Speaker>
-    <Presentation_x0020_Date xmlns="04e01bb1-6d80-42e9-ae53-416b1e8aa845" xsi:nil="true"/>
-    <Event_x0020_Start_x0020_Date xmlns="04e01bb1-6d80-42e9-ae53-416b1e8aa845">2017-09-25T00:00:00+00:00</Event_x0020_Start_x0020_Date>
-    <TaxKeywordTaxHTField xmlns="230e9df3-be65-4c73-a93b-d1236ebd677e">
-      <Terms xmlns="http://schemas.microsoft.com/office/infopath/2007/PartnerControls">
-        <TermInfo xmlns="http://schemas.microsoft.com/office/infopath/2007/PartnerControls">
-          <TermName xmlns="http://schemas.microsoft.com/office/infopath/2007/PartnerControls">Microsoft Ignite 2017</TermName>
-          <TermId xmlns="http://schemas.microsoft.com/office/infopath/2007/PartnerControls">21d30605-03f6-4b08-a63a-5a553eb19f84</TermId>
-        </TermInfo>
-      </Terms>
-    </TaxKeywordTaxHTField>
-    <e349cd3f156b4e7d8653c9cd4f2d8fb4 xmlns="04e01bb1-6d80-42e9-ae53-416b1e8aa845">
-      <Terms xmlns="http://schemas.microsoft.com/office/infopath/2007/PartnerControls">
-        <TermInfo xmlns="http://schemas.microsoft.com/office/infopath/2007/PartnerControls">
-          <TermName xmlns="http://schemas.microsoft.com/office/infopath/2007/PartnerControls">Microsoft Ignite</TermName>
-          <TermId xmlns="http://schemas.microsoft.com/office/infopath/2007/PartnerControls">9323c522-fe4b-4922-816b-10a1920d7afb</TermId>
-        </TermInfo>
-      </Terms>
-    </e349cd3f156b4e7d8653c9cd4f2d8fb4>
-    <TaxCatchAll xmlns="230e9df3-be65-4c73-a93b-d1236ebd677e">
-      <Value>55</Value>
-      <Value>54</Value>
-      <Value>53</Value>
-      <Value>16</Value>
-    </TaxCatchAll>
-    <Event_x0020_End_x0020_Date xmlns="04e01bb1-6d80-42e9-ae53-416b1e8aa845">2017-09-29T00:00:00+00:00</Event_x0020_End_x0020_Date>
-    <c2f1b796fca04ddbb48af271e99c8750 xmlns="04e01bb1-6d80-42e9-ae53-416b1e8aa845">
-      <Terms xmlns="http://schemas.microsoft.com/office/infopath/2007/PartnerControls"/>
-    </c2f1b796fca04ddbb48af271e99c8750>
-  </documentManagement>
-</p:properties>
+<?mso-contentType ?>
+<FormTemplates xmlns="http://schemas.microsoft.com/sharepoint/v3/contenttype/forms">
+  <Display>DocumentLibraryForm</Display>
+  <Edit>DocumentLibraryForm</Edit>
+  <New>DocumentLibraryForm</New>
+</FormTemplates>
 </file>
 
 <file path=customXml/itemProps1.xml><?xml version="1.0" encoding="utf-8"?>
-<ds:datastoreItem xmlns:ds="http://schemas.openxmlformats.org/officeDocument/2006/customXml" ds:itemID="{758FDAC0-319D-4A54-8D8E-1D42CB1F8004}">
+<ds:datastoreItem xmlns:ds="http://schemas.openxmlformats.org/officeDocument/2006/customXml" ds:itemID="{F990F116-B58F-4255-B05B-DA3808E0E5C6}">
   <ds:schemaRefs>
-    <ds:schemaRef ds:uri="http://schemas.microsoft.com/sharepoint/v3/contenttype/forms"/>
+    <ds:schemaRef ds:uri="http://purl.org/dc/dcmitype/"/>
+    <ds:schemaRef ds:uri="230e9df3-be65-4c73-a93b-d1236ebd677e"/>
+    <ds:schemaRef ds:uri="http://schemas.microsoft.com/office/2006/documentManagement/types"/>
+    <ds:schemaRef ds:uri="http://purl.org/dc/elements/1.1/"/>
+    <ds:schemaRef ds:uri="http://schemas.microsoft.com/office/2006/metadata/properties"/>
+    <ds:schemaRef ds:uri="http://schemas.microsoft.com/sharepoint/v3"/>
+    <ds:schemaRef ds:uri="http://schemas.microsoft.com/office/infopath/2007/PartnerControls"/>
+    <ds:schemaRef ds:uri="http://purl.org/dc/terms/"/>
+    <ds:schemaRef ds:uri="http://schemas.openxmlformats.org/package/2006/metadata/core-properties"/>
+    <ds:schemaRef ds:uri="e889e55c-35cf-43c7-aaf4-cf2500919dd8"/>
+    <ds:schemaRef ds:uri="04e01bb1-6d80-42e9-ae53-416b1e8aa845"/>
+    <ds:schemaRef ds:uri="http://www.w3.org/XML/1998/namespace"/>
   </ds:schemaRefs>
 </ds:datastoreItem>
 </file>
@@ -13294,20 +14753,9 @@
 </file>
 
 <file path=customXml/itemProps3.xml><?xml version="1.0" encoding="utf-8"?>
-<ds:datastoreItem xmlns:ds="http://schemas.openxmlformats.org/officeDocument/2006/customXml" ds:itemID="{F990F116-B58F-4255-B05B-DA3808E0E5C6}">
+<ds:datastoreItem xmlns:ds="http://schemas.openxmlformats.org/officeDocument/2006/customXml" ds:itemID="{758FDAC0-319D-4A54-8D8E-1D42CB1F8004}">
   <ds:schemaRefs>
-    <ds:schemaRef ds:uri="http://purl.org/dc/dcmitype/"/>
-    <ds:schemaRef ds:uri="230e9df3-be65-4c73-a93b-d1236ebd677e"/>
-    <ds:schemaRef ds:uri="http://schemas.microsoft.com/office/2006/documentManagement/types"/>
-    <ds:schemaRef ds:uri="http://purl.org/dc/elements/1.1/"/>
-    <ds:schemaRef ds:uri="http://schemas.microsoft.com/office/2006/metadata/properties"/>
-    <ds:schemaRef ds:uri="http://schemas.microsoft.com/sharepoint/v3"/>
-    <ds:schemaRef ds:uri="http://schemas.microsoft.com/office/infopath/2007/PartnerControls"/>
-    <ds:schemaRef ds:uri="http://purl.org/dc/terms/"/>
-    <ds:schemaRef ds:uri="http://schemas.openxmlformats.org/package/2006/metadata/core-properties"/>
-    <ds:schemaRef ds:uri="e889e55c-35cf-43c7-aaf4-cf2500919dd8"/>
-    <ds:schemaRef ds:uri="04e01bb1-6d80-42e9-ae53-416b1e8aa845"/>
-    <ds:schemaRef ds:uri="http://www.w3.org/XML/1998/namespace"/>
+    <ds:schemaRef ds:uri="http://schemas.microsoft.com/sharepoint/v3/contenttype/forms"/>
   </ds:schemaRefs>
 </ds:datastoreItem>
 </file>